--- a/Team Notes/scraper_one_pager_diagram.pptx
+++ b/Team Notes/scraper_one_pager_diagram.pptx
@@ -5,11 +5,10 @@
     <p:sldMasterId id="2147483672" r:id="rId1"/>
   </p:sldMasterIdLst>
   <p:notesMasterIdLst>
-    <p:notesMasterId r:id="rId4"/>
+    <p:notesMasterId r:id="rId3"/>
   </p:notesMasterIdLst>
   <p:sldIdLst>
-    <p:sldId id="333" r:id="rId2"/>
-    <p:sldId id="334" r:id="rId3"/>
+    <p:sldId id="334" r:id="rId2"/>
   </p:sldIdLst>
   <p:sldSz cx="16002000" cy="9994900"/>
   <p:notesSz cx="6858000" cy="9144000"/>
@@ -238,7 +237,7 @@
           <a:p>
             <a:fld id="{89AC1D24-5B3B-4369-9719-5A6E1033799A}" type="datetimeFigureOut">
               <a:rPr lang="en-US" smtClean="0"/>
-              <a:t>11/9/2020</a:t>
+              <a:t>11/28/2020</a:t>
             </a:fld>
             <a:endParaRPr lang="en-US"/>
           </a:p>
@@ -21020,5684 +21019,6 @@
         </p:nvSpPr>
         <p:spPr>
           <a:xfrm>
-            <a:off x="13636201" y="1004309"/>
-            <a:ext cx="1828800" cy="271151"/>
-          </a:xfrm>
-          <a:prstGeom prst="rect">
-            <a:avLst/>
-          </a:prstGeom>
-          <a:solidFill>
-            <a:schemeClr val="tx2"/>
-          </a:solidFill>
-          <a:ln>
-            <a:solidFill>
-              <a:schemeClr val="bg2"/>
-            </a:solidFill>
-          </a:ln>
-        </p:spPr>
-        <p:style>
-          <a:lnRef idx="2">
-            <a:schemeClr val="accent1">
-              <a:shade val="50000"/>
-            </a:schemeClr>
-          </a:lnRef>
-          <a:fillRef idx="1">
-            <a:schemeClr val="accent1"/>
-          </a:fillRef>
-          <a:effectRef idx="0">
-            <a:schemeClr val="accent1"/>
-          </a:effectRef>
-          <a:fontRef idx="minor">
-            <a:schemeClr val="lt1"/>
-          </a:fontRef>
-        </p:style>
-        <p:txBody>
-          <a:bodyPr rot="0" spcFirstLastPara="0" vertOverflow="overflow" horzOverflow="overflow" vert="horz" wrap="square" lIns="91440" tIns="45720" rIns="91440" bIns="45720" numCol="1" spcCol="0" rtlCol="0" fromWordArt="0" anchor="ctr" anchorCtr="0" forceAA="0" compatLnSpc="1">
-            <a:prstTxWarp prst="textNoShape">
-              <a:avLst/>
-            </a:prstTxWarp>
-            <a:noAutofit/>
-          </a:bodyPr>
-          <a:lstStyle/>
-          <a:p>
-            <a:pPr algn="ctr"/>
-            <a:r>
-              <a:rPr lang="en-US" sz="1000" dirty="0" smtClean="0">
-                <a:solidFill>
-                  <a:schemeClr val="bg2"/>
-                </a:solidFill>
-              </a:rPr>
-              <a:t>Scraper</a:t>
-            </a:r>
-          </a:p>
-        </p:txBody>
-      </p:sp>
-      <p:sp>
-        <p:nvSpPr>
-          <p:cNvPr id="197" name="Rectangle 196"/>
-          <p:cNvSpPr/>
-          <p:nvPr/>
-        </p:nvSpPr>
-        <p:spPr>
-          <a:xfrm>
-            <a:off x="13636201" y="1388773"/>
-            <a:ext cx="1828800" cy="581699"/>
-          </a:xfrm>
-          <a:prstGeom prst="rect">
-            <a:avLst/>
-          </a:prstGeom>
-          <a:solidFill>
-            <a:schemeClr val="tx2"/>
-          </a:solidFill>
-          <a:ln>
-            <a:solidFill>
-              <a:schemeClr val="bg2"/>
-            </a:solidFill>
-          </a:ln>
-        </p:spPr>
-        <p:style>
-          <a:lnRef idx="2">
-            <a:schemeClr val="accent1">
-              <a:shade val="50000"/>
-            </a:schemeClr>
-          </a:lnRef>
-          <a:fillRef idx="1">
-            <a:schemeClr val="accent1"/>
-          </a:fillRef>
-          <a:effectRef idx="0">
-            <a:schemeClr val="accent1"/>
-          </a:effectRef>
-          <a:fontRef idx="minor">
-            <a:schemeClr val="lt1"/>
-          </a:fontRef>
-        </p:style>
-        <p:txBody>
-          <a:bodyPr rot="0" spcFirstLastPara="0" vertOverflow="overflow" horzOverflow="overflow" vert="horz" wrap="square" lIns="91440" tIns="45720" rIns="91440" bIns="45720" numCol="1" spcCol="0" rtlCol="0" fromWordArt="0" anchor="ctr" anchorCtr="0" forceAA="0" compatLnSpc="1">
-            <a:prstTxWarp prst="textNoShape">
-              <a:avLst/>
-            </a:prstTxWarp>
-            <a:noAutofit/>
-          </a:bodyPr>
-          <a:lstStyle/>
-          <a:p>
-            <a:pPr algn="ctr"/>
-            <a:r>
-              <a:rPr lang="en-US" sz="1000" dirty="0" smtClean="0">
-                <a:solidFill>
-                  <a:schemeClr val="bg2"/>
-                </a:solidFill>
-              </a:rPr>
-              <a:t>Parser</a:t>
-            </a:r>
-          </a:p>
-          <a:p>
-            <a:pPr algn="ctr"/>
-            <a:r>
-              <a:rPr lang="en-US" sz="1000" dirty="0" smtClean="0">
-                <a:solidFill>
-                  <a:schemeClr val="bg2"/>
-                </a:solidFill>
-              </a:rPr>
-              <a:t>Review Parser (Parser)</a:t>
-            </a:r>
-          </a:p>
-          <a:p>
-            <a:pPr algn="ctr"/>
-            <a:r>
-              <a:rPr lang="en-US" sz="1000" dirty="0" smtClean="0">
-                <a:solidFill>
-                  <a:schemeClr val="bg2"/>
-                </a:solidFill>
-              </a:rPr>
-              <a:t>Book Parser (Parser)</a:t>
-            </a:r>
-          </a:p>
-        </p:txBody>
-      </p:sp>
-      <p:sp>
-        <p:nvSpPr>
-          <p:cNvPr id="198" name="Rectangle 197"/>
-          <p:cNvSpPr/>
-          <p:nvPr/>
-        </p:nvSpPr>
-        <p:spPr>
-          <a:xfrm>
-            <a:off x="13636201" y="2073421"/>
-            <a:ext cx="1828800" cy="1101087"/>
-          </a:xfrm>
-          <a:prstGeom prst="rect">
-            <a:avLst/>
-          </a:prstGeom>
-          <a:solidFill>
-            <a:schemeClr val="tx2"/>
-          </a:solidFill>
-          <a:ln>
-            <a:solidFill>
-              <a:schemeClr val="bg2"/>
-            </a:solidFill>
-          </a:ln>
-        </p:spPr>
-        <p:style>
-          <a:lnRef idx="2">
-            <a:schemeClr val="accent1">
-              <a:shade val="50000"/>
-            </a:schemeClr>
-          </a:lnRef>
-          <a:fillRef idx="1">
-            <a:schemeClr val="accent1"/>
-          </a:fillRef>
-          <a:effectRef idx="0">
-            <a:schemeClr val="accent1"/>
-          </a:effectRef>
-          <a:fontRef idx="minor">
-            <a:schemeClr val="lt1"/>
-          </a:fontRef>
-        </p:style>
-        <p:txBody>
-          <a:bodyPr rot="0" spcFirstLastPara="0" vertOverflow="overflow" horzOverflow="overflow" vert="horz" wrap="square" lIns="91440" tIns="45720" rIns="91440" bIns="45720" numCol="1" spcCol="0" rtlCol="0" fromWordArt="0" anchor="ctr" anchorCtr="0" forceAA="0" compatLnSpc="1">
-            <a:prstTxWarp prst="textNoShape">
-              <a:avLst/>
-            </a:prstTxWarp>
-            <a:noAutofit/>
-          </a:bodyPr>
-          <a:lstStyle/>
-          <a:p>
-            <a:pPr algn="ctr"/>
-            <a:r>
-              <a:rPr lang="en-US" sz="1000" dirty="0" smtClean="0">
-                <a:solidFill>
-                  <a:schemeClr val="bg2"/>
-                </a:solidFill>
-              </a:rPr>
-              <a:t>Boss</a:t>
-            </a:r>
-          </a:p>
-          <a:p>
-            <a:pPr algn="ctr"/>
-            <a:r>
-              <a:rPr lang="en-US" sz="1000" dirty="0" smtClean="0">
-                <a:solidFill>
-                  <a:schemeClr val="bg2"/>
-                </a:solidFill>
-              </a:rPr>
-              <a:t>Review Boss (Boss)</a:t>
-            </a:r>
-          </a:p>
-          <a:p>
-            <a:pPr algn="ctr"/>
-            <a:r>
-              <a:rPr lang="en-US" sz="1000" dirty="0" smtClean="0">
-                <a:solidFill>
-                  <a:schemeClr val="bg2"/>
-                </a:solidFill>
-              </a:rPr>
-              <a:t>Book Boss (Boss)</a:t>
-            </a:r>
-          </a:p>
-          <a:p>
-            <a:pPr algn="ctr"/>
-            <a:endParaRPr lang="en-US" sz="1000" dirty="0" smtClean="0">
-              <a:solidFill>
-                <a:schemeClr val="bg2"/>
-              </a:solidFill>
-            </a:endParaRPr>
-          </a:p>
-          <a:p>
-            <a:pPr algn="ctr"/>
-            <a:r>
-              <a:rPr lang="en-US" sz="1000" dirty="0" smtClean="0">
-                <a:solidFill>
-                  <a:schemeClr val="bg2"/>
-                </a:solidFill>
-              </a:rPr>
-              <a:t>Dual Boss: contains threads for  review boss &amp; book boss  </a:t>
-            </a:r>
-          </a:p>
-        </p:txBody>
-      </p:sp>
-      <p:sp>
-        <p:nvSpPr>
-          <p:cNvPr id="199" name="Rectangle 198"/>
-          <p:cNvSpPr/>
-          <p:nvPr/>
-        </p:nvSpPr>
-        <p:spPr>
-          <a:xfrm>
-            <a:off x="13636201" y="3288409"/>
-            <a:ext cx="1828800" cy="1266165"/>
-          </a:xfrm>
-          <a:prstGeom prst="rect">
-            <a:avLst/>
-          </a:prstGeom>
-          <a:solidFill>
-            <a:schemeClr val="tx2"/>
-          </a:solidFill>
-          <a:ln>
-            <a:solidFill>
-              <a:schemeClr val="bg2"/>
-            </a:solidFill>
-          </a:ln>
-        </p:spPr>
-        <p:style>
-          <a:lnRef idx="2">
-            <a:schemeClr val="accent1">
-              <a:shade val="50000"/>
-            </a:schemeClr>
-          </a:lnRef>
-          <a:fillRef idx="1">
-            <a:schemeClr val="accent1"/>
-          </a:fillRef>
-          <a:effectRef idx="0">
-            <a:schemeClr val="accent1"/>
-          </a:effectRef>
-          <a:fontRef idx="minor">
-            <a:schemeClr val="lt1"/>
-          </a:fontRef>
-        </p:style>
-        <p:txBody>
-          <a:bodyPr rot="0" spcFirstLastPara="0" vertOverflow="overflow" horzOverflow="overflow" vert="horz" wrap="square" lIns="91440" tIns="45720" rIns="91440" bIns="45720" numCol="1" spcCol="0" rtlCol="0" fromWordArt="0" anchor="ctr" anchorCtr="0" forceAA="0" compatLnSpc="1">
-            <a:prstTxWarp prst="textNoShape">
-              <a:avLst/>
-            </a:prstTxWarp>
-            <a:noAutofit/>
-          </a:bodyPr>
-          <a:lstStyle/>
-          <a:p>
-            <a:pPr algn="ctr"/>
-            <a:r>
-              <a:rPr lang="en-US" sz="1000" dirty="0" smtClean="0">
-                <a:solidFill>
-                  <a:schemeClr val="bg2"/>
-                </a:solidFill>
-              </a:rPr>
-              <a:t>Minion</a:t>
-            </a:r>
-          </a:p>
-          <a:p>
-            <a:pPr algn="ctr"/>
-            <a:r>
-              <a:rPr lang="en-US" sz="1000" dirty="0" smtClean="0">
-                <a:solidFill>
-                  <a:schemeClr val="bg2"/>
-                </a:solidFill>
-              </a:rPr>
-              <a:t>Review Minion (Minion)</a:t>
-            </a:r>
-          </a:p>
-          <a:p>
-            <a:pPr algn="ctr"/>
-            <a:r>
-              <a:rPr lang="en-US" sz="1000" dirty="0" smtClean="0">
-                <a:solidFill>
-                  <a:schemeClr val="bg2"/>
-                </a:solidFill>
-              </a:rPr>
-              <a:t>Book Minion (Minion)</a:t>
-            </a:r>
-          </a:p>
-          <a:p>
-            <a:pPr algn="ctr"/>
-            <a:endParaRPr lang="en-US" sz="1000" dirty="0" smtClean="0">
-              <a:solidFill>
-                <a:schemeClr val="bg2"/>
-              </a:solidFill>
-            </a:endParaRPr>
-          </a:p>
-          <a:p>
-            <a:pPr algn="ctr"/>
-            <a:r>
-              <a:rPr lang="en-US" sz="1000" dirty="0" smtClean="0">
-                <a:solidFill>
-                  <a:schemeClr val="bg2"/>
-                </a:solidFill>
-              </a:rPr>
-              <a:t>Dual Minion: contains threads for review minion &amp; book minion</a:t>
-            </a:r>
-          </a:p>
-        </p:txBody>
-      </p:sp>
-      <p:sp>
-        <p:nvSpPr>
-          <p:cNvPr id="201" name="Rectangle 200"/>
-          <p:cNvSpPr/>
-          <p:nvPr/>
-        </p:nvSpPr>
-        <p:spPr>
-          <a:xfrm>
-            <a:off x="13622610" y="5346447"/>
-            <a:ext cx="1828800" cy="964450"/>
-          </a:xfrm>
-          <a:prstGeom prst="rect">
-            <a:avLst/>
-          </a:prstGeom>
-          <a:solidFill>
-            <a:schemeClr val="tx2"/>
-          </a:solidFill>
-          <a:ln>
-            <a:solidFill>
-              <a:schemeClr val="bg2"/>
-            </a:solidFill>
-          </a:ln>
-        </p:spPr>
-        <p:style>
-          <a:lnRef idx="2">
-            <a:schemeClr val="accent1">
-              <a:shade val="50000"/>
-            </a:schemeClr>
-          </a:lnRef>
-          <a:fillRef idx="1">
-            <a:schemeClr val="accent1"/>
-          </a:fillRef>
-          <a:effectRef idx="0">
-            <a:schemeClr val="accent1"/>
-          </a:effectRef>
-          <a:fontRef idx="minor">
-            <a:schemeClr val="lt1"/>
-          </a:fontRef>
-        </p:style>
-        <p:txBody>
-          <a:bodyPr rot="0" spcFirstLastPara="0" vertOverflow="overflow" horzOverflow="overflow" vert="horz" wrap="square" lIns="91440" tIns="45720" rIns="91440" bIns="45720" numCol="1" spcCol="0" rtlCol="0" fromWordArt="0" anchor="ctr" anchorCtr="0" forceAA="0" compatLnSpc="1">
-            <a:prstTxWarp prst="textNoShape">
-              <a:avLst/>
-            </a:prstTxWarp>
-            <a:noAutofit/>
-          </a:bodyPr>
-          <a:lstStyle/>
-          <a:p>
-            <a:pPr algn="ctr"/>
-            <a:r>
-              <a:rPr lang="en-US" sz="1000" dirty="0" smtClean="0">
-                <a:solidFill>
-                  <a:schemeClr val="bg2"/>
-                </a:solidFill>
-              </a:rPr>
-              <a:t>Bottle</a:t>
-            </a:r>
-          </a:p>
-          <a:p>
-            <a:pPr algn="ctr"/>
-            <a:r>
-              <a:rPr lang="en-US" sz="1000" dirty="0" smtClean="0">
-                <a:solidFill>
-                  <a:schemeClr val="bg2"/>
-                </a:solidFill>
-              </a:rPr>
-              <a:t>Pandas</a:t>
-            </a:r>
-          </a:p>
-          <a:p>
-            <a:pPr algn="ctr"/>
-            <a:r>
-              <a:rPr lang="en-US" sz="1000" dirty="0" smtClean="0">
-                <a:solidFill>
-                  <a:schemeClr val="bg2"/>
-                </a:solidFill>
-              </a:rPr>
-              <a:t>Beautiful </a:t>
-            </a:r>
-            <a:r>
-              <a:rPr lang="en-US" sz="1000" dirty="0">
-                <a:solidFill>
-                  <a:schemeClr val="bg2"/>
-                </a:solidFill>
-              </a:rPr>
-              <a:t>Soup (</a:t>
-            </a:r>
-            <a:r>
-              <a:rPr lang="en-US" sz="1000" dirty="0" smtClean="0">
-                <a:solidFill>
-                  <a:schemeClr val="bg2"/>
-                </a:solidFill>
-              </a:rPr>
-              <a:t>bs4)</a:t>
-            </a:r>
-          </a:p>
-          <a:p>
-            <a:pPr algn="ctr"/>
-            <a:r>
-              <a:rPr lang="en-US" sz="1000" dirty="0" smtClean="0">
-                <a:solidFill>
-                  <a:schemeClr val="bg2"/>
-                </a:solidFill>
-              </a:rPr>
-              <a:t>Regular Expressions (re)</a:t>
-            </a:r>
-          </a:p>
-          <a:p>
-            <a:pPr algn="ctr"/>
-            <a:r>
-              <a:rPr lang="en-US" sz="1000" dirty="0" smtClean="0">
-                <a:solidFill>
-                  <a:schemeClr val="bg2"/>
-                </a:solidFill>
-              </a:rPr>
-              <a:t>Requests</a:t>
-            </a:r>
-          </a:p>
-        </p:txBody>
-      </p:sp>
-      <p:cxnSp>
-        <p:nvCxnSpPr>
-          <p:cNvPr id="286" name="Straight Arrow Connector 285"/>
-          <p:cNvCxnSpPr/>
-          <p:nvPr/>
-        </p:nvCxnSpPr>
-        <p:spPr>
-          <a:xfrm>
-            <a:off x="12761098" y="1962744"/>
-            <a:ext cx="0" cy="4023360"/>
-          </a:xfrm>
-          <a:prstGeom prst="straightConnector1">
-            <a:avLst/>
-          </a:prstGeom>
-          <a:ln w="19050">
-            <a:solidFill>
-              <a:schemeClr val="bg2"/>
-            </a:solidFill>
-            <a:headEnd type="none" w="med" len="med"/>
-            <a:tailEnd type="triangle" w="med" len="med"/>
-          </a:ln>
-        </p:spPr>
-        <p:style>
-          <a:lnRef idx="1">
-            <a:schemeClr val="accent1"/>
-          </a:lnRef>
-          <a:fillRef idx="0">
-            <a:schemeClr val="accent1"/>
-          </a:fillRef>
-          <a:effectRef idx="0">
-            <a:schemeClr val="accent1"/>
-          </a:effectRef>
-          <a:fontRef idx="minor">
-            <a:schemeClr val="tx1"/>
-          </a:fontRef>
-        </p:style>
-      </p:cxnSp>
-      <p:sp>
-        <p:nvSpPr>
-          <p:cNvPr id="2" name="Rectangle 1"/>
-          <p:cNvSpPr/>
-          <p:nvPr/>
-        </p:nvSpPr>
-        <p:spPr>
-          <a:xfrm>
-            <a:off x="0" y="152365"/>
-            <a:ext cx="13140699" cy="471731"/>
-          </a:xfrm>
-          <a:prstGeom prst="rect">
-            <a:avLst/>
-          </a:prstGeom>
-          <a:solidFill>
-            <a:schemeClr val="bg2"/>
-          </a:solidFill>
-          <a:ln>
-            <a:solidFill>
-              <a:schemeClr val="bg2"/>
-            </a:solidFill>
-          </a:ln>
-        </p:spPr>
-        <p:style>
-          <a:lnRef idx="2">
-            <a:schemeClr val="accent1">
-              <a:shade val="50000"/>
-            </a:schemeClr>
-          </a:lnRef>
-          <a:fillRef idx="1">
-            <a:schemeClr val="accent1"/>
-          </a:fillRef>
-          <a:effectRef idx="0">
-            <a:schemeClr val="accent1"/>
-          </a:effectRef>
-          <a:fontRef idx="minor">
-            <a:schemeClr val="lt1"/>
-          </a:fontRef>
-        </p:style>
-        <p:txBody>
-          <a:bodyPr rtlCol="0" anchor="ctr"/>
-          <a:lstStyle/>
-          <a:p>
-            <a:pPr algn="ctr"/>
-            <a:r>
-              <a:rPr lang="en-US" sz="1400" dirty="0" smtClean="0"/>
-              <a:t>Distributed Scraper Diagram</a:t>
-            </a:r>
-            <a:endParaRPr lang="en-US" sz="1400" dirty="0"/>
-          </a:p>
-        </p:txBody>
-      </p:sp>
-      <p:sp>
-        <p:nvSpPr>
-          <p:cNvPr id="108" name="Rectangle 107"/>
-          <p:cNvSpPr/>
-          <p:nvPr/>
-        </p:nvSpPr>
-        <p:spPr>
-          <a:xfrm>
-            <a:off x="13262399" y="152365"/>
-            <a:ext cx="2739601" cy="475488"/>
-          </a:xfrm>
-          <a:prstGeom prst="rect">
-            <a:avLst/>
-          </a:prstGeom>
-          <a:solidFill>
-            <a:schemeClr val="bg2"/>
-          </a:solidFill>
-          <a:ln>
-            <a:solidFill>
-              <a:schemeClr val="bg2"/>
-            </a:solidFill>
-          </a:ln>
-        </p:spPr>
-        <p:style>
-          <a:lnRef idx="2">
-            <a:schemeClr val="accent1">
-              <a:shade val="50000"/>
-            </a:schemeClr>
-          </a:lnRef>
-          <a:fillRef idx="1">
-            <a:schemeClr val="accent1"/>
-          </a:fillRef>
-          <a:effectRef idx="0">
-            <a:schemeClr val="accent1"/>
-          </a:effectRef>
-          <a:fontRef idx="minor">
-            <a:schemeClr val="lt1"/>
-          </a:fontRef>
-        </p:style>
-        <p:txBody>
-          <a:bodyPr rtlCol="0" anchor="ctr"/>
-          <a:lstStyle/>
-          <a:p>
-            <a:pPr algn="ctr"/>
-            <a:r>
-              <a:rPr lang="en-US" sz="1400" dirty="0" smtClean="0"/>
-              <a:t>Classes &amp; Inheritance</a:t>
-            </a:r>
-            <a:endParaRPr lang="en-US" sz="1400" dirty="0"/>
-          </a:p>
-        </p:txBody>
-      </p:sp>
-      <p:sp>
-        <p:nvSpPr>
-          <p:cNvPr id="110" name="Rectangle 109"/>
-          <p:cNvSpPr/>
-          <p:nvPr/>
-        </p:nvSpPr>
-        <p:spPr>
-          <a:xfrm>
-            <a:off x="13262399" y="4723728"/>
-            <a:ext cx="2739601" cy="475488"/>
-          </a:xfrm>
-          <a:prstGeom prst="rect">
-            <a:avLst/>
-          </a:prstGeom>
-          <a:solidFill>
-            <a:schemeClr val="bg2"/>
-          </a:solidFill>
-          <a:ln>
-            <a:solidFill>
-              <a:schemeClr val="bg2"/>
-            </a:solidFill>
-          </a:ln>
-        </p:spPr>
-        <p:style>
-          <a:lnRef idx="2">
-            <a:schemeClr val="accent1">
-              <a:shade val="50000"/>
-            </a:schemeClr>
-          </a:lnRef>
-          <a:fillRef idx="1">
-            <a:schemeClr val="accent1"/>
-          </a:fillRef>
-          <a:effectRef idx="0">
-            <a:schemeClr val="accent1"/>
-          </a:effectRef>
-          <a:fontRef idx="minor">
-            <a:schemeClr val="lt1"/>
-          </a:fontRef>
-        </p:style>
-        <p:txBody>
-          <a:bodyPr rtlCol="0" anchor="ctr"/>
-          <a:lstStyle/>
-          <a:p>
-            <a:pPr algn="ctr"/>
-            <a:r>
-              <a:rPr lang="en-US" sz="1400" dirty="0" smtClean="0"/>
-              <a:t>External Libraries</a:t>
-            </a:r>
-            <a:endParaRPr lang="en-US" sz="1400" dirty="0"/>
-          </a:p>
-        </p:txBody>
-      </p:sp>
-      <p:sp>
-        <p:nvSpPr>
-          <p:cNvPr id="112" name="Rectangle 111"/>
-          <p:cNvSpPr/>
-          <p:nvPr/>
-        </p:nvSpPr>
-        <p:spPr>
-          <a:xfrm>
-            <a:off x="13262399" y="6588420"/>
-            <a:ext cx="2739601" cy="475488"/>
-          </a:xfrm>
-          <a:prstGeom prst="rect">
-            <a:avLst/>
-          </a:prstGeom>
-          <a:solidFill>
-            <a:schemeClr val="bg2"/>
-          </a:solidFill>
-          <a:ln>
-            <a:solidFill>
-              <a:schemeClr val="bg2"/>
-            </a:solidFill>
-          </a:ln>
-        </p:spPr>
-        <p:style>
-          <a:lnRef idx="2">
-            <a:schemeClr val="accent1">
-              <a:shade val="50000"/>
-            </a:schemeClr>
-          </a:lnRef>
-          <a:fillRef idx="1">
-            <a:schemeClr val="accent1"/>
-          </a:fillRef>
-          <a:effectRef idx="0">
-            <a:schemeClr val="accent1"/>
-          </a:effectRef>
-          <a:fontRef idx="minor">
-            <a:schemeClr val="lt1"/>
-          </a:fontRef>
-        </p:style>
-        <p:txBody>
-          <a:bodyPr rtlCol="0" anchor="ctr"/>
-          <a:lstStyle/>
-          <a:p>
-            <a:pPr algn="ctr"/>
-            <a:r>
-              <a:rPr lang="en-US" sz="1400" dirty="0" smtClean="0"/>
-              <a:t>Additional details</a:t>
-            </a:r>
-            <a:endParaRPr lang="en-US" sz="1400" dirty="0"/>
-          </a:p>
-        </p:txBody>
-      </p:sp>
-      <p:sp>
-        <p:nvSpPr>
-          <p:cNvPr id="113" name="Rectangle 112"/>
-          <p:cNvSpPr/>
-          <p:nvPr/>
-        </p:nvSpPr>
-        <p:spPr>
-          <a:xfrm>
-            <a:off x="13673133" y="7240304"/>
-            <a:ext cx="1828800" cy="2559015"/>
-          </a:xfrm>
-          <a:prstGeom prst="rect">
-            <a:avLst/>
-          </a:prstGeom>
-          <a:solidFill>
-            <a:schemeClr val="tx2"/>
-          </a:solidFill>
-          <a:ln>
-            <a:solidFill>
-              <a:schemeClr val="bg2"/>
-            </a:solidFill>
-          </a:ln>
-        </p:spPr>
-        <p:style>
-          <a:lnRef idx="2">
-            <a:schemeClr val="accent1">
-              <a:shade val="50000"/>
-            </a:schemeClr>
-          </a:lnRef>
-          <a:fillRef idx="1">
-            <a:schemeClr val="accent1"/>
-          </a:fillRef>
-          <a:effectRef idx="0">
-            <a:schemeClr val="accent1"/>
-          </a:effectRef>
-          <a:fontRef idx="minor">
-            <a:schemeClr val="lt1"/>
-          </a:fontRef>
-        </p:style>
-        <p:txBody>
-          <a:bodyPr rot="0" spcFirstLastPara="0" vertOverflow="overflow" horzOverflow="overflow" vert="horz" wrap="square" lIns="91440" tIns="45720" rIns="91440" bIns="45720" numCol="1" spcCol="0" rtlCol="0" fromWordArt="0" anchor="ctr" anchorCtr="0" forceAA="0" compatLnSpc="1">
-            <a:prstTxWarp prst="textNoShape">
-              <a:avLst/>
-            </a:prstTxWarp>
-            <a:noAutofit/>
-          </a:bodyPr>
-          <a:lstStyle/>
-          <a:p>
-            <a:pPr algn="ctr"/>
-            <a:r>
-              <a:rPr lang="en-US" sz="1000" dirty="0" smtClean="0">
-                <a:solidFill>
-                  <a:schemeClr val="bg2"/>
-                </a:solidFill>
-              </a:rPr>
-              <a:t>Please note that the full system contains multiple minions. </a:t>
-            </a:r>
-          </a:p>
-          <a:p>
-            <a:pPr algn="ctr"/>
-            <a:endParaRPr lang="en-US" sz="1000" dirty="0">
-              <a:solidFill>
-                <a:schemeClr val="bg2"/>
-              </a:solidFill>
-            </a:endParaRPr>
-          </a:p>
-          <a:p>
-            <a:pPr algn="ctr"/>
-            <a:r>
-              <a:rPr lang="en-US" sz="1000" dirty="0" smtClean="0">
-                <a:solidFill>
-                  <a:schemeClr val="bg2"/>
-                </a:solidFill>
-              </a:rPr>
-              <a:t>Some functionality is not shown here such as: handling of invalid web pages, shutdown mechanisms, randomized sleep time between requests, and extended pauses when scraping has been blocked.</a:t>
-            </a:r>
-          </a:p>
-        </p:txBody>
-      </p:sp>
-      <p:grpSp>
-        <p:nvGrpSpPr>
-          <p:cNvPr id="9" name="Group 8"/>
-          <p:cNvGrpSpPr/>
-          <p:nvPr/>
-        </p:nvGrpSpPr>
-        <p:grpSpPr>
-          <a:xfrm>
-            <a:off x="2930347" y="1957972"/>
-            <a:ext cx="9679335" cy="3455587"/>
-            <a:chOff x="2930347" y="1957972"/>
-            <a:chExt cx="9679335" cy="3455587"/>
-          </a:xfrm>
-        </p:grpSpPr>
-        <p:grpSp>
-          <p:nvGrpSpPr>
-            <p:cNvPr id="243" name="Group 242"/>
-            <p:cNvGrpSpPr/>
-            <p:nvPr/>
-          </p:nvGrpSpPr>
-          <p:grpSpPr>
-            <a:xfrm>
-              <a:off x="2930347" y="1959983"/>
-              <a:ext cx="4283682" cy="3453576"/>
-              <a:chOff x="2664598" y="5455035"/>
-              <a:chExt cx="4283682" cy="3453576"/>
-            </a:xfrm>
-          </p:grpSpPr>
-          <p:sp>
-            <p:nvSpPr>
-              <p:cNvPr id="266" name="Rectangle 265"/>
-              <p:cNvSpPr/>
-              <p:nvPr/>
-            </p:nvSpPr>
-            <p:spPr>
-              <a:xfrm>
-                <a:off x="3419052" y="5455035"/>
-                <a:ext cx="3529228" cy="802543"/>
-              </a:xfrm>
-              <a:prstGeom prst="rect">
-                <a:avLst/>
-              </a:prstGeom>
-              <a:solidFill>
-                <a:schemeClr val="tx2"/>
-              </a:solidFill>
-              <a:ln>
-                <a:solidFill>
-                  <a:schemeClr val="bg2"/>
-                </a:solidFill>
-              </a:ln>
-            </p:spPr>
-            <p:style>
-              <a:lnRef idx="2">
-                <a:schemeClr val="accent1">
-                  <a:shade val="50000"/>
-                </a:schemeClr>
-              </a:lnRef>
-              <a:fillRef idx="1">
-                <a:schemeClr val="accent1"/>
-              </a:fillRef>
-              <a:effectRef idx="0">
-                <a:schemeClr val="accent1"/>
-              </a:effectRef>
-              <a:fontRef idx="minor">
-                <a:schemeClr val="lt1"/>
-              </a:fontRef>
-            </p:style>
-            <p:txBody>
-              <a:bodyPr rot="0" spcFirstLastPara="0" vertOverflow="overflow" horzOverflow="overflow" vert="horz" wrap="square" lIns="91440" tIns="45720" rIns="91440" bIns="45720" numCol="1" spcCol="0" rtlCol="0" fromWordArt="0" anchor="ctr" anchorCtr="0" forceAA="0" compatLnSpc="1">
-                <a:prstTxWarp prst="textNoShape">
-                  <a:avLst/>
-                </a:prstTxWarp>
-                <a:noAutofit/>
-              </a:bodyPr>
-              <a:lstStyle/>
-              <a:p>
-                <a:pPr algn="ctr"/>
-                <a:r>
-                  <a:rPr lang="en-US" sz="1000" dirty="0" smtClean="0">
-                    <a:solidFill>
-                      <a:schemeClr val="bg2"/>
-                    </a:solidFill>
-                  </a:rPr>
-                  <a:t>Initialize </a:t>
-                </a:r>
-                <a:r>
-                  <a:rPr lang="en-US" sz="1000" b="1" dirty="0" smtClean="0">
-                    <a:solidFill>
-                      <a:schemeClr val="bg2"/>
-                    </a:solidFill>
-                  </a:rPr>
-                  <a:t>Review Boss </a:t>
-                </a:r>
-                <a:r>
-                  <a:rPr lang="en-US" sz="1000" dirty="0" smtClean="0">
-                    <a:solidFill>
-                      <a:schemeClr val="bg2"/>
-                    </a:solidFill>
-                  </a:rPr>
-                  <a:t>&amp; input data request</a:t>
-                </a:r>
-              </a:p>
-              <a:p>
-                <a:pPr algn="ctr"/>
-                <a:endParaRPr lang="en-US" sz="1000" dirty="0">
-                  <a:solidFill>
-                    <a:schemeClr val="bg2"/>
-                  </a:solidFill>
-                </a:endParaRPr>
-              </a:p>
-              <a:p>
-                <a:pPr algn="ctr"/>
-                <a:r>
-                  <a:rPr lang="en-US" sz="1000" dirty="0" smtClean="0">
-                    <a:solidFill>
-                      <a:schemeClr val="bg2"/>
-                    </a:solidFill>
-                  </a:rPr>
-                  <a:t>Remove data points already in database from request. </a:t>
-                </a:r>
-                <a:r>
-                  <a:rPr lang="en-US" sz="1000" dirty="0">
-                    <a:solidFill>
-                      <a:schemeClr val="bg2"/>
-                    </a:solidFill>
-                  </a:rPr>
-                  <a:t>Split </a:t>
-                </a:r>
-                <a:r>
-                  <a:rPr lang="en-US" sz="1000" dirty="0" smtClean="0">
-                    <a:solidFill>
-                      <a:schemeClr val="bg2"/>
-                    </a:solidFill>
-                  </a:rPr>
-                  <a:t>request </a:t>
-                </a:r>
-                <a:r>
-                  <a:rPr lang="en-US" sz="1000" dirty="0">
-                    <a:solidFill>
-                      <a:schemeClr val="bg2"/>
-                    </a:solidFill>
-                  </a:rPr>
-                  <a:t>into assignments &amp; place in </a:t>
-                </a:r>
-                <a:r>
-                  <a:rPr lang="en-US" sz="1000" dirty="0">
-                    <a:solidFill>
-                      <a:srgbClr val="0070C0"/>
-                    </a:solidFill>
-                  </a:rPr>
-                  <a:t>assignments </a:t>
-                </a:r>
-                <a:r>
-                  <a:rPr lang="en-US" sz="1000" dirty="0" smtClean="0">
-                    <a:solidFill>
-                      <a:srgbClr val="0070C0"/>
-                    </a:solidFill>
-                  </a:rPr>
-                  <a:t>queue</a:t>
-                </a:r>
-                <a:endParaRPr lang="en-US" sz="1000" dirty="0">
-                  <a:solidFill>
-                    <a:srgbClr val="0070C0"/>
-                  </a:solidFill>
-                </a:endParaRPr>
-              </a:p>
-            </p:txBody>
-          </p:sp>
-          <p:cxnSp>
-            <p:nvCxnSpPr>
-              <p:cNvPr id="267" name="Straight Arrow Connector 266"/>
-              <p:cNvCxnSpPr/>
-              <p:nvPr/>
-            </p:nvCxnSpPr>
-            <p:spPr>
-              <a:xfrm flipH="1">
-                <a:off x="3582484" y="6452135"/>
-                <a:ext cx="22725" cy="2250610"/>
-              </a:xfrm>
-              <a:prstGeom prst="straightConnector1">
-                <a:avLst/>
-              </a:prstGeom>
-              <a:ln w="19050">
-                <a:solidFill>
-                  <a:schemeClr val="bg2"/>
-                </a:solidFill>
-                <a:headEnd type="none" w="med" len="med"/>
-                <a:tailEnd type="triangle" w="med" len="med"/>
-              </a:ln>
-            </p:spPr>
-            <p:style>
-              <a:lnRef idx="1">
-                <a:schemeClr val="accent1"/>
-              </a:lnRef>
-              <a:fillRef idx="0">
-                <a:schemeClr val="accent1"/>
-              </a:fillRef>
-              <a:effectRef idx="0">
-                <a:schemeClr val="accent1"/>
-              </a:effectRef>
-              <a:fontRef idx="minor">
-                <a:schemeClr val="tx1"/>
-              </a:fontRef>
-            </p:style>
-          </p:cxnSp>
-          <p:cxnSp>
-            <p:nvCxnSpPr>
-              <p:cNvPr id="268" name="Straight Arrow Connector 267"/>
-              <p:cNvCxnSpPr/>
-              <p:nvPr/>
-            </p:nvCxnSpPr>
-            <p:spPr>
-              <a:xfrm flipV="1">
-                <a:off x="2664598" y="5829810"/>
-                <a:ext cx="640080" cy="1251"/>
-              </a:xfrm>
-              <a:prstGeom prst="straightConnector1">
-                <a:avLst/>
-              </a:prstGeom>
-              <a:ln w="19050">
-                <a:solidFill>
-                  <a:schemeClr val="bg2"/>
-                </a:solidFill>
-                <a:headEnd type="none" w="med" len="med"/>
-                <a:tailEnd type="triangle" w="med" len="med"/>
-              </a:ln>
-            </p:spPr>
-            <p:style>
-              <a:lnRef idx="1">
-                <a:schemeClr val="accent1"/>
-              </a:lnRef>
-              <a:fillRef idx="0">
-                <a:schemeClr val="accent1"/>
-              </a:fillRef>
-              <a:effectRef idx="0">
-                <a:schemeClr val="accent1"/>
-              </a:effectRef>
-              <a:fontRef idx="minor">
-                <a:schemeClr val="tx1"/>
-              </a:fontRef>
-            </p:style>
-          </p:cxnSp>
-          <p:sp>
-            <p:nvSpPr>
-              <p:cNvPr id="269" name="TextBox 268"/>
-              <p:cNvSpPr txBox="1"/>
-              <p:nvPr/>
-            </p:nvSpPr>
-            <p:spPr>
-              <a:xfrm>
-                <a:off x="2664598" y="5599067"/>
-                <a:ext cx="565377" cy="246221"/>
-              </a:xfrm>
-              <a:prstGeom prst="rect">
-                <a:avLst/>
-              </a:prstGeom>
-              <a:noFill/>
-            </p:spPr>
-            <p:txBody>
-              <a:bodyPr wrap="square" rtlCol="0">
-                <a:spAutoFit/>
-              </a:bodyPr>
-              <a:lstStyle/>
-              <a:p>
-                <a:pPr algn="ctr"/>
-                <a:r>
-                  <a:rPr lang="en-US" sz="1000" dirty="0" smtClean="0">
-                    <a:solidFill>
-                      <a:schemeClr val="bg2"/>
-                    </a:solidFill>
-                  </a:rPr>
-                  <a:t>Thread</a:t>
-                </a:r>
-                <a:endParaRPr lang="en-US" sz="1000" dirty="0">
-                  <a:solidFill>
-                    <a:schemeClr val="bg2"/>
-                  </a:solidFill>
-                </a:endParaRPr>
-              </a:p>
-            </p:txBody>
-          </p:sp>
-          <p:cxnSp>
-            <p:nvCxnSpPr>
-              <p:cNvPr id="270" name="Straight Arrow Connector 269"/>
-              <p:cNvCxnSpPr/>
-              <p:nvPr/>
-            </p:nvCxnSpPr>
-            <p:spPr>
-              <a:xfrm flipV="1">
-                <a:off x="3730557" y="6689712"/>
-                <a:ext cx="640080" cy="1251"/>
-              </a:xfrm>
-              <a:prstGeom prst="straightConnector1">
-                <a:avLst/>
-              </a:prstGeom>
-              <a:ln w="19050">
-                <a:solidFill>
-                  <a:schemeClr val="bg2"/>
-                </a:solidFill>
-                <a:headEnd type="none" w="med" len="med"/>
-                <a:tailEnd type="triangle" w="med" len="med"/>
-              </a:ln>
-            </p:spPr>
-            <p:style>
-              <a:lnRef idx="1">
-                <a:schemeClr val="accent1"/>
-              </a:lnRef>
-              <a:fillRef idx="0">
-                <a:schemeClr val="accent1"/>
-              </a:fillRef>
-              <a:effectRef idx="0">
-                <a:schemeClr val="accent1"/>
-              </a:effectRef>
-              <a:fontRef idx="minor">
-                <a:schemeClr val="tx1"/>
-              </a:fontRef>
-            </p:style>
-          </p:cxnSp>
-          <p:sp>
-            <p:nvSpPr>
-              <p:cNvPr id="271" name="Rectangle 270"/>
-              <p:cNvSpPr/>
-              <p:nvPr/>
-            </p:nvSpPr>
-            <p:spPr>
-              <a:xfrm>
-                <a:off x="4439596" y="7917020"/>
-                <a:ext cx="2508684" cy="457200"/>
-              </a:xfrm>
-              <a:prstGeom prst="rect">
-                <a:avLst/>
-              </a:prstGeom>
-              <a:solidFill>
-                <a:schemeClr val="tx2"/>
-              </a:solidFill>
-              <a:ln>
-                <a:solidFill>
-                  <a:schemeClr val="bg2"/>
-                </a:solidFill>
-              </a:ln>
-            </p:spPr>
-            <p:style>
-              <a:lnRef idx="2">
-                <a:schemeClr val="accent1">
-                  <a:shade val="50000"/>
-                </a:schemeClr>
-              </a:lnRef>
-              <a:fillRef idx="1">
-                <a:schemeClr val="accent1"/>
-              </a:fillRef>
-              <a:effectRef idx="0">
-                <a:schemeClr val="accent1"/>
-              </a:effectRef>
-              <a:fontRef idx="minor">
-                <a:schemeClr val="lt1"/>
-              </a:fontRef>
-            </p:style>
-            <p:txBody>
-              <a:bodyPr rot="0" spcFirstLastPara="0" vertOverflow="overflow" horzOverflow="overflow" vert="horz" wrap="square" lIns="91440" tIns="45720" rIns="91440" bIns="45720" numCol="1" spcCol="0" rtlCol="0" fromWordArt="0" anchor="ctr" anchorCtr="0" forceAA="0" compatLnSpc="1">
-                <a:prstTxWarp prst="textNoShape">
-                  <a:avLst/>
-                </a:prstTxWarp>
-                <a:noAutofit/>
-              </a:bodyPr>
-              <a:lstStyle/>
-              <a:p>
-                <a:pPr algn="ctr"/>
-                <a:r>
-                  <a:rPr lang="en-US" sz="1000" dirty="0" smtClean="0">
-                    <a:solidFill>
-                      <a:schemeClr val="bg2"/>
-                    </a:solidFill>
-                  </a:rPr>
-                  <a:t>Write items in </a:t>
-                </a:r>
-                <a:r>
-                  <a:rPr lang="en-US" sz="1000" dirty="0" smtClean="0">
-                    <a:solidFill>
-                      <a:srgbClr val="C00000"/>
-                    </a:solidFill>
-                  </a:rPr>
-                  <a:t>unlogged </a:t>
-                </a:r>
-                <a:r>
-                  <a:rPr lang="en-US" sz="1000" dirty="0">
-                    <a:solidFill>
-                      <a:srgbClr val="C00000"/>
-                    </a:solidFill>
-                  </a:rPr>
-                  <a:t>data </a:t>
-                </a:r>
-                <a:r>
-                  <a:rPr lang="en-US" sz="1000" dirty="0" smtClean="0">
-                    <a:solidFill>
-                      <a:srgbClr val="C00000"/>
-                    </a:solidFill>
-                  </a:rPr>
-                  <a:t>queue </a:t>
-                </a:r>
-                <a:r>
-                  <a:rPr lang="en-US" sz="1000" dirty="0" smtClean="0">
-                    <a:solidFill>
-                      <a:schemeClr val="bg2"/>
-                    </a:solidFill>
-                  </a:rPr>
-                  <a:t>to review database </a:t>
-                </a:r>
-                <a:endParaRPr lang="en-US" sz="1000" dirty="0">
-                  <a:solidFill>
-                    <a:schemeClr val="bg2"/>
-                  </a:solidFill>
-                </a:endParaRPr>
-              </a:p>
-            </p:txBody>
-          </p:sp>
-          <p:cxnSp>
-            <p:nvCxnSpPr>
-              <p:cNvPr id="272" name="Straight Arrow Connector 271"/>
-              <p:cNvCxnSpPr/>
-              <p:nvPr/>
-            </p:nvCxnSpPr>
-            <p:spPr>
-              <a:xfrm flipV="1">
-                <a:off x="3752694" y="8144995"/>
-                <a:ext cx="640080" cy="1251"/>
-              </a:xfrm>
-              <a:prstGeom prst="straightConnector1">
-                <a:avLst/>
-              </a:prstGeom>
-              <a:ln w="19050">
-                <a:solidFill>
-                  <a:schemeClr val="bg2"/>
-                </a:solidFill>
-                <a:headEnd type="none" w="med" len="med"/>
-                <a:tailEnd type="triangle" w="med" len="med"/>
-              </a:ln>
-            </p:spPr>
-            <p:style>
-              <a:lnRef idx="1">
-                <a:schemeClr val="accent1"/>
-              </a:lnRef>
-              <a:fillRef idx="0">
-                <a:schemeClr val="accent1"/>
-              </a:fillRef>
-              <a:effectRef idx="0">
-                <a:schemeClr val="accent1"/>
-              </a:effectRef>
-              <a:fontRef idx="minor">
-                <a:schemeClr val="tx1"/>
-              </a:fontRef>
-            </p:style>
-          </p:cxnSp>
-          <p:sp>
-            <p:nvSpPr>
-              <p:cNvPr id="273" name="Rectangle 272"/>
-              <p:cNvSpPr/>
-              <p:nvPr/>
-            </p:nvSpPr>
-            <p:spPr>
-              <a:xfrm>
-                <a:off x="4441370" y="8451411"/>
-                <a:ext cx="2506910" cy="457200"/>
-              </a:xfrm>
-              <a:prstGeom prst="rect">
-                <a:avLst/>
-              </a:prstGeom>
-              <a:solidFill>
-                <a:schemeClr val="tx2"/>
-              </a:solidFill>
-              <a:ln>
-                <a:solidFill>
-                  <a:schemeClr val="bg2"/>
-                </a:solidFill>
-              </a:ln>
-            </p:spPr>
-            <p:style>
-              <a:lnRef idx="2">
-                <a:schemeClr val="accent1">
-                  <a:shade val="50000"/>
-                </a:schemeClr>
-              </a:lnRef>
-              <a:fillRef idx="1">
-                <a:schemeClr val="accent1"/>
-              </a:fillRef>
-              <a:effectRef idx="0">
-                <a:schemeClr val="accent1"/>
-              </a:effectRef>
-              <a:fontRef idx="minor">
-                <a:schemeClr val="lt1"/>
-              </a:fontRef>
-            </p:style>
-            <p:txBody>
-              <a:bodyPr rot="0" spcFirstLastPara="0" vertOverflow="overflow" horzOverflow="overflow" vert="horz" wrap="square" lIns="91440" tIns="45720" rIns="91440" bIns="45720" numCol="1" spcCol="0" rtlCol="0" fromWordArt="0" anchor="ctr" anchorCtr="0" forceAA="0" compatLnSpc="1">
-                <a:prstTxWarp prst="textNoShape">
-                  <a:avLst/>
-                </a:prstTxWarp>
-                <a:noAutofit/>
-              </a:bodyPr>
-              <a:lstStyle/>
-              <a:p>
-                <a:pPr algn="ctr"/>
-                <a:r>
-                  <a:rPr lang="en-US" sz="1000" dirty="0">
-                    <a:solidFill>
-                      <a:schemeClr val="bg2"/>
-                    </a:solidFill>
-                  </a:rPr>
-                  <a:t>Print progress to terminal at regular intervals</a:t>
-                </a:r>
-              </a:p>
-            </p:txBody>
-          </p:sp>
-          <p:cxnSp>
-            <p:nvCxnSpPr>
-              <p:cNvPr id="274" name="Straight Arrow Connector 273"/>
-              <p:cNvCxnSpPr/>
-              <p:nvPr/>
-            </p:nvCxnSpPr>
-            <p:spPr>
-              <a:xfrm flipV="1">
-                <a:off x="3752694" y="8679386"/>
-                <a:ext cx="640080" cy="1251"/>
-              </a:xfrm>
-              <a:prstGeom prst="straightConnector1">
-                <a:avLst/>
-              </a:prstGeom>
-              <a:ln w="19050">
-                <a:solidFill>
-                  <a:schemeClr val="bg2"/>
-                </a:solidFill>
-                <a:headEnd type="none" w="med" len="med"/>
-                <a:tailEnd type="triangle" w="med" len="med"/>
-              </a:ln>
-            </p:spPr>
-            <p:style>
-              <a:lnRef idx="1">
-                <a:schemeClr val="accent1"/>
-              </a:lnRef>
-              <a:fillRef idx="0">
-                <a:schemeClr val="accent1"/>
-              </a:fillRef>
-              <a:effectRef idx="0">
-                <a:schemeClr val="accent1"/>
-              </a:effectRef>
-              <a:fontRef idx="minor">
-                <a:schemeClr val="tx1"/>
-              </a:fontRef>
-            </p:style>
-          </p:cxnSp>
-          <p:cxnSp>
-            <p:nvCxnSpPr>
-              <p:cNvPr id="275" name="Straight Arrow Connector 274"/>
-              <p:cNvCxnSpPr/>
-              <p:nvPr/>
-            </p:nvCxnSpPr>
-            <p:spPr>
-              <a:xfrm rot="5400000">
-                <a:off x="5022742" y="6903389"/>
-                <a:ext cx="182880" cy="1"/>
-              </a:xfrm>
-              <a:prstGeom prst="straightConnector1">
-                <a:avLst/>
-              </a:prstGeom>
-              <a:ln w="19050">
-                <a:solidFill>
-                  <a:schemeClr val="bg2"/>
-                </a:solidFill>
-                <a:headEnd type="none" w="med" len="med"/>
-                <a:tailEnd type="triangle" w="med" len="med"/>
-              </a:ln>
-            </p:spPr>
-            <p:style>
-              <a:lnRef idx="1">
-                <a:schemeClr val="accent1"/>
-              </a:lnRef>
-              <a:fillRef idx="0">
-                <a:schemeClr val="accent1"/>
-              </a:fillRef>
-              <a:effectRef idx="0">
-                <a:schemeClr val="accent1"/>
-              </a:effectRef>
-              <a:fontRef idx="minor">
-                <a:schemeClr val="tx1"/>
-              </a:fontRef>
-            </p:style>
-          </p:cxnSp>
-          <p:sp>
-            <p:nvSpPr>
-              <p:cNvPr id="276" name="TextBox 275"/>
-              <p:cNvSpPr txBox="1"/>
-              <p:nvPr/>
-            </p:nvSpPr>
-            <p:spPr>
-              <a:xfrm>
-                <a:off x="3724268" y="6477240"/>
-                <a:ext cx="565377" cy="246221"/>
-              </a:xfrm>
-              <a:prstGeom prst="rect">
-                <a:avLst/>
-              </a:prstGeom>
-              <a:noFill/>
-            </p:spPr>
-            <p:txBody>
-              <a:bodyPr wrap="square" rtlCol="0">
-                <a:spAutoFit/>
-              </a:bodyPr>
-              <a:lstStyle/>
-              <a:p>
-                <a:pPr algn="ctr"/>
-                <a:r>
-                  <a:rPr lang="en-US" sz="1000" dirty="0" smtClean="0">
-                    <a:solidFill>
-                      <a:schemeClr val="bg2"/>
-                    </a:solidFill>
-                  </a:rPr>
-                  <a:t>Thread</a:t>
-                </a:r>
-                <a:endParaRPr lang="en-US" sz="1000" dirty="0">
-                  <a:solidFill>
-                    <a:schemeClr val="bg2"/>
-                  </a:solidFill>
-                </a:endParaRPr>
-              </a:p>
-            </p:txBody>
-          </p:sp>
-          <p:sp>
-            <p:nvSpPr>
-              <p:cNvPr id="277" name="TextBox 276"/>
-              <p:cNvSpPr txBox="1"/>
-              <p:nvPr/>
-            </p:nvSpPr>
-            <p:spPr>
-              <a:xfrm>
-                <a:off x="3746405" y="7917020"/>
-                <a:ext cx="565377" cy="246221"/>
-              </a:xfrm>
-              <a:prstGeom prst="rect">
-                <a:avLst/>
-              </a:prstGeom>
-              <a:noFill/>
-            </p:spPr>
-            <p:txBody>
-              <a:bodyPr wrap="square" rtlCol="0">
-                <a:spAutoFit/>
-              </a:bodyPr>
-              <a:lstStyle/>
-              <a:p>
-                <a:pPr algn="ctr"/>
-                <a:r>
-                  <a:rPr lang="en-US" sz="1000" dirty="0" smtClean="0">
-                    <a:solidFill>
-                      <a:schemeClr val="bg2"/>
-                    </a:solidFill>
-                  </a:rPr>
-                  <a:t>Thread</a:t>
-                </a:r>
-                <a:endParaRPr lang="en-US" sz="1000" dirty="0">
-                  <a:solidFill>
-                    <a:schemeClr val="bg2"/>
-                  </a:solidFill>
-                </a:endParaRPr>
-              </a:p>
-            </p:txBody>
-          </p:sp>
-          <p:sp>
-            <p:nvSpPr>
-              <p:cNvPr id="278" name="TextBox 277"/>
-              <p:cNvSpPr txBox="1"/>
-              <p:nvPr/>
-            </p:nvSpPr>
-            <p:spPr>
-              <a:xfrm>
-                <a:off x="3746405" y="8456524"/>
-                <a:ext cx="565377" cy="246221"/>
-              </a:xfrm>
-              <a:prstGeom prst="rect">
-                <a:avLst/>
-              </a:prstGeom>
-              <a:noFill/>
-            </p:spPr>
-            <p:txBody>
-              <a:bodyPr wrap="square" rtlCol="0">
-                <a:spAutoFit/>
-              </a:bodyPr>
-              <a:lstStyle/>
-              <a:p>
-                <a:pPr algn="ctr"/>
-                <a:r>
-                  <a:rPr lang="en-US" sz="1000" dirty="0" smtClean="0">
-                    <a:solidFill>
-                      <a:schemeClr val="bg2"/>
-                    </a:solidFill>
-                  </a:rPr>
-                  <a:t>Thread</a:t>
-                </a:r>
-                <a:endParaRPr lang="en-US" sz="1000" dirty="0">
-                  <a:solidFill>
-                    <a:schemeClr val="bg2"/>
-                  </a:solidFill>
-                </a:endParaRPr>
-              </a:p>
-            </p:txBody>
-          </p:sp>
-          <p:sp>
-            <p:nvSpPr>
-              <p:cNvPr id="279" name="Rectangle 278"/>
-              <p:cNvSpPr/>
-              <p:nvPr/>
-            </p:nvSpPr>
-            <p:spPr>
-              <a:xfrm>
-                <a:off x="4441370" y="6500715"/>
-                <a:ext cx="2506910" cy="283987"/>
-              </a:xfrm>
-              <a:prstGeom prst="rect">
-                <a:avLst/>
-              </a:prstGeom>
-              <a:solidFill>
-                <a:schemeClr val="tx2"/>
-              </a:solidFill>
-              <a:ln>
-                <a:solidFill>
-                  <a:schemeClr val="bg2"/>
-                </a:solidFill>
-              </a:ln>
-            </p:spPr>
-            <p:style>
-              <a:lnRef idx="2">
-                <a:schemeClr val="accent1">
-                  <a:shade val="50000"/>
-                </a:schemeClr>
-              </a:lnRef>
-              <a:fillRef idx="1">
-                <a:schemeClr val="accent1"/>
-              </a:fillRef>
-              <a:effectRef idx="0">
-                <a:schemeClr val="accent1"/>
-              </a:effectRef>
-              <a:fontRef idx="minor">
-                <a:schemeClr val="lt1"/>
-              </a:fontRef>
-            </p:style>
-            <p:txBody>
-              <a:bodyPr rot="0" spcFirstLastPara="0" vertOverflow="overflow" horzOverflow="overflow" vert="horz" wrap="square" lIns="91440" tIns="45720" rIns="91440" bIns="45720" numCol="1" spcCol="0" rtlCol="0" fromWordArt="0" anchor="ctr" anchorCtr="0" forceAA="0" compatLnSpc="1">
-                <a:prstTxWarp prst="textNoShape">
-                  <a:avLst/>
-                </a:prstTxWarp>
-                <a:noAutofit/>
-              </a:bodyPr>
-              <a:lstStyle/>
-              <a:p>
-                <a:pPr algn="ctr"/>
-                <a:r>
-                  <a:rPr lang="en-US" sz="1000" dirty="0" smtClean="0">
-                    <a:solidFill>
-                      <a:schemeClr val="bg2"/>
-                    </a:solidFill>
-                  </a:rPr>
-                  <a:t>Listen for requests via API</a:t>
-                </a:r>
-                <a:endParaRPr lang="en-US" sz="1000" dirty="0">
-                  <a:solidFill>
-                    <a:schemeClr val="accent3"/>
-                  </a:solidFill>
-                </a:endParaRPr>
-              </a:p>
-            </p:txBody>
-          </p:sp>
-          <p:sp>
-            <p:nvSpPr>
-              <p:cNvPr id="280" name="Rectangle 279"/>
-              <p:cNvSpPr/>
-              <p:nvPr/>
-            </p:nvSpPr>
-            <p:spPr>
-              <a:xfrm>
-                <a:off x="4468815" y="7013131"/>
-                <a:ext cx="1188720" cy="747775"/>
-              </a:xfrm>
-              <a:prstGeom prst="rect">
-                <a:avLst/>
-              </a:prstGeom>
-              <a:solidFill>
-                <a:schemeClr val="tx2"/>
-              </a:solidFill>
-              <a:ln>
-                <a:solidFill>
-                  <a:schemeClr val="bg2"/>
-                </a:solidFill>
-              </a:ln>
-            </p:spPr>
-            <p:style>
-              <a:lnRef idx="2">
-                <a:schemeClr val="accent1">
-                  <a:shade val="50000"/>
-                </a:schemeClr>
-              </a:lnRef>
-              <a:fillRef idx="1">
-                <a:schemeClr val="accent1"/>
-              </a:fillRef>
-              <a:effectRef idx="0">
-                <a:schemeClr val="accent1"/>
-              </a:effectRef>
-              <a:fontRef idx="minor">
-                <a:schemeClr val="lt1"/>
-              </a:fontRef>
-            </p:style>
-            <p:txBody>
-              <a:bodyPr rot="0" spcFirstLastPara="0" vertOverflow="overflow" horzOverflow="overflow" vert="horz" wrap="square" lIns="91440" tIns="45720" rIns="91440" bIns="45720" numCol="1" spcCol="0" rtlCol="0" fromWordArt="0" anchor="ctr" anchorCtr="0" forceAA="0" compatLnSpc="1">
-                <a:prstTxWarp prst="textNoShape">
-                  <a:avLst/>
-                </a:prstTxWarp>
-                <a:noAutofit/>
-              </a:bodyPr>
-              <a:lstStyle/>
-              <a:p>
-                <a:pPr algn="ctr"/>
-                <a:r>
-                  <a:rPr lang="en-US" sz="1000" dirty="0" smtClean="0">
-                    <a:solidFill>
-                      <a:schemeClr val="bg2"/>
-                    </a:solidFill>
-                  </a:rPr>
-                  <a:t>For assignment requests, respond with items from </a:t>
-                </a:r>
-                <a:r>
-                  <a:rPr lang="en-US" sz="1000" dirty="0">
-                    <a:solidFill>
-                      <a:srgbClr val="0070C0"/>
-                    </a:solidFill>
-                  </a:rPr>
-                  <a:t>assignments queue</a:t>
-                </a:r>
-              </a:p>
-            </p:txBody>
-          </p:sp>
-          <p:sp>
-            <p:nvSpPr>
-              <p:cNvPr id="281" name="Rectangle 280"/>
-              <p:cNvSpPr/>
-              <p:nvPr/>
-            </p:nvSpPr>
-            <p:spPr>
-              <a:xfrm>
-                <a:off x="5759560" y="7024076"/>
-                <a:ext cx="1188720" cy="747775"/>
-              </a:xfrm>
-              <a:prstGeom prst="rect">
-                <a:avLst/>
-              </a:prstGeom>
-              <a:solidFill>
-                <a:schemeClr val="tx2"/>
-              </a:solidFill>
-              <a:ln>
-                <a:solidFill>
-                  <a:schemeClr val="bg2"/>
-                </a:solidFill>
-              </a:ln>
-            </p:spPr>
-            <p:style>
-              <a:lnRef idx="2">
-                <a:schemeClr val="accent1">
-                  <a:shade val="50000"/>
-                </a:schemeClr>
-              </a:lnRef>
-              <a:fillRef idx="1">
-                <a:schemeClr val="accent1"/>
-              </a:fillRef>
-              <a:effectRef idx="0">
-                <a:schemeClr val="accent1"/>
-              </a:effectRef>
-              <a:fontRef idx="minor">
-                <a:schemeClr val="lt1"/>
-              </a:fontRef>
-            </p:style>
-            <p:txBody>
-              <a:bodyPr rot="0" spcFirstLastPara="0" vertOverflow="overflow" horzOverflow="overflow" vert="horz" wrap="square" lIns="91440" tIns="45720" rIns="91440" bIns="45720" numCol="1" spcCol="0" rtlCol="0" fromWordArt="0" anchor="ctr" anchorCtr="0" forceAA="0" compatLnSpc="1">
-                <a:prstTxWarp prst="textNoShape">
-                  <a:avLst/>
-                </a:prstTxWarp>
-                <a:noAutofit/>
-              </a:bodyPr>
-              <a:lstStyle/>
-              <a:p>
-                <a:pPr algn="ctr"/>
-                <a:r>
-                  <a:rPr lang="en-US" sz="1000" dirty="0" smtClean="0">
-                    <a:solidFill>
-                      <a:schemeClr val="bg2"/>
-                    </a:solidFill>
-                  </a:rPr>
-                  <a:t>For incoming data, place in </a:t>
-                </a:r>
-                <a:r>
-                  <a:rPr lang="en-US" sz="1000" dirty="0" smtClean="0">
-                    <a:solidFill>
-                      <a:schemeClr val="accent3"/>
-                    </a:solidFill>
-                  </a:rPr>
-                  <a:t>unlogged </a:t>
-                </a:r>
-                <a:r>
-                  <a:rPr lang="en-US" sz="1000" dirty="0">
-                    <a:solidFill>
-                      <a:schemeClr val="accent3"/>
-                    </a:solidFill>
-                  </a:rPr>
-                  <a:t>data </a:t>
-                </a:r>
-                <a:r>
-                  <a:rPr lang="en-US" sz="1000" dirty="0" smtClean="0">
-                    <a:solidFill>
-                      <a:schemeClr val="accent3"/>
-                    </a:solidFill>
-                  </a:rPr>
-                  <a:t>queue</a:t>
-                </a:r>
-                <a:endParaRPr lang="en-US" sz="1000" dirty="0">
-                  <a:solidFill>
-                    <a:schemeClr val="accent3"/>
-                  </a:solidFill>
-                </a:endParaRPr>
-              </a:p>
-            </p:txBody>
-          </p:sp>
-          <p:cxnSp>
-            <p:nvCxnSpPr>
-              <p:cNvPr id="282" name="Straight Arrow Connector 281"/>
-              <p:cNvCxnSpPr/>
-              <p:nvPr/>
-            </p:nvCxnSpPr>
-            <p:spPr>
-              <a:xfrm rot="5400000">
-                <a:off x="6241942" y="6916089"/>
-                <a:ext cx="182880" cy="1"/>
-              </a:xfrm>
-              <a:prstGeom prst="straightConnector1">
-                <a:avLst/>
-              </a:prstGeom>
-              <a:ln w="19050">
-                <a:solidFill>
-                  <a:schemeClr val="bg2"/>
-                </a:solidFill>
-                <a:headEnd type="none" w="med" len="med"/>
-                <a:tailEnd type="triangle" w="med" len="med"/>
-              </a:ln>
-            </p:spPr>
-            <p:style>
-              <a:lnRef idx="1">
-                <a:schemeClr val="accent1"/>
-              </a:lnRef>
-              <a:fillRef idx="0">
-                <a:schemeClr val="accent1"/>
-              </a:fillRef>
-              <a:effectRef idx="0">
-                <a:schemeClr val="accent1"/>
-              </a:effectRef>
-              <a:fontRef idx="minor">
-                <a:schemeClr val="tx1"/>
-              </a:fontRef>
-            </p:style>
-          </p:cxnSp>
-          <p:sp>
-            <p:nvSpPr>
-              <p:cNvPr id="283" name="Rectangle 282"/>
-              <p:cNvSpPr/>
-              <p:nvPr/>
-            </p:nvSpPr>
-            <p:spPr>
-              <a:xfrm>
-                <a:off x="5759560" y="7024077"/>
-                <a:ext cx="1188720" cy="747775"/>
-              </a:xfrm>
-              <a:prstGeom prst="rect">
-                <a:avLst/>
-              </a:prstGeom>
-              <a:solidFill>
-                <a:schemeClr val="tx2"/>
-              </a:solidFill>
-              <a:ln>
-                <a:solidFill>
-                  <a:schemeClr val="bg2"/>
-                </a:solidFill>
-              </a:ln>
-            </p:spPr>
-            <p:style>
-              <a:lnRef idx="2">
-                <a:schemeClr val="accent1">
-                  <a:shade val="50000"/>
-                </a:schemeClr>
-              </a:lnRef>
-              <a:fillRef idx="1">
-                <a:schemeClr val="accent1"/>
-              </a:fillRef>
-              <a:effectRef idx="0">
-                <a:schemeClr val="accent1"/>
-              </a:effectRef>
-              <a:fontRef idx="minor">
-                <a:schemeClr val="lt1"/>
-              </a:fontRef>
-            </p:style>
-            <p:txBody>
-              <a:bodyPr rot="0" spcFirstLastPara="0" vertOverflow="overflow" horzOverflow="overflow" vert="horz" wrap="square" lIns="91440" tIns="45720" rIns="91440" bIns="45720" numCol="1" spcCol="0" rtlCol="0" fromWordArt="0" anchor="ctr" anchorCtr="0" forceAA="0" compatLnSpc="1">
-                <a:prstTxWarp prst="textNoShape">
-                  <a:avLst/>
-                </a:prstTxWarp>
-                <a:noAutofit/>
-              </a:bodyPr>
-              <a:lstStyle/>
-              <a:p>
-                <a:pPr algn="ctr"/>
-                <a:r>
-                  <a:rPr lang="en-US" sz="1000" dirty="0" smtClean="0">
-                    <a:solidFill>
-                      <a:schemeClr val="bg2"/>
-                    </a:solidFill>
-                  </a:rPr>
-                  <a:t>For incoming data, place in </a:t>
-                </a:r>
-                <a:r>
-                  <a:rPr lang="en-US" sz="1000" dirty="0" smtClean="0">
-                    <a:solidFill>
-                      <a:srgbClr val="C00000"/>
-                    </a:solidFill>
-                  </a:rPr>
-                  <a:t>unlogged </a:t>
-                </a:r>
-                <a:r>
-                  <a:rPr lang="en-US" sz="1000" dirty="0">
-                    <a:solidFill>
-                      <a:srgbClr val="C00000"/>
-                    </a:solidFill>
-                  </a:rPr>
-                  <a:t>data </a:t>
-                </a:r>
-                <a:r>
-                  <a:rPr lang="en-US" sz="1000" dirty="0" smtClean="0">
-                    <a:solidFill>
-                      <a:srgbClr val="C00000"/>
-                    </a:solidFill>
-                  </a:rPr>
-                  <a:t>queue</a:t>
-                </a:r>
-                <a:endParaRPr lang="en-US" sz="1000" dirty="0">
-                  <a:solidFill>
-                    <a:srgbClr val="C00000"/>
-                  </a:solidFill>
-                </a:endParaRPr>
-              </a:p>
-            </p:txBody>
-          </p:sp>
-          <p:cxnSp>
-            <p:nvCxnSpPr>
-              <p:cNvPr id="284" name="Straight Arrow Connector 283"/>
-              <p:cNvCxnSpPr/>
-              <p:nvPr/>
-            </p:nvCxnSpPr>
-            <p:spPr>
-              <a:xfrm rot="5400000">
-                <a:off x="6241942" y="6916090"/>
-                <a:ext cx="182880" cy="1"/>
-              </a:xfrm>
-              <a:prstGeom prst="straightConnector1">
-                <a:avLst/>
-              </a:prstGeom>
-              <a:ln w="19050">
-                <a:solidFill>
-                  <a:schemeClr val="bg2"/>
-                </a:solidFill>
-                <a:headEnd type="none" w="med" len="med"/>
-                <a:tailEnd type="triangle" w="med" len="med"/>
-              </a:ln>
-            </p:spPr>
-            <p:style>
-              <a:lnRef idx="1">
-                <a:schemeClr val="accent1"/>
-              </a:lnRef>
-              <a:fillRef idx="0">
-                <a:schemeClr val="accent1"/>
-              </a:fillRef>
-              <a:effectRef idx="0">
-                <a:schemeClr val="accent1"/>
-              </a:effectRef>
-              <a:fontRef idx="minor">
-                <a:schemeClr val="tx1"/>
-              </a:fontRef>
-            </p:style>
-          </p:cxnSp>
-        </p:grpSp>
-        <p:grpSp>
-          <p:nvGrpSpPr>
-            <p:cNvPr id="244" name="Group 243"/>
-            <p:cNvGrpSpPr/>
-            <p:nvPr/>
-          </p:nvGrpSpPr>
-          <p:grpSpPr>
-            <a:xfrm>
-              <a:off x="8365671" y="1957972"/>
-              <a:ext cx="4244011" cy="3450932"/>
-              <a:chOff x="8099922" y="5453024"/>
-              <a:chExt cx="4244011" cy="3450932"/>
-            </a:xfrm>
-          </p:grpSpPr>
-          <p:sp>
-            <p:nvSpPr>
-              <p:cNvPr id="247" name="Rectangle 246"/>
-              <p:cNvSpPr/>
-              <p:nvPr/>
-            </p:nvSpPr>
-            <p:spPr>
-              <a:xfrm>
-                <a:off x="8099922" y="5512862"/>
-                <a:ext cx="3529228" cy="328036"/>
-              </a:xfrm>
-              <a:prstGeom prst="rect">
-                <a:avLst/>
-              </a:prstGeom>
-              <a:solidFill>
-                <a:schemeClr val="bg1"/>
-              </a:solidFill>
-              <a:ln>
-                <a:solidFill>
-                  <a:schemeClr val="bg2"/>
-                </a:solidFill>
-              </a:ln>
-            </p:spPr>
-            <p:style>
-              <a:lnRef idx="2">
-                <a:schemeClr val="accent1">
-                  <a:shade val="50000"/>
-                </a:schemeClr>
-              </a:lnRef>
-              <a:fillRef idx="1">
-                <a:schemeClr val="accent1"/>
-              </a:fillRef>
-              <a:effectRef idx="0">
-                <a:schemeClr val="accent1"/>
-              </a:effectRef>
-              <a:fontRef idx="minor">
-                <a:schemeClr val="lt1"/>
-              </a:fontRef>
-            </p:style>
-            <p:txBody>
-              <a:bodyPr rot="0" spcFirstLastPara="0" vertOverflow="overflow" horzOverflow="overflow" vert="horz" wrap="square" lIns="91440" tIns="45720" rIns="91440" bIns="45720" numCol="1" spcCol="0" rtlCol="0" fromWordArt="0" anchor="ctr" anchorCtr="0" forceAA="0" compatLnSpc="1">
-                <a:prstTxWarp prst="textNoShape">
-                  <a:avLst/>
-                </a:prstTxWarp>
-                <a:noAutofit/>
-              </a:bodyPr>
-              <a:lstStyle/>
-              <a:p>
-                <a:pPr algn="ctr"/>
-                <a:r>
-                  <a:rPr lang="en-US" sz="1000" dirty="0" smtClean="0">
-                    <a:solidFill>
-                      <a:schemeClr val="bg2"/>
-                    </a:solidFill>
-                  </a:rPr>
-                  <a:t>Initialize </a:t>
-                </a:r>
-                <a:r>
-                  <a:rPr lang="en-US" sz="1000" b="1" dirty="0" smtClean="0">
-                    <a:solidFill>
-                      <a:schemeClr val="bg2"/>
-                    </a:solidFill>
-                  </a:rPr>
-                  <a:t>Review Minion</a:t>
-                </a:r>
-                <a:endParaRPr lang="en-US" sz="1000" b="1" dirty="0">
-                  <a:solidFill>
-                    <a:schemeClr val="bg2"/>
-                  </a:solidFill>
-                </a:endParaRPr>
-              </a:p>
-            </p:txBody>
-          </p:sp>
-          <p:cxnSp>
-            <p:nvCxnSpPr>
-              <p:cNvPr id="248" name="Straight Arrow Connector 247"/>
-              <p:cNvCxnSpPr/>
-              <p:nvPr/>
-            </p:nvCxnSpPr>
-            <p:spPr>
-              <a:xfrm flipH="1" flipV="1">
-                <a:off x="11703853" y="5676255"/>
-                <a:ext cx="640080" cy="1251"/>
-              </a:xfrm>
-              <a:prstGeom prst="straightConnector1">
-                <a:avLst/>
-              </a:prstGeom>
-              <a:ln w="19050">
-                <a:solidFill>
-                  <a:schemeClr val="bg2"/>
-                </a:solidFill>
-                <a:headEnd type="none" w="med" len="med"/>
-                <a:tailEnd type="triangle" w="med" len="med"/>
-              </a:ln>
-            </p:spPr>
-            <p:style>
-              <a:lnRef idx="1">
-                <a:schemeClr val="accent1"/>
-              </a:lnRef>
-              <a:fillRef idx="0">
-                <a:schemeClr val="accent1"/>
-              </a:fillRef>
-              <a:effectRef idx="0">
-                <a:schemeClr val="accent1"/>
-              </a:effectRef>
-              <a:fontRef idx="minor">
-                <a:schemeClr val="tx1"/>
-              </a:fontRef>
-            </p:style>
-          </p:cxnSp>
-          <p:sp>
-            <p:nvSpPr>
-              <p:cNvPr id="249" name="TextBox 248"/>
-              <p:cNvSpPr txBox="1"/>
-              <p:nvPr/>
-            </p:nvSpPr>
-            <p:spPr>
-              <a:xfrm flipH="1">
-                <a:off x="11766175" y="5453024"/>
-                <a:ext cx="565377" cy="246221"/>
-              </a:xfrm>
-              <a:prstGeom prst="rect">
-                <a:avLst/>
-              </a:prstGeom>
-              <a:noFill/>
-            </p:spPr>
-            <p:txBody>
-              <a:bodyPr wrap="square" rtlCol="0">
-                <a:spAutoFit/>
-              </a:bodyPr>
-              <a:lstStyle/>
-              <a:p>
-                <a:pPr algn="ctr"/>
-                <a:r>
-                  <a:rPr lang="en-US" sz="1000" dirty="0" smtClean="0">
-                    <a:solidFill>
-                      <a:schemeClr val="bg2"/>
-                    </a:solidFill>
-                  </a:rPr>
-                  <a:t>Thread</a:t>
-                </a:r>
-                <a:endParaRPr lang="en-US" sz="1000" dirty="0">
-                  <a:solidFill>
-                    <a:schemeClr val="bg2"/>
-                  </a:solidFill>
-                </a:endParaRPr>
-              </a:p>
-            </p:txBody>
-          </p:sp>
-          <p:sp>
-            <p:nvSpPr>
-              <p:cNvPr id="250" name="TextBox 249"/>
-              <p:cNvSpPr txBox="1"/>
-              <p:nvPr/>
-            </p:nvSpPr>
-            <p:spPr>
-              <a:xfrm>
-                <a:off x="10770432" y="6454083"/>
-                <a:ext cx="565377" cy="246221"/>
-              </a:xfrm>
-              <a:prstGeom prst="rect">
-                <a:avLst/>
-              </a:prstGeom>
-              <a:noFill/>
-            </p:spPr>
-            <p:txBody>
-              <a:bodyPr wrap="square" rtlCol="0">
-                <a:spAutoFit/>
-              </a:bodyPr>
-              <a:lstStyle/>
-              <a:p>
-                <a:pPr algn="ctr"/>
-                <a:r>
-                  <a:rPr lang="en-US" sz="1000" dirty="0" smtClean="0">
-                    <a:solidFill>
-                      <a:schemeClr val="bg2"/>
-                    </a:solidFill>
-                  </a:rPr>
-                  <a:t>Thread</a:t>
-                </a:r>
-                <a:endParaRPr lang="en-US" sz="1000" dirty="0">
-                  <a:solidFill>
-                    <a:schemeClr val="bg2"/>
-                  </a:solidFill>
-                </a:endParaRPr>
-              </a:p>
-            </p:txBody>
-          </p:sp>
-          <p:sp>
-            <p:nvSpPr>
-              <p:cNvPr id="251" name="TextBox 250"/>
-              <p:cNvSpPr txBox="1"/>
-              <p:nvPr/>
-            </p:nvSpPr>
-            <p:spPr>
-              <a:xfrm>
-                <a:off x="10750688" y="7929376"/>
-                <a:ext cx="565377" cy="246221"/>
-              </a:xfrm>
-              <a:prstGeom prst="rect">
-                <a:avLst/>
-              </a:prstGeom>
-              <a:noFill/>
-            </p:spPr>
-            <p:txBody>
-              <a:bodyPr wrap="square" rtlCol="0">
-                <a:spAutoFit/>
-              </a:bodyPr>
-              <a:lstStyle/>
-              <a:p>
-                <a:pPr algn="ctr"/>
-                <a:r>
-                  <a:rPr lang="en-US" sz="1000" dirty="0" smtClean="0">
-                    <a:solidFill>
-                      <a:schemeClr val="bg2"/>
-                    </a:solidFill>
-                  </a:rPr>
-                  <a:t>Thread</a:t>
-                </a:r>
-                <a:endParaRPr lang="en-US" sz="1000" dirty="0">
-                  <a:solidFill>
-                    <a:schemeClr val="bg2"/>
-                  </a:solidFill>
-                </a:endParaRPr>
-              </a:p>
-            </p:txBody>
-          </p:sp>
-          <p:sp>
-            <p:nvSpPr>
-              <p:cNvPr id="252" name="Rectangle 251"/>
-              <p:cNvSpPr/>
-              <p:nvPr/>
-            </p:nvSpPr>
-            <p:spPr>
-              <a:xfrm>
-                <a:off x="8118020" y="7912365"/>
-                <a:ext cx="2484595" cy="457200"/>
-              </a:xfrm>
-              <a:prstGeom prst="rect">
-                <a:avLst/>
-              </a:prstGeom>
-              <a:solidFill>
-                <a:schemeClr val="bg1"/>
-              </a:solidFill>
-              <a:ln>
-                <a:solidFill>
-                  <a:schemeClr val="bg2"/>
-                </a:solidFill>
-              </a:ln>
-            </p:spPr>
-            <p:style>
-              <a:lnRef idx="2">
-                <a:schemeClr val="accent1">
-                  <a:shade val="50000"/>
-                </a:schemeClr>
-              </a:lnRef>
-              <a:fillRef idx="1">
-                <a:schemeClr val="accent1"/>
-              </a:fillRef>
-              <a:effectRef idx="0">
-                <a:schemeClr val="accent1"/>
-              </a:effectRef>
-              <a:fontRef idx="minor">
-                <a:schemeClr val="lt1"/>
-              </a:fontRef>
-            </p:style>
-            <p:txBody>
-              <a:bodyPr rot="0" spcFirstLastPara="0" vertOverflow="overflow" horzOverflow="overflow" vert="horz" wrap="square" lIns="91440" tIns="45720" rIns="91440" bIns="45720" numCol="1" spcCol="0" rtlCol="0" fromWordArt="0" anchor="ctr" anchorCtr="0" forceAA="0" compatLnSpc="1">
-                <a:prstTxWarp prst="textNoShape">
-                  <a:avLst/>
-                </a:prstTxWarp>
-                <a:noAutofit/>
-              </a:bodyPr>
-              <a:lstStyle/>
-              <a:p>
-                <a:pPr algn="ctr"/>
-                <a:r>
-                  <a:rPr lang="en-US" sz="1000" dirty="0">
-                    <a:solidFill>
-                      <a:schemeClr val="bg2"/>
-                    </a:solidFill>
-                  </a:rPr>
-                  <a:t>Parse items in </a:t>
-                </a:r>
-                <a:r>
-                  <a:rPr lang="en-US" sz="1000" dirty="0">
-                    <a:solidFill>
-                      <a:srgbClr val="FF9900"/>
-                    </a:solidFill>
-                  </a:rPr>
-                  <a:t>soup queue </a:t>
-                </a:r>
-                <a:r>
-                  <a:rPr lang="en-US" sz="1000" dirty="0">
-                    <a:solidFill>
-                      <a:schemeClr val="bg2"/>
-                    </a:solidFill>
-                  </a:rPr>
-                  <a:t>and place </a:t>
-                </a:r>
-                <a:r>
-                  <a:rPr lang="en-US" sz="1000" dirty="0" smtClean="0">
-                    <a:solidFill>
-                      <a:schemeClr val="bg2"/>
-                    </a:solidFill>
-                  </a:rPr>
-                  <a:t>output </a:t>
-                </a:r>
-                <a:r>
-                  <a:rPr lang="en-US" sz="1000" dirty="0">
-                    <a:solidFill>
-                      <a:schemeClr val="bg2"/>
-                    </a:solidFill>
-                  </a:rPr>
-                  <a:t>in </a:t>
-                </a:r>
-                <a:r>
-                  <a:rPr lang="en-US" sz="1000" dirty="0">
-                    <a:solidFill>
-                      <a:srgbClr val="C00000"/>
-                    </a:solidFill>
-                  </a:rPr>
-                  <a:t>data queue </a:t>
-                </a:r>
-              </a:p>
-            </p:txBody>
-          </p:sp>
-          <p:sp>
-            <p:nvSpPr>
-              <p:cNvPr id="253" name="Rectangle 252"/>
-              <p:cNvSpPr/>
-              <p:nvPr/>
-            </p:nvSpPr>
-            <p:spPr>
-              <a:xfrm>
-                <a:off x="8114190" y="8446756"/>
-                <a:ext cx="2490199" cy="457200"/>
-              </a:xfrm>
-              <a:prstGeom prst="rect">
-                <a:avLst/>
-              </a:prstGeom>
-              <a:solidFill>
-                <a:schemeClr val="tx2"/>
-              </a:solidFill>
-              <a:ln>
-                <a:solidFill>
-                  <a:schemeClr val="bg2"/>
-                </a:solidFill>
-              </a:ln>
-            </p:spPr>
-            <p:style>
-              <a:lnRef idx="2">
-                <a:schemeClr val="accent1">
-                  <a:shade val="50000"/>
-                </a:schemeClr>
-              </a:lnRef>
-              <a:fillRef idx="1">
-                <a:schemeClr val="accent1"/>
-              </a:fillRef>
-              <a:effectRef idx="0">
-                <a:schemeClr val="accent1"/>
-              </a:effectRef>
-              <a:fontRef idx="minor">
-                <a:schemeClr val="lt1"/>
-              </a:fontRef>
-            </p:style>
-            <p:txBody>
-              <a:bodyPr rot="0" spcFirstLastPara="0" vertOverflow="overflow" horzOverflow="overflow" vert="horz" wrap="square" lIns="91440" tIns="45720" rIns="91440" bIns="45720" numCol="1" spcCol="0" rtlCol="0" fromWordArt="0" anchor="ctr" anchorCtr="0" forceAA="0" compatLnSpc="1">
-                <a:prstTxWarp prst="textNoShape">
-                  <a:avLst/>
-                </a:prstTxWarp>
-                <a:noAutofit/>
-              </a:bodyPr>
-              <a:lstStyle/>
-              <a:p>
-                <a:pPr algn="ctr"/>
-                <a:r>
-                  <a:rPr lang="en-US" sz="1000" dirty="0">
-                    <a:solidFill>
-                      <a:schemeClr val="bg2"/>
-                    </a:solidFill>
-                  </a:rPr>
-                  <a:t>Transmit </a:t>
-                </a:r>
-                <a:r>
-                  <a:rPr lang="en-US" sz="1000" dirty="0" smtClean="0">
-                    <a:solidFill>
-                      <a:schemeClr val="bg2"/>
-                    </a:solidFill>
-                  </a:rPr>
-                  <a:t>items in </a:t>
-                </a:r>
-                <a:r>
-                  <a:rPr lang="en-US" sz="1000" dirty="0" smtClean="0">
-                    <a:solidFill>
-                      <a:srgbClr val="C00000"/>
-                    </a:solidFill>
-                  </a:rPr>
-                  <a:t>data </a:t>
-                </a:r>
-                <a:r>
-                  <a:rPr lang="en-US" sz="1000" dirty="0">
-                    <a:solidFill>
-                      <a:srgbClr val="C00000"/>
-                    </a:solidFill>
-                  </a:rPr>
-                  <a:t>queue </a:t>
-                </a:r>
-              </a:p>
-              <a:p>
-                <a:pPr algn="ctr"/>
-                <a:r>
-                  <a:rPr lang="en-US" sz="1000" i="1" dirty="0" smtClean="0">
-                    <a:solidFill>
-                      <a:schemeClr val="bg2"/>
-                    </a:solidFill>
-                  </a:rPr>
-                  <a:t>(post request)</a:t>
-                </a:r>
-                <a:endParaRPr lang="en-US" sz="1000" i="1" dirty="0">
-                  <a:solidFill>
-                    <a:schemeClr val="bg2"/>
-                  </a:solidFill>
-                </a:endParaRPr>
-              </a:p>
-            </p:txBody>
-          </p:sp>
-          <p:cxnSp>
-            <p:nvCxnSpPr>
-              <p:cNvPr id="254" name="Straight Arrow Connector 253"/>
-              <p:cNvCxnSpPr/>
-              <p:nvPr/>
-            </p:nvCxnSpPr>
-            <p:spPr>
-              <a:xfrm>
-                <a:off x="11438710" y="6025722"/>
-                <a:ext cx="30120" cy="2677023"/>
-              </a:xfrm>
-              <a:prstGeom prst="straightConnector1">
-                <a:avLst/>
-              </a:prstGeom>
-              <a:ln w="19050">
-                <a:solidFill>
-                  <a:schemeClr val="bg2"/>
-                </a:solidFill>
-                <a:headEnd type="none" w="med" len="med"/>
-                <a:tailEnd type="triangle" w="med" len="med"/>
-              </a:ln>
-            </p:spPr>
-            <p:style>
-              <a:lnRef idx="1">
-                <a:schemeClr val="accent1"/>
-              </a:lnRef>
-              <a:fillRef idx="0">
-                <a:schemeClr val="accent1"/>
-              </a:fillRef>
-              <a:effectRef idx="0">
-                <a:schemeClr val="accent1"/>
-              </a:effectRef>
-              <a:fontRef idx="minor">
-                <a:schemeClr val="tx1"/>
-              </a:fontRef>
-            </p:style>
-          </p:cxnSp>
-          <p:cxnSp>
-            <p:nvCxnSpPr>
-              <p:cNvPr id="255" name="Straight Arrow Connector 254"/>
-              <p:cNvCxnSpPr/>
-              <p:nvPr/>
-            </p:nvCxnSpPr>
-            <p:spPr>
-              <a:xfrm flipH="1" flipV="1">
-                <a:off x="10674029" y="6671595"/>
-                <a:ext cx="640080" cy="1251"/>
-              </a:xfrm>
-              <a:prstGeom prst="straightConnector1">
-                <a:avLst/>
-              </a:prstGeom>
-              <a:ln w="19050">
-                <a:solidFill>
-                  <a:schemeClr val="bg2"/>
-                </a:solidFill>
-                <a:headEnd type="none" w="med" len="med"/>
-                <a:tailEnd type="triangle" w="med" len="med"/>
-              </a:ln>
-            </p:spPr>
-            <p:style>
-              <a:lnRef idx="1">
-                <a:schemeClr val="accent1"/>
-              </a:lnRef>
-              <a:fillRef idx="0">
-                <a:schemeClr val="accent1"/>
-              </a:fillRef>
-              <a:effectRef idx="0">
-                <a:schemeClr val="accent1"/>
-              </a:effectRef>
-              <a:fontRef idx="minor">
-                <a:schemeClr val="tx1"/>
-              </a:fontRef>
-            </p:style>
-          </p:cxnSp>
-          <p:cxnSp>
-            <p:nvCxnSpPr>
-              <p:cNvPr id="256" name="Straight Arrow Connector 255"/>
-              <p:cNvCxnSpPr/>
-              <p:nvPr/>
-            </p:nvCxnSpPr>
-            <p:spPr>
-              <a:xfrm flipH="1" flipV="1">
-                <a:off x="10713336" y="8152765"/>
-                <a:ext cx="640080" cy="1251"/>
-              </a:xfrm>
-              <a:prstGeom prst="straightConnector1">
-                <a:avLst/>
-              </a:prstGeom>
-              <a:ln w="19050">
-                <a:solidFill>
-                  <a:schemeClr val="bg2"/>
-                </a:solidFill>
-                <a:headEnd type="none" w="med" len="med"/>
-                <a:tailEnd type="triangle" w="med" len="med"/>
-              </a:ln>
-            </p:spPr>
-            <p:style>
-              <a:lnRef idx="1">
-                <a:schemeClr val="accent1"/>
-              </a:lnRef>
-              <a:fillRef idx="0">
-                <a:schemeClr val="accent1"/>
-              </a:fillRef>
-              <a:effectRef idx="0">
-                <a:schemeClr val="accent1"/>
-              </a:effectRef>
-              <a:fontRef idx="minor">
-                <a:schemeClr val="tx1"/>
-              </a:fontRef>
-            </p:style>
-          </p:cxnSp>
-          <p:cxnSp>
-            <p:nvCxnSpPr>
-              <p:cNvPr id="257" name="Straight Arrow Connector 256"/>
-              <p:cNvCxnSpPr/>
-              <p:nvPr/>
-            </p:nvCxnSpPr>
-            <p:spPr>
-              <a:xfrm flipH="1" flipV="1">
-                <a:off x="10713336" y="8683183"/>
-                <a:ext cx="640080" cy="1251"/>
-              </a:xfrm>
-              <a:prstGeom prst="straightConnector1">
-                <a:avLst/>
-              </a:prstGeom>
-              <a:ln w="19050">
-                <a:solidFill>
-                  <a:schemeClr val="bg2"/>
-                </a:solidFill>
-                <a:headEnd type="none" w="med" len="med"/>
-                <a:tailEnd type="triangle" w="med" len="med"/>
-              </a:ln>
-            </p:spPr>
-            <p:style>
-              <a:lnRef idx="1">
-                <a:schemeClr val="accent1"/>
-              </a:lnRef>
-              <a:fillRef idx="0">
-                <a:schemeClr val="accent1"/>
-              </a:fillRef>
-              <a:effectRef idx="0">
-                <a:schemeClr val="accent1"/>
-              </a:effectRef>
-              <a:fontRef idx="minor">
-                <a:schemeClr val="tx1"/>
-              </a:fontRef>
-            </p:style>
-          </p:cxnSp>
-          <p:sp>
-            <p:nvSpPr>
-              <p:cNvPr id="258" name="TextBox 257"/>
-              <p:cNvSpPr txBox="1"/>
-              <p:nvPr/>
-            </p:nvSpPr>
-            <p:spPr>
-              <a:xfrm>
-                <a:off x="10750688" y="8462414"/>
-                <a:ext cx="565377" cy="246221"/>
-              </a:xfrm>
-              <a:prstGeom prst="rect">
-                <a:avLst/>
-              </a:prstGeom>
-              <a:noFill/>
-            </p:spPr>
-            <p:txBody>
-              <a:bodyPr wrap="square" rtlCol="0">
-                <a:spAutoFit/>
-              </a:bodyPr>
-              <a:lstStyle/>
-              <a:p>
-                <a:pPr algn="ctr"/>
-                <a:r>
-                  <a:rPr lang="en-US" sz="1000" dirty="0" smtClean="0">
-                    <a:solidFill>
-                      <a:schemeClr val="bg2"/>
-                    </a:solidFill>
-                  </a:rPr>
-                  <a:t>Thread</a:t>
-                </a:r>
-                <a:endParaRPr lang="en-US" sz="1000" dirty="0">
-                  <a:solidFill>
-                    <a:schemeClr val="bg2"/>
-                  </a:solidFill>
-                </a:endParaRPr>
-              </a:p>
-            </p:txBody>
-          </p:sp>
-          <p:cxnSp>
-            <p:nvCxnSpPr>
-              <p:cNvPr id="259" name="Straight Arrow Connector 258"/>
-              <p:cNvCxnSpPr/>
-              <p:nvPr/>
-            </p:nvCxnSpPr>
-            <p:spPr>
-              <a:xfrm rot="5400000">
-                <a:off x="8699392" y="6902148"/>
-                <a:ext cx="182880" cy="1"/>
-              </a:xfrm>
-              <a:prstGeom prst="straightConnector1">
-                <a:avLst/>
-              </a:prstGeom>
-              <a:ln w="19050">
-                <a:solidFill>
-                  <a:schemeClr val="bg2"/>
-                </a:solidFill>
-                <a:headEnd type="none" w="med" len="med"/>
-                <a:tailEnd type="triangle" w="med" len="med"/>
-              </a:ln>
-            </p:spPr>
-            <p:style>
-              <a:lnRef idx="1">
-                <a:schemeClr val="accent1"/>
-              </a:lnRef>
-              <a:fillRef idx="0">
-                <a:schemeClr val="accent1"/>
-              </a:fillRef>
-              <a:effectRef idx="0">
-                <a:schemeClr val="accent1"/>
-              </a:effectRef>
-              <a:fontRef idx="minor">
-                <a:schemeClr val="tx1"/>
-              </a:fontRef>
-            </p:style>
-          </p:cxnSp>
-          <p:sp>
-            <p:nvSpPr>
-              <p:cNvPr id="260" name="Rectangle 259"/>
-              <p:cNvSpPr/>
-              <p:nvPr/>
-            </p:nvSpPr>
-            <p:spPr>
-              <a:xfrm>
-                <a:off x="8118020" y="6499474"/>
-                <a:ext cx="2506910" cy="283987"/>
-              </a:xfrm>
-              <a:prstGeom prst="rect">
-                <a:avLst/>
-              </a:prstGeom>
-              <a:solidFill>
-                <a:schemeClr val="tx2"/>
-              </a:solidFill>
-              <a:ln>
-                <a:solidFill>
-                  <a:schemeClr val="bg2"/>
-                </a:solidFill>
-              </a:ln>
-            </p:spPr>
-            <p:style>
-              <a:lnRef idx="2">
-                <a:schemeClr val="accent1">
-                  <a:shade val="50000"/>
-                </a:schemeClr>
-              </a:lnRef>
-              <a:fillRef idx="1">
-                <a:schemeClr val="accent1"/>
-              </a:fillRef>
-              <a:effectRef idx="0">
-                <a:schemeClr val="accent1"/>
-              </a:effectRef>
-              <a:fontRef idx="minor">
-                <a:schemeClr val="lt1"/>
-              </a:fontRef>
-            </p:style>
-            <p:txBody>
-              <a:bodyPr rot="0" spcFirstLastPara="0" vertOverflow="overflow" horzOverflow="overflow" vert="horz" wrap="square" lIns="91440" tIns="45720" rIns="91440" bIns="45720" numCol="1" spcCol="0" rtlCol="0" fromWordArt="0" anchor="ctr" anchorCtr="0" forceAA="0" compatLnSpc="1">
-                <a:prstTxWarp prst="textNoShape">
-                  <a:avLst/>
-                </a:prstTxWarp>
-                <a:noAutofit/>
-              </a:bodyPr>
-              <a:lstStyle/>
-              <a:p>
-                <a:pPr algn="ctr"/>
-                <a:r>
-                  <a:rPr lang="en-US" sz="1000" dirty="0" smtClean="0">
-                    <a:solidFill>
-                      <a:schemeClr val="bg2"/>
-                    </a:solidFill>
-                  </a:rPr>
-                  <a:t>Check </a:t>
-                </a:r>
-                <a:r>
-                  <a:rPr lang="en-US" sz="1000" dirty="0" smtClean="0">
-                    <a:solidFill>
-                      <a:srgbClr val="0070C0"/>
-                    </a:solidFill>
-                  </a:rPr>
-                  <a:t>assignments queue</a:t>
-                </a:r>
-                <a:endParaRPr lang="en-US" sz="1000" dirty="0">
-                  <a:solidFill>
-                    <a:srgbClr val="0070C0"/>
-                  </a:solidFill>
-                </a:endParaRPr>
-              </a:p>
-            </p:txBody>
-          </p:sp>
-          <p:sp>
-            <p:nvSpPr>
-              <p:cNvPr id="261" name="Rectangle 260"/>
-              <p:cNvSpPr/>
-              <p:nvPr/>
-            </p:nvSpPr>
-            <p:spPr>
-              <a:xfrm>
-                <a:off x="8145021" y="7011891"/>
-                <a:ext cx="1188720" cy="822960"/>
-              </a:xfrm>
-              <a:prstGeom prst="rect">
-                <a:avLst/>
-              </a:prstGeom>
-              <a:solidFill>
-                <a:schemeClr val="tx2"/>
-              </a:solidFill>
-              <a:ln>
-                <a:solidFill>
-                  <a:schemeClr val="bg2"/>
-                </a:solidFill>
-              </a:ln>
-            </p:spPr>
-            <p:style>
-              <a:lnRef idx="2">
-                <a:schemeClr val="accent1">
-                  <a:shade val="50000"/>
-                </a:schemeClr>
-              </a:lnRef>
-              <a:fillRef idx="1">
-                <a:schemeClr val="accent1"/>
-              </a:fillRef>
-              <a:effectRef idx="0">
-                <a:schemeClr val="accent1"/>
-              </a:effectRef>
-              <a:fontRef idx="minor">
-                <a:schemeClr val="lt1"/>
-              </a:fontRef>
-            </p:style>
-            <p:txBody>
-              <a:bodyPr rot="0" spcFirstLastPara="0" vertOverflow="overflow" horzOverflow="overflow" vert="horz" wrap="square" lIns="91440" tIns="45720" rIns="91440" bIns="45720" numCol="1" spcCol="0" rtlCol="0" fromWordArt="0" anchor="ctr" anchorCtr="0" forceAA="0" compatLnSpc="1">
-                <a:prstTxWarp prst="textNoShape">
-                  <a:avLst/>
-                </a:prstTxWarp>
-                <a:noAutofit/>
-              </a:bodyPr>
-              <a:lstStyle/>
-              <a:p>
-                <a:pPr algn="ctr"/>
-                <a:r>
-                  <a:rPr lang="en-US" sz="1000" b="1" dirty="0" smtClean="0">
-                    <a:solidFill>
-                      <a:schemeClr val="bg2"/>
-                    </a:solidFill>
-                  </a:rPr>
-                  <a:t>If empty:</a:t>
-                </a:r>
-              </a:p>
-              <a:p>
-                <a:pPr algn="ctr"/>
-                <a:r>
-                  <a:rPr lang="en-US" sz="1000" dirty="0" smtClean="0">
-                    <a:solidFill>
-                      <a:schemeClr val="bg2"/>
-                    </a:solidFill>
-                  </a:rPr>
-                  <a:t>request new assignments </a:t>
-                </a:r>
-              </a:p>
-              <a:p>
-                <a:pPr algn="ctr"/>
-                <a:r>
-                  <a:rPr lang="en-US" sz="1000" i="1" dirty="0" smtClean="0">
-                    <a:solidFill>
-                      <a:schemeClr val="bg2"/>
-                    </a:solidFill>
-                  </a:rPr>
-                  <a:t>(get request)</a:t>
-                </a:r>
-                <a:endParaRPr lang="en-US" sz="1000" i="1" dirty="0">
-                  <a:solidFill>
-                    <a:schemeClr val="accent5"/>
-                  </a:solidFill>
-                </a:endParaRPr>
-              </a:p>
-            </p:txBody>
-          </p:sp>
-          <p:sp>
-            <p:nvSpPr>
-              <p:cNvPr id="262" name="Rectangle 261"/>
-              <p:cNvSpPr/>
-              <p:nvPr/>
-            </p:nvSpPr>
-            <p:spPr>
-              <a:xfrm>
-                <a:off x="9436210" y="7022835"/>
-                <a:ext cx="1188720" cy="822960"/>
-              </a:xfrm>
-              <a:prstGeom prst="rect">
-                <a:avLst/>
-              </a:prstGeom>
-              <a:solidFill>
-                <a:schemeClr val="tx2"/>
-              </a:solidFill>
-              <a:ln>
-                <a:solidFill>
-                  <a:schemeClr val="bg2"/>
-                </a:solidFill>
-              </a:ln>
-            </p:spPr>
-            <p:style>
-              <a:lnRef idx="2">
-                <a:schemeClr val="accent1">
-                  <a:shade val="50000"/>
-                </a:schemeClr>
-              </a:lnRef>
-              <a:fillRef idx="1">
-                <a:schemeClr val="accent1"/>
-              </a:fillRef>
-              <a:effectRef idx="0">
-                <a:schemeClr val="accent1"/>
-              </a:effectRef>
-              <a:fontRef idx="minor">
-                <a:schemeClr val="lt1"/>
-              </a:fontRef>
-            </p:style>
-            <p:txBody>
-              <a:bodyPr rot="0" spcFirstLastPara="0" vertOverflow="overflow" horzOverflow="overflow" vert="horz" wrap="square" lIns="91440" tIns="45720" rIns="91440" bIns="45720" numCol="1" spcCol="0" rtlCol="0" fromWordArt="0" anchor="ctr" anchorCtr="0" forceAA="0" compatLnSpc="1">
-                <a:prstTxWarp prst="textNoShape">
-                  <a:avLst/>
-                </a:prstTxWarp>
-                <a:noAutofit/>
-              </a:bodyPr>
-              <a:lstStyle/>
-              <a:p>
-                <a:pPr algn="ctr"/>
-                <a:r>
-                  <a:rPr lang="en-US" sz="1000" dirty="0" smtClean="0">
-                    <a:solidFill>
-                      <a:schemeClr val="bg2"/>
-                    </a:solidFill>
-                  </a:rPr>
-                  <a:t>For incoming data, place in </a:t>
-                </a:r>
-                <a:r>
-                  <a:rPr lang="en-US" sz="1000" dirty="0" smtClean="0">
-                    <a:solidFill>
-                      <a:schemeClr val="accent3"/>
-                    </a:solidFill>
-                  </a:rPr>
-                  <a:t>unlogged </a:t>
-                </a:r>
-                <a:r>
-                  <a:rPr lang="en-US" sz="1000" dirty="0">
-                    <a:solidFill>
-                      <a:schemeClr val="accent3"/>
-                    </a:solidFill>
-                  </a:rPr>
-                  <a:t>data </a:t>
-                </a:r>
-                <a:r>
-                  <a:rPr lang="en-US" sz="1000" dirty="0" smtClean="0">
-                    <a:solidFill>
-                      <a:schemeClr val="accent3"/>
-                    </a:solidFill>
-                  </a:rPr>
-                  <a:t>queue</a:t>
-                </a:r>
-                <a:endParaRPr lang="en-US" sz="1000" dirty="0">
-                  <a:solidFill>
-                    <a:schemeClr val="accent3"/>
-                  </a:solidFill>
-                </a:endParaRPr>
-              </a:p>
-            </p:txBody>
-          </p:sp>
-          <p:cxnSp>
-            <p:nvCxnSpPr>
-              <p:cNvPr id="263" name="Straight Arrow Connector 262"/>
-              <p:cNvCxnSpPr/>
-              <p:nvPr/>
-            </p:nvCxnSpPr>
-            <p:spPr>
-              <a:xfrm rot="5400000">
-                <a:off x="9918592" y="6914848"/>
-                <a:ext cx="182880" cy="1"/>
-              </a:xfrm>
-              <a:prstGeom prst="straightConnector1">
-                <a:avLst/>
-              </a:prstGeom>
-              <a:ln w="19050">
-                <a:solidFill>
-                  <a:schemeClr val="bg2"/>
-                </a:solidFill>
-                <a:headEnd type="none" w="med" len="med"/>
-                <a:tailEnd type="triangle" w="med" len="med"/>
-              </a:ln>
-            </p:spPr>
-            <p:style>
-              <a:lnRef idx="1">
-                <a:schemeClr val="accent1"/>
-              </a:lnRef>
-              <a:fillRef idx="0">
-                <a:schemeClr val="accent1"/>
-              </a:fillRef>
-              <a:effectRef idx="0">
-                <a:schemeClr val="accent1"/>
-              </a:effectRef>
-              <a:fontRef idx="minor">
-                <a:schemeClr val="tx1"/>
-              </a:fontRef>
-            </p:style>
-          </p:cxnSp>
-          <p:sp>
-            <p:nvSpPr>
-              <p:cNvPr id="264" name="Rectangle 263"/>
-              <p:cNvSpPr/>
-              <p:nvPr/>
-            </p:nvSpPr>
-            <p:spPr>
-              <a:xfrm>
-                <a:off x="9436210" y="7022836"/>
-                <a:ext cx="1188720" cy="822960"/>
-              </a:xfrm>
-              <a:prstGeom prst="rect">
-                <a:avLst/>
-              </a:prstGeom>
-              <a:solidFill>
-                <a:schemeClr val="tx2"/>
-              </a:solidFill>
-              <a:ln>
-                <a:solidFill>
-                  <a:schemeClr val="bg2"/>
-                </a:solidFill>
-              </a:ln>
-            </p:spPr>
-            <p:style>
-              <a:lnRef idx="2">
-                <a:schemeClr val="accent1">
-                  <a:shade val="50000"/>
-                </a:schemeClr>
-              </a:lnRef>
-              <a:fillRef idx="1">
-                <a:schemeClr val="accent1"/>
-              </a:fillRef>
-              <a:effectRef idx="0">
-                <a:schemeClr val="accent1"/>
-              </a:effectRef>
-              <a:fontRef idx="minor">
-                <a:schemeClr val="lt1"/>
-              </a:fontRef>
-            </p:style>
-            <p:txBody>
-              <a:bodyPr rot="0" spcFirstLastPara="0" vertOverflow="overflow" horzOverflow="overflow" vert="horz" wrap="square" lIns="91440" tIns="45720" rIns="91440" bIns="45720" numCol="1" spcCol="0" rtlCol="0" fromWordArt="0" anchor="ctr" anchorCtr="0" forceAA="0" compatLnSpc="1">
-                <a:prstTxWarp prst="textNoShape">
-                  <a:avLst/>
-                </a:prstTxWarp>
-                <a:noAutofit/>
-              </a:bodyPr>
-              <a:lstStyle/>
-              <a:p>
-                <a:pPr algn="ctr"/>
-                <a:r>
-                  <a:rPr lang="en-US" sz="1000" b="1" dirty="0" smtClean="0">
-                    <a:solidFill>
-                      <a:schemeClr val="bg2"/>
-                    </a:solidFill>
-                  </a:rPr>
-                  <a:t>If not empty:</a:t>
-                </a:r>
-              </a:p>
-              <a:p>
-                <a:pPr algn="ctr"/>
-                <a:r>
-                  <a:rPr lang="en-US" sz="1000" dirty="0" smtClean="0">
-                    <a:solidFill>
-                      <a:schemeClr val="bg2"/>
-                    </a:solidFill>
-                  </a:rPr>
-                  <a:t>scrape associated URLs,  convert </a:t>
-                </a:r>
-                <a:r>
-                  <a:rPr lang="en-US" sz="1000" dirty="0">
-                    <a:solidFill>
-                      <a:schemeClr val="bg2"/>
-                    </a:solidFill>
-                  </a:rPr>
-                  <a:t>to soup, and place in </a:t>
-                </a:r>
-                <a:r>
-                  <a:rPr lang="en-US" sz="1000" dirty="0">
-                    <a:solidFill>
-                      <a:srgbClr val="FF9900"/>
-                    </a:solidFill>
-                  </a:rPr>
-                  <a:t>soup queue </a:t>
-                </a:r>
-              </a:p>
-            </p:txBody>
-          </p:sp>
-          <p:cxnSp>
-            <p:nvCxnSpPr>
-              <p:cNvPr id="265" name="Straight Arrow Connector 264"/>
-              <p:cNvCxnSpPr/>
-              <p:nvPr/>
-            </p:nvCxnSpPr>
-            <p:spPr>
-              <a:xfrm rot="5400000">
-                <a:off x="9918592" y="6914849"/>
-                <a:ext cx="182880" cy="1"/>
-              </a:xfrm>
-              <a:prstGeom prst="straightConnector1">
-                <a:avLst/>
-              </a:prstGeom>
-              <a:ln w="19050">
-                <a:solidFill>
-                  <a:schemeClr val="bg2"/>
-                </a:solidFill>
-                <a:headEnd type="none" w="med" len="med"/>
-                <a:tailEnd type="triangle" w="med" len="med"/>
-              </a:ln>
-            </p:spPr>
-            <p:style>
-              <a:lnRef idx="1">
-                <a:schemeClr val="accent1"/>
-              </a:lnRef>
-              <a:fillRef idx="0">
-                <a:schemeClr val="accent1"/>
-              </a:fillRef>
-              <a:effectRef idx="0">
-                <a:schemeClr val="accent1"/>
-              </a:effectRef>
-              <a:fontRef idx="minor">
-                <a:schemeClr val="tx1"/>
-              </a:fontRef>
-            </p:style>
-          </p:cxnSp>
-        </p:grpSp>
-        <p:cxnSp>
-          <p:nvCxnSpPr>
-            <p:cNvPr id="245" name="Elbow Connector 244"/>
-            <p:cNvCxnSpPr/>
-            <p:nvPr/>
-          </p:nvCxnSpPr>
-          <p:spPr>
-            <a:xfrm rot="10800000">
-              <a:off x="7338673" y="3198113"/>
-              <a:ext cx="914400" cy="1874520"/>
-            </a:xfrm>
-            <a:prstGeom prst="bentConnector3">
-              <a:avLst>
-                <a:gd name="adj1" fmla="val 21178"/>
-              </a:avLst>
-            </a:prstGeom>
-            <a:ln w="19050">
-              <a:solidFill>
-                <a:srgbClr val="19252F"/>
-              </a:solidFill>
-              <a:prstDash val="solid"/>
-              <a:tailEnd type="triangle"/>
-            </a:ln>
-          </p:spPr>
-          <p:style>
-            <a:lnRef idx="1">
-              <a:schemeClr val="accent1"/>
-            </a:lnRef>
-            <a:fillRef idx="0">
-              <a:schemeClr val="accent1"/>
-            </a:fillRef>
-            <a:effectRef idx="0">
-              <a:schemeClr val="accent1"/>
-            </a:effectRef>
-            <a:fontRef idx="minor">
-              <a:schemeClr val="tx1"/>
-            </a:fontRef>
-          </p:style>
-        </p:cxnSp>
-        <p:cxnSp>
-          <p:nvCxnSpPr>
-            <p:cNvPr id="106" name="Elbow Connector 105"/>
-            <p:cNvCxnSpPr/>
-            <p:nvPr/>
-          </p:nvCxnSpPr>
-          <p:spPr>
-            <a:xfrm rot="10800000">
-              <a:off x="7338673" y="3095616"/>
-              <a:ext cx="976107" cy="844379"/>
-            </a:xfrm>
-            <a:prstGeom prst="bentConnector3">
-              <a:avLst>
-                <a:gd name="adj1" fmla="val 14871"/>
-              </a:avLst>
-            </a:prstGeom>
-            <a:ln w="19050">
-              <a:solidFill>
-                <a:srgbClr val="19252F"/>
-              </a:solidFill>
-              <a:prstDash val="solid"/>
-              <a:tailEnd type="triangle"/>
-            </a:ln>
-          </p:spPr>
-          <p:style>
-            <a:lnRef idx="1">
-              <a:schemeClr val="accent1"/>
-            </a:lnRef>
-            <a:fillRef idx="0">
-              <a:schemeClr val="accent1"/>
-            </a:fillRef>
-            <a:effectRef idx="0">
-              <a:schemeClr val="accent1"/>
-            </a:effectRef>
-            <a:fontRef idx="minor">
-              <a:schemeClr val="tx1"/>
-            </a:fontRef>
-          </p:style>
-        </p:cxnSp>
-      </p:grpSp>
-      <p:grpSp>
-        <p:nvGrpSpPr>
-          <p:cNvPr id="180" name="Group 179"/>
-          <p:cNvGrpSpPr/>
-          <p:nvPr/>
-        </p:nvGrpSpPr>
-        <p:grpSpPr>
-          <a:xfrm>
-            <a:off x="2917966" y="5603290"/>
-            <a:ext cx="9679335" cy="3455587"/>
-            <a:chOff x="2930347" y="1957972"/>
-            <a:chExt cx="9679335" cy="3455587"/>
-          </a:xfrm>
-        </p:grpSpPr>
-        <p:grpSp>
-          <p:nvGrpSpPr>
-            <p:cNvPr id="181" name="Group 180"/>
-            <p:cNvGrpSpPr/>
-            <p:nvPr/>
-          </p:nvGrpSpPr>
-          <p:grpSpPr>
-            <a:xfrm>
-              <a:off x="2930347" y="1959983"/>
-              <a:ext cx="4283682" cy="3453576"/>
-              <a:chOff x="2664598" y="5455035"/>
-              <a:chExt cx="4283682" cy="3453576"/>
-            </a:xfrm>
-          </p:grpSpPr>
-          <p:sp>
-            <p:nvSpPr>
-              <p:cNvPr id="212" name="Rectangle 211"/>
-              <p:cNvSpPr/>
-              <p:nvPr/>
-            </p:nvSpPr>
-            <p:spPr>
-              <a:xfrm>
-                <a:off x="3419052" y="5455035"/>
-                <a:ext cx="3529228" cy="802543"/>
-              </a:xfrm>
-              <a:prstGeom prst="rect">
-                <a:avLst/>
-              </a:prstGeom>
-              <a:solidFill>
-                <a:schemeClr val="tx2"/>
-              </a:solidFill>
-              <a:ln>
-                <a:solidFill>
-                  <a:schemeClr val="bg2"/>
-                </a:solidFill>
-              </a:ln>
-            </p:spPr>
-            <p:style>
-              <a:lnRef idx="2">
-                <a:schemeClr val="accent1">
-                  <a:shade val="50000"/>
-                </a:schemeClr>
-              </a:lnRef>
-              <a:fillRef idx="1">
-                <a:schemeClr val="accent1"/>
-              </a:fillRef>
-              <a:effectRef idx="0">
-                <a:schemeClr val="accent1"/>
-              </a:effectRef>
-              <a:fontRef idx="minor">
-                <a:schemeClr val="lt1"/>
-              </a:fontRef>
-            </p:style>
-            <p:txBody>
-              <a:bodyPr rot="0" spcFirstLastPara="0" vertOverflow="overflow" horzOverflow="overflow" vert="horz" wrap="square" lIns="91440" tIns="45720" rIns="91440" bIns="45720" numCol="1" spcCol="0" rtlCol="0" fromWordArt="0" anchor="ctr" anchorCtr="0" forceAA="0" compatLnSpc="1">
-                <a:prstTxWarp prst="textNoShape">
-                  <a:avLst/>
-                </a:prstTxWarp>
-                <a:noAutofit/>
-              </a:bodyPr>
-              <a:lstStyle/>
-              <a:p>
-                <a:pPr algn="ctr"/>
-                <a:r>
-                  <a:rPr lang="en-US" sz="1000" dirty="0" smtClean="0">
-                    <a:solidFill>
-                      <a:schemeClr val="bg2"/>
-                    </a:solidFill>
-                  </a:rPr>
-                  <a:t>Initialize </a:t>
-                </a:r>
-                <a:r>
-                  <a:rPr lang="en-US" sz="1000" b="1" dirty="0" smtClean="0">
-                    <a:solidFill>
-                      <a:schemeClr val="bg2"/>
-                    </a:solidFill>
-                  </a:rPr>
-                  <a:t>Book Boss </a:t>
-                </a:r>
-                <a:r>
-                  <a:rPr lang="en-US" sz="1000" dirty="0" smtClean="0">
-                    <a:solidFill>
-                      <a:schemeClr val="bg2"/>
-                    </a:solidFill>
-                  </a:rPr>
-                  <a:t>&amp; input data request</a:t>
-                </a:r>
-              </a:p>
-              <a:p>
-                <a:pPr algn="ctr"/>
-                <a:endParaRPr lang="en-US" sz="1000" dirty="0">
-                  <a:solidFill>
-                    <a:schemeClr val="bg2"/>
-                  </a:solidFill>
-                </a:endParaRPr>
-              </a:p>
-              <a:p>
-                <a:pPr algn="ctr"/>
-                <a:r>
-                  <a:rPr lang="en-US" sz="1000" dirty="0" smtClean="0">
-                    <a:solidFill>
-                      <a:schemeClr val="bg2"/>
-                    </a:solidFill>
-                  </a:rPr>
-                  <a:t>Remove data points already in database from request. </a:t>
-                </a:r>
-                <a:r>
-                  <a:rPr lang="en-US" sz="1000" dirty="0">
-                    <a:solidFill>
-                      <a:schemeClr val="bg2"/>
-                    </a:solidFill>
-                  </a:rPr>
-                  <a:t>Split </a:t>
-                </a:r>
-                <a:r>
-                  <a:rPr lang="en-US" sz="1000" dirty="0" smtClean="0">
-                    <a:solidFill>
-                      <a:schemeClr val="bg2"/>
-                    </a:solidFill>
-                  </a:rPr>
-                  <a:t>request </a:t>
-                </a:r>
-                <a:r>
-                  <a:rPr lang="en-US" sz="1000" dirty="0">
-                    <a:solidFill>
-                      <a:schemeClr val="bg2"/>
-                    </a:solidFill>
-                  </a:rPr>
-                  <a:t>into assignments &amp; place in </a:t>
-                </a:r>
-                <a:r>
-                  <a:rPr lang="en-US" sz="1000" dirty="0">
-                    <a:solidFill>
-                      <a:srgbClr val="0070C0"/>
-                    </a:solidFill>
-                  </a:rPr>
-                  <a:t>assignments </a:t>
-                </a:r>
-                <a:r>
-                  <a:rPr lang="en-US" sz="1000" dirty="0" smtClean="0">
-                    <a:solidFill>
-                      <a:srgbClr val="0070C0"/>
-                    </a:solidFill>
-                  </a:rPr>
-                  <a:t>queue</a:t>
-                </a:r>
-                <a:endParaRPr lang="en-US" sz="1000" dirty="0">
-                  <a:solidFill>
-                    <a:srgbClr val="0070C0"/>
-                  </a:solidFill>
-                </a:endParaRPr>
-              </a:p>
-            </p:txBody>
-          </p:sp>
-          <p:cxnSp>
-            <p:nvCxnSpPr>
-              <p:cNvPr id="213" name="Straight Arrow Connector 212"/>
-              <p:cNvCxnSpPr/>
-              <p:nvPr/>
-            </p:nvCxnSpPr>
-            <p:spPr>
-              <a:xfrm flipH="1">
-                <a:off x="3582484" y="6452135"/>
-                <a:ext cx="22725" cy="2250610"/>
-              </a:xfrm>
-              <a:prstGeom prst="straightConnector1">
-                <a:avLst/>
-              </a:prstGeom>
-              <a:ln w="19050">
-                <a:solidFill>
-                  <a:schemeClr val="bg2"/>
-                </a:solidFill>
-                <a:headEnd type="none" w="med" len="med"/>
-                <a:tailEnd type="triangle" w="med" len="med"/>
-              </a:ln>
-            </p:spPr>
-            <p:style>
-              <a:lnRef idx="1">
-                <a:schemeClr val="accent1"/>
-              </a:lnRef>
-              <a:fillRef idx="0">
-                <a:schemeClr val="accent1"/>
-              </a:fillRef>
-              <a:effectRef idx="0">
-                <a:schemeClr val="accent1"/>
-              </a:effectRef>
-              <a:fontRef idx="minor">
-                <a:schemeClr val="tx1"/>
-              </a:fontRef>
-            </p:style>
-          </p:cxnSp>
-          <p:cxnSp>
-            <p:nvCxnSpPr>
-              <p:cNvPr id="214" name="Straight Arrow Connector 213"/>
-              <p:cNvCxnSpPr/>
-              <p:nvPr/>
-            </p:nvCxnSpPr>
-            <p:spPr>
-              <a:xfrm flipV="1">
-                <a:off x="2664598" y="5829810"/>
-                <a:ext cx="640080" cy="1251"/>
-              </a:xfrm>
-              <a:prstGeom prst="straightConnector1">
-                <a:avLst/>
-              </a:prstGeom>
-              <a:ln w="19050">
-                <a:solidFill>
-                  <a:schemeClr val="bg2"/>
-                </a:solidFill>
-                <a:headEnd type="none" w="med" len="med"/>
-                <a:tailEnd type="triangle" w="med" len="med"/>
-              </a:ln>
-            </p:spPr>
-            <p:style>
-              <a:lnRef idx="1">
-                <a:schemeClr val="accent1"/>
-              </a:lnRef>
-              <a:fillRef idx="0">
-                <a:schemeClr val="accent1"/>
-              </a:fillRef>
-              <a:effectRef idx="0">
-                <a:schemeClr val="accent1"/>
-              </a:effectRef>
-              <a:fontRef idx="minor">
-                <a:schemeClr val="tx1"/>
-              </a:fontRef>
-            </p:style>
-          </p:cxnSp>
-          <p:sp>
-            <p:nvSpPr>
-              <p:cNvPr id="215" name="TextBox 214"/>
-              <p:cNvSpPr txBox="1"/>
-              <p:nvPr/>
-            </p:nvSpPr>
-            <p:spPr>
-              <a:xfrm>
-                <a:off x="2664598" y="5599067"/>
-                <a:ext cx="565377" cy="246221"/>
-              </a:xfrm>
-              <a:prstGeom prst="rect">
-                <a:avLst/>
-              </a:prstGeom>
-              <a:noFill/>
-            </p:spPr>
-            <p:txBody>
-              <a:bodyPr wrap="square" rtlCol="0">
-                <a:spAutoFit/>
-              </a:bodyPr>
-              <a:lstStyle/>
-              <a:p>
-                <a:pPr algn="ctr"/>
-                <a:r>
-                  <a:rPr lang="en-US" sz="1000" dirty="0" smtClean="0">
-                    <a:solidFill>
-                      <a:schemeClr val="bg2"/>
-                    </a:solidFill>
-                  </a:rPr>
-                  <a:t>Thread</a:t>
-                </a:r>
-                <a:endParaRPr lang="en-US" sz="1000" dirty="0">
-                  <a:solidFill>
-                    <a:schemeClr val="bg2"/>
-                  </a:solidFill>
-                </a:endParaRPr>
-              </a:p>
-            </p:txBody>
-          </p:sp>
-          <p:cxnSp>
-            <p:nvCxnSpPr>
-              <p:cNvPr id="216" name="Straight Arrow Connector 215"/>
-              <p:cNvCxnSpPr/>
-              <p:nvPr/>
-            </p:nvCxnSpPr>
-            <p:spPr>
-              <a:xfrm flipV="1">
-                <a:off x="3730557" y="6689712"/>
-                <a:ext cx="640080" cy="1251"/>
-              </a:xfrm>
-              <a:prstGeom prst="straightConnector1">
-                <a:avLst/>
-              </a:prstGeom>
-              <a:ln w="19050">
-                <a:solidFill>
-                  <a:schemeClr val="bg2"/>
-                </a:solidFill>
-                <a:headEnd type="none" w="med" len="med"/>
-                <a:tailEnd type="triangle" w="med" len="med"/>
-              </a:ln>
-            </p:spPr>
-            <p:style>
-              <a:lnRef idx="1">
-                <a:schemeClr val="accent1"/>
-              </a:lnRef>
-              <a:fillRef idx="0">
-                <a:schemeClr val="accent1"/>
-              </a:fillRef>
-              <a:effectRef idx="0">
-                <a:schemeClr val="accent1"/>
-              </a:effectRef>
-              <a:fontRef idx="minor">
-                <a:schemeClr val="tx1"/>
-              </a:fontRef>
-            </p:style>
-          </p:cxnSp>
-          <p:sp>
-            <p:nvSpPr>
-              <p:cNvPr id="217" name="Rectangle 216"/>
-              <p:cNvSpPr/>
-              <p:nvPr/>
-            </p:nvSpPr>
-            <p:spPr>
-              <a:xfrm>
-                <a:off x="4439596" y="7917020"/>
-                <a:ext cx="2508684" cy="457200"/>
-              </a:xfrm>
-              <a:prstGeom prst="rect">
-                <a:avLst/>
-              </a:prstGeom>
-              <a:solidFill>
-                <a:schemeClr val="tx2"/>
-              </a:solidFill>
-              <a:ln>
-                <a:solidFill>
-                  <a:schemeClr val="bg2"/>
-                </a:solidFill>
-              </a:ln>
-            </p:spPr>
-            <p:style>
-              <a:lnRef idx="2">
-                <a:schemeClr val="accent1">
-                  <a:shade val="50000"/>
-                </a:schemeClr>
-              </a:lnRef>
-              <a:fillRef idx="1">
-                <a:schemeClr val="accent1"/>
-              </a:fillRef>
-              <a:effectRef idx="0">
-                <a:schemeClr val="accent1"/>
-              </a:effectRef>
-              <a:fontRef idx="minor">
-                <a:schemeClr val="lt1"/>
-              </a:fontRef>
-            </p:style>
-            <p:txBody>
-              <a:bodyPr rot="0" spcFirstLastPara="0" vertOverflow="overflow" horzOverflow="overflow" vert="horz" wrap="square" lIns="91440" tIns="45720" rIns="91440" bIns="45720" numCol="1" spcCol="0" rtlCol="0" fromWordArt="0" anchor="ctr" anchorCtr="0" forceAA="0" compatLnSpc="1">
-                <a:prstTxWarp prst="textNoShape">
-                  <a:avLst/>
-                </a:prstTxWarp>
-                <a:noAutofit/>
-              </a:bodyPr>
-              <a:lstStyle/>
-              <a:p>
-                <a:pPr algn="ctr"/>
-                <a:r>
-                  <a:rPr lang="en-US" sz="1000" dirty="0" smtClean="0">
-                    <a:solidFill>
-                      <a:schemeClr val="bg2"/>
-                    </a:solidFill>
-                  </a:rPr>
-                  <a:t>Write items in </a:t>
-                </a:r>
-                <a:r>
-                  <a:rPr lang="en-US" sz="1000" dirty="0" smtClean="0">
-                    <a:solidFill>
-                      <a:srgbClr val="C00000"/>
-                    </a:solidFill>
-                  </a:rPr>
-                  <a:t>unlogged </a:t>
-                </a:r>
-                <a:r>
-                  <a:rPr lang="en-US" sz="1000" dirty="0">
-                    <a:solidFill>
-                      <a:srgbClr val="C00000"/>
-                    </a:solidFill>
-                  </a:rPr>
-                  <a:t>data </a:t>
-                </a:r>
-                <a:r>
-                  <a:rPr lang="en-US" sz="1000" dirty="0" smtClean="0">
-                    <a:solidFill>
-                      <a:srgbClr val="C00000"/>
-                    </a:solidFill>
-                  </a:rPr>
-                  <a:t>queue </a:t>
-                </a:r>
-                <a:r>
-                  <a:rPr lang="en-US" sz="1000" dirty="0" smtClean="0">
-                    <a:solidFill>
-                      <a:schemeClr val="bg2"/>
-                    </a:solidFill>
-                  </a:rPr>
-                  <a:t>to review database </a:t>
-                </a:r>
-                <a:endParaRPr lang="en-US" sz="1000" dirty="0">
-                  <a:solidFill>
-                    <a:schemeClr val="bg2"/>
-                  </a:solidFill>
-                </a:endParaRPr>
-              </a:p>
-            </p:txBody>
-          </p:sp>
-          <p:cxnSp>
-            <p:nvCxnSpPr>
-              <p:cNvPr id="218" name="Straight Arrow Connector 217"/>
-              <p:cNvCxnSpPr/>
-              <p:nvPr/>
-            </p:nvCxnSpPr>
-            <p:spPr>
-              <a:xfrm flipV="1">
-                <a:off x="3752694" y="8144995"/>
-                <a:ext cx="640080" cy="1251"/>
-              </a:xfrm>
-              <a:prstGeom prst="straightConnector1">
-                <a:avLst/>
-              </a:prstGeom>
-              <a:ln w="19050">
-                <a:solidFill>
-                  <a:schemeClr val="bg2"/>
-                </a:solidFill>
-                <a:headEnd type="none" w="med" len="med"/>
-                <a:tailEnd type="triangle" w="med" len="med"/>
-              </a:ln>
-            </p:spPr>
-            <p:style>
-              <a:lnRef idx="1">
-                <a:schemeClr val="accent1"/>
-              </a:lnRef>
-              <a:fillRef idx="0">
-                <a:schemeClr val="accent1"/>
-              </a:fillRef>
-              <a:effectRef idx="0">
-                <a:schemeClr val="accent1"/>
-              </a:effectRef>
-              <a:fontRef idx="minor">
-                <a:schemeClr val="tx1"/>
-              </a:fontRef>
-            </p:style>
-          </p:cxnSp>
-          <p:sp>
-            <p:nvSpPr>
-              <p:cNvPr id="219" name="Rectangle 218"/>
-              <p:cNvSpPr/>
-              <p:nvPr/>
-            </p:nvSpPr>
-            <p:spPr>
-              <a:xfrm>
-                <a:off x="4441370" y="8451411"/>
-                <a:ext cx="2506910" cy="457200"/>
-              </a:xfrm>
-              <a:prstGeom prst="rect">
-                <a:avLst/>
-              </a:prstGeom>
-              <a:solidFill>
-                <a:schemeClr val="tx2"/>
-              </a:solidFill>
-              <a:ln>
-                <a:solidFill>
-                  <a:schemeClr val="bg2"/>
-                </a:solidFill>
-              </a:ln>
-            </p:spPr>
-            <p:style>
-              <a:lnRef idx="2">
-                <a:schemeClr val="accent1">
-                  <a:shade val="50000"/>
-                </a:schemeClr>
-              </a:lnRef>
-              <a:fillRef idx="1">
-                <a:schemeClr val="accent1"/>
-              </a:fillRef>
-              <a:effectRef idx="0">
-                <a:schemeClr val="accent1"/>
-              </a:effectRef>
-              <a:fontRef idx="minor">
-                <a:schemeClr val="lt1"/>
-              </a:fontRef>
-            </p:style>
-            <p:txBody>
-              <a:bodyPr rot="0" spcFirstLastPara="0" vertOverflow="overflow" horzOverflow="overflow" vert="horz" wrap="square" lIns="91440" tIns="45720" rIns="91440" bIns="45720" numCol="1" spcCol="0" rtlCol="0" fromWordArt="0" anchor="ctr" anchorCtr="0" forceAA="0" compatLnSpc="1">
-                <a:prstTxWarp prst="textNoShape">
-                  <a:avLst/>
-                </a:prstTxWarp>
-                <a:noAutofit/>
-              </a:bodyPr>
-              <a:lstStyle/>
-              <a:p>
-                <a:pPr algn="ctr"/>
-                <a:r>
-                  <a:rPr lang="en-US" sz="1000" dirty="0">
-                    <a:solidFill>
-                      <a:schemeClr val="bg2"/>
-                    </a:solidFill>
-                  </a:rPr>
-                  <a:t>Print progress to terminal at regular intervals</a:t>
-                </a:r>
-              </a:p>
-            </p:txBody>
-          </p:sp>
-          <p:cxnSp>
-            <p:nvCxnSpPr>
-              <p:cNvPr id="220" name="Straight Arrow Connector 219"/>
-              <p:cNvCxnSpPr/>
-              <p:nvPr/>
-            </p:nvCxnSpPr>
-            <p:spPr>
-              <a:xfrm flipV="1">
-                <a:off x="3752694" y="8679386"/>
-                <a:ext cx="640080" cy="1251"/>
-              </a:xfrm>
-              <a:prstGeom prst="straightConnector1">
-                <a:avLst/>
-              </a:prstGeom>
-              <a:ln w="19050">
-                <a:solidFill>
-                  <a:schemeClr val="bg2"/>
-                </a:solidFill>
-                <a:headEnd type="none" w="med" len="med"/>
-                <a:tailEnd type="triangle" w="med" len="med"/>
-              </a:ln>
-            </p:spPr>
-            <p:style>
-              <a:lnRef idx="1">
-                <a:schemeClr val="accent1"/>
-              </a:lnRef>
-              <a:fillRef idx="0">
-                <a:schemeClr val="accent1"/>
-              </a:fillRef>
-              <a:effectRef idx="0">
-                <a:schemeClr val="accent1"/>
-              </a:effectRef>
-              <a:fontRef idx="minor">
-                <a:schemeClr val="tx1"/>
-              </a:fontRef>
-            </p:style>
-          </p:cxnSp>
-          <p:cxnSp>
-            <p:nvCxnSpPr>
-              <p:cNvPr id="221" name="Straight Arrow Connector 220"/>
-              <p:cNvCxnSpPr/>
-              <p:nvPr/>
-            </p:nvCxnSpPr>
-            <p:spPr>
-              <a:xfrm rot="5400000">
-                <a:off x="5022742" y="6903389"/>
-                <a:ext cx="182880" cy="1"/>
-              </a:xfrm>
-              <a:prstGeom prst="straightConnector1">
-                <a:avLst/>
-              </a:prstGeom>
-              <a:ln w="19050">
-                <a:solidFill>
-                  <a:schemeClr val="bg2"/>
-                </a:solidFill>
-                <a:headEnd type="none" w="med" len="med"/>
-                <a:tailEnd type="triangle" w="med" len="med"/>
-              </a:ln>
-            </p:spPr>
-            <p:style>
-              <a:lnRef idx="1">
-                <a:schemeClr val="accent1"/>
-              </a:lnRef>
-              <a:fillRef idx="0">
-                <a:schemeClr val="accent1"/>
-              </a:fillRef>
-              <a:effectRef idx="0">
-                <a:schemeClr val="accent1"/>
-              </a:effectRef>
-              <a:fontRef idx="minor">
-                <a:schemeClr val="tx1"/>
-              </a:fontRef>
-            </p:style>
-          </p:cxnSp>
-          <p:sp>
-            <p:nvSpPr>
-              <p:cNvPr id="222" name="TextBox 221"/>
-              <p:cNvSpPr txBox="1"/>
-              <p:nvPr/>
-            </p:nvSpPr>
-            <p:spPr>
-              <a:xfrm>
-                <a:off x="3724268" y="6477240"/>
-                <a:ext cx="565377" cy="246221"/>
-              </a:xfrm>
-              <a:prstGeom prst="rect">
-                <a:avLst/>
-              </a:prstGeom>
-              <a:noFill/>
-            </p:spPr>
-            <p:txBody>
-              <a:bodyPr wrap="square" rtlCol="0">
-                <a:spAutoFit/>
-              </a:bodyPr>
-              <a:lstStyle/>
-              <a:p>
-                <a:pPr algn="ctr"/>
-                <a:r>
-                  <a:rPr lang="en-US" sz="1000" dirty="0" smtClean="0">
-                    <a:solidFill>
-                      <a:schemeClr val="bg2"/>
-                    </a:solidFill>
-                  </a:rPr>
-                  <a:t>Thread</a:t>
-                </a:r>
-                <a:endParaRPr lang="en-US" sz="1000" dirty="0">
-                  <a:solidFill>
-                    <a:schemeClr val="bg2"/>
-                  </a:solidFill>
-                </a:endParaRPr>
-              </a:p>
-            </p:txBody>
-          </p:sp>
-          <p:sp>
-            <p:nvSpPr>
-              <p:cNvPr id="223" name="TextBox 222"/>
-              <p:cNvSpPr txBox="1"/>
-              <p:nvPr/>
-            </p:nvSpPr>
-            <p:spPr>
-              <a:xfrm>
-                <a:off x="3746405" y="7917020"/>
-                <a:ext cx="565377" cy="246221"/>
-              </a:xfrm>
-              <a:prstGeom prst="rect">
-                <a:avLst/>
-              </a:prstGeom>
-              <a:noFill/>
-            </p:spPr>
-            <p:txBody>
-              <a:bodyPr wrap="square" rtlCol="0">
-                <a:spAutoFit/>
-              </a:bodyPr>
-              <a:lstStyle/>
-              <a:p>
-                <a:pPr algn="ctr"/>
-                <a:r>
-                  <a:rPr lang="en-US" sz="1000" dirty="0" smtClean="0">
-                    <a:solidFill>
-                      <a:schemeClr val="bg2"/>
-                    </a:solidFill>
-                  </a:rPr>
-                  <a:t>Thread</a:t>
-                </a:r>
-                <a:endParaRPr lang="en-US" sz="1000" dirty="0">
-                  <a:solidFill>
-                    <a:schemeClr val="bg2"/>
-                  </a:solidFill>
-                </a:endParaRPr>
-              </a:p>
-            </p:txBody>
-          </p:sp>
-          <p:sp>
-            <p:nvSpPr>
-              <p:cNvPr id="224" name="TextBox 223"/>
-              <p:cNvSpPr txBox="1"/>
-              <p:nvPr/>
-            </p:nvSpPr>
-            <p:spPr>
-              <a:xfrm>
-                <a:off x="3746405" y="8456524"/>
-                <a:ext cx="565377" cy="246221"/>
-              </a:xfrm>
-              <a:prstGeom prst="rect">
-                <a:avLst/>
-              </a:prstGeom>
-              <a:noFill/>
-            </p:spPr>
-            <p:txBody>
-              <a:bodyPr wrap="square" rtlCol="0">
-                <a:spAutoFit/>
-              </a:bodyPr>
-              <a:lstStyle/>
-              <a:p>
-                <a:pPr algn="ctr"/>
-                <a:r>
-                  <a:rPr lang="en-US" sz="1000" dirty="0" smtClean="0">
-                    <a:solidFill>
-                      <a:schemeClr val="bg2"/>
-                    </a:solidFill>
-                  </a:rPr>
-                  <a:t>Thread</a:t>
-                </a:r>
-                <a:endParaRPr lang="en-US" sz="1000" dirty="0">
-                  <a:solidFill>
-                    <a:schemeClr val="bg2"/>
-                  </a:solidFill>
-                </a:endParaRPr>
-              </a:p>
-            </p:txBody>
-          </p:sp>
-          <p:sp>
-            <p:nvSpPr>
-              <p:cNvPr id="225" name="Rectangle 224"/>
-              <p:cNvSpPr/>
-              <p:nvPr/>
-            </p:nvSpPr>
-            <p:spPr>
-              <a:xfrm>
-                <a:off x="4441370" y="6500715"/>
-                <a:ext cx="2506910" cy="283987"/>
-              </a:xfrm>
-              <a:prstGeom prst="rect">
-                <a:avLst/>
-              </a:prstGeom>
-              <a:solidFill>
-                <a:schemeClr val="tx2"/>
-              </a:solidFill>
-              <a:ln>
-                <a:solidFill>
-                  <a:schemeClr val="bg2"/>
-                </a:solidFill>
-              </a:ln>
-            </p:spPr>
-            <p:style>
-              <a:lnRef idx="2">
-                <a:schemeClr val="accent1">
-                  <a:shade val="50000"/>
-                </a:schemeClr>
-              </a:lnRef>
-              <a:fillRef idx="1">
-                <a:schemeClr val="accent1"/>
-              </a:fillRef>
-              <a:effectRef idx="0">
-                <a:schemeClr val="accent1"/>
-              </a:effectRef>
-              <a:fontRef idx="minor">
-                <a:schemeClr val="lt1"/>
-              </a:fontRef>
-            </p:style>
-            <p:txBody>
-              <a:bodyPr rot="0" spcFirstLastPara="0" vertOverflow="overflow" horzOverflow="overflow" vert="horz" wrap="square" lIns="91440" tIns="45720" rIns="91440" bIns="45720" numCol="1" spcCol="0" rtlCol="0" fromWordArt="0" anchor="ctr" anchorCtr="0" forceAA="0" compatLnSpc="1">
-                <a:prstTxWarp prst="textNoShape">
-                  <a:avLst/>
-                </a:prstTxWarp>
-                <a:noAutofit/>
-              </a:bodyPr>
-              <a:lstStyle/>
-              <a:p>
-                <a:pPr algn="ctr"/>
-                <a:r>
-                  <a:rPr lang="en-US" sz="1000" dirty="0" smtClean="0">
-                    <a:solidFill>
-                      <a:schemeClr val="bg2"/>
-                    </a:solidFill>
-                  </a:rPr>
-                  <a:t>Listen for requests via API</a:t>
-                </a:r>
-                <a:endParaRPr lang="en-US" sz="1000" dirty="0">
-                  <a:solidFill>
-                    <a:schemeClr val="accent3"/>
-                  </a:solidFill>
-                </a:endParaRPr>
-              </a:p>
-            </p:txBody>
-          </p:sp>
-          <p:sp>
-            <p:nvSpPr>
-              <p:cNvPr id="226" name="Rectangle 225"/>
-              <p:cNvSpPr/>
-              <p:nvPr/>
-            </p:nvSpPr>
-            <p:spPr>
-              <a:xfrm>
-                <a:off x="4468815" y="7013131"/>
-                <a:ext cx="1188720" cy="747775"/>
-              </a:xfrm>
-              <a:prstGeom prst="rect">
-                <a:avLst/>
-              </a:prstGeom>
-              <a:solidFill>
-                <a:schemeClr val="tx2"/>
-              </a:solidFill>
-              <a:ln>
-                <a:solidFill>
-                  <a:schemeClr val="bg2"/>
-                </a:solidFill>
-              </a:ln>
-            </p:spPr>
-            <p:style>
-              <a:lnRef idx="2">
-                <a:schemeClr val="accent1">
-                  <a:shade val="50000"/>
-                </a:schemeClr>
-              </a:lnRef>
-              <a:fillRef idx="1">
-                <a:schemeClr val="accent1"/>
-              </a:fillRef>
-              <a:effectRef idx="0">
-                <a:schemeClr val="accent1"/>
-              </a:effectRef>
-              <a:fontRef idx="minor">
-                <a:schemeClr val="lt1"/>
-              </a:fontRef>
-            </p:style>
-            <p:txBody>
-              <a:bodyPr rot="0" spcFirstLastPara="0" vertOverflow="overflow" horzOverflow="overflow" vert="horz" wrap="square" lIns="91440" tIns="45720" rIns="91440" bIns="45720" numCol="1" spcCol="0" rtlCol="0" fromWordArt="0" anchor="ctr" anchorCtr="0" forceAA="0" compatLnSpc="1">
-                <a:prstTxWarp prst="textNoShape">
-                  <a:avLst/>
-                </a:prstTxWarp>
-                <a:noAutofit/>
-              </a:bodyPr>
-              <a:lstStyle/>
-              <a:p>
-                <a:pPr algn="ctr"/>
-                <a:r>
-                  <a:rPr lang="en-US" sz="1000" dirty="0" smtClean="0">
-                    <a:solidFill>
-                      <a:schemeClr val="bg2"/>
-                    </a:solidFill>
-                  </a:rPr>
-                  <a:t>For assignment requests, respond with items from </a:t>
-                </a:r>
-                <a:r>
-                  <a:rPr lang="en-US" sz="1000" dirty="0">
-                    <a:solidFill>
-                      <a:srgbClr val="0070C0"/>
-                    </a:solidFill>
-                  </a:rPr>
-                  <a:t>assignments queue</a:t>
-                </a:r>
-              </a:p>
-            </p:txBody>
-          </p:sp>
-          <p:sp>
-            <p:nvSpPr>
-              <p:cNvPr id="227" name="Rectangle 226"/>
-              <p:cNvSpPr/>
-              <p:nvPr/>
-            </p:nvSpPr>
-            <p:spPr>
-              <a:xfrm>
-                <a:off x="5759560" y="7024076"/>
-                <a:ext cx="1188720" cy="747775"/>
-              </a:xfrm>
-              <a:prstGeom prst="rect">
-                <a:avLst/>
-              </a:prstGeom>
-              <a:solidFill>
-                <a:schemeClr val="tx2"/>
-              </a:solidFill>
-              <a:ln>
-                <a:solidFill>
-                  <a:schemeClr val="bg2"/>
-                </a:solidFill>
-              </a:ln>
-            </p:spPr>
-            <p:style>
-              <a:lnRef idx="2">
-                <a:schemeClr val="accent1">
-                  <a:shade val="50000"/>
-                </a:schemeClr>
-              </a:lnRef>
-              <a:fillRef idx="1">
-                <a:schemeClr val="accent1"/>
-              </a:fillRef>
-              <a:effectRef idx="0">
-                <a:schemeClr val="accent1"/>
-              </a:effectRef>
-              <a:fontRef idx="minor">
-                <a:schemeClr val="lt1"/>
-              </a:fontRef>
-            </p:style>
-            <p:txBody>
-              <a:bodyPr rot="0" spcFirstLastPara="0" vertOverflow="overflow" horzOverflow="overflow" vert="horz" wrap="square" lIns="91440" tIns="45720" rIns="91440" bIns="45720" numCol="1" spcCol="0" rtlCol="0" fromWordArt="0" anchor="ctr" anchorCtr="0" forceAA="0" compatLnSpc="1">
-                <a:prstTxWarp prst="textNoShape">
-                  <a:avLst/>
-                </a:prstTxWarp>
-                <a:noAutofit/>
-              </a:bodyPr>
-              <a:lstStyle/>
-              <a:p>
-                <a:pPr algn="ctr"/>
-                <a:r>
-                  <a:rPr lang="en-US" sz="1000" dirty="0" smtClean="0">
-                    <a:solidFill>
-                      <a:schemeClr val="bg2"/>
-                    </a:solidFill>
-                  </a:rPr>
-                  <a:t>For incoming data, place in </a:t>
-                </a:r>
-                <a:r>
-                  <a:rPr lang="en-US" sz="1000" dirty="0" smtClean="0">
-                    <a:solidFill>
-                      <a:schemeClr val="accent3"/>
-                    </a:solidFill>
-                  </a:rPr>
-                  <a:t>unlogged </a:t>
-                </a:r>
-                <a:r>
-                  <a:rPr lang="en-US" sz="1000" dirty="0">
-                    <a:solidFill>
-                      <a:schemeClr val="accent3"/>
-                    </a:solidFill>
-                  </a:rPr>
-                  <a:t>data </a:t>
-                </a:r>
-                <a:r>
-                  <a:rPr lang="en-US" sz="1000" dirty="0" smtClean="0">
-                    <a:solidFill>
-                      <a:schemeClr val="accent3"/>
-                    </a:solidFill>
-                  </a:rPr>
-                  <a:t>queue</a:t>
-                </a:r>
-                <a:endParaRPr lang="en-US" sz="1000" dirty="0">
-                  <a:solidFill>
-                    <a:schemeClr val="accent3"/>
-                  </a:solidFill>
-                </a:endParaRPr>
-              </a:p>
-            </p:txBody>
-          </p:sp>
-          <p:cxnSp>
-            <p:nvCxnSpPr>
-              <p:cNvPr id="228" name="Straight Arrow Connector 227"/>
-              <p:cNvCxnSpPr/>
-              <p:nvPr/>
-            </p:nvCxnSpPr>
-            <p:spPr>
-              <a:xfrm rot="5400000">
-                <a:off x="6241942" y="6916089"/>
-                <a:ext cx="182880" cy="1"/>
-              </a:xfrm>
-              <a:prstGeom prst="straightConnector1">
-                <a:avLst/>
-              </a:prstGeom>
-              <a:ln w="19050">
-                <a:solidFill>
-                  <a:schemeClr val="bg2"/>
-                </a:solidFill>
-                <a:headEnd type="none" w="med" len="med"/>
-                <a:tailEnd type="triangle" w="med" len="med"/>
-              </a:ln>
-            </p:spPr>
-            <p:style>
-              <a:lnRef idx="1">
-                <a:schemeClr val="accent1"/>
-              </a:lnRef>
-              <a:fillRef idx="0">
-                <a:schemeClr val="accent1"/>
-              </a:fillRef>
-              <a:effectRef idx="0">
-                <a:schemeClr val="accent1"/>
-              </a:effectRef>
-              <a:fontRef idx="minor">
-                <a:schemeClr val="tx1"/>
-              </a:fontRef>
-            </p:style>
-          </p:cxnSp>
-          <p:sp>
-            <p:nvSpPr>
-              <p:cNvPr id="229" name="Rectangle 228"/>
-              <p:cNvSpPr/>
-              <p:nvPr/>
-            </p:nvSpPr>
-            <p:spPr>
-              <a:xfrm>
-                <a:off x="5759560" y="7024077"/>
-                <a:ext cx="1188720" cy="747775"/>
-              </a:xfrm>
-              <a:prstGeom prst="rect">
-                <a:avLst/>
-              </a:prstGeom>
-              <a:solidFill>
-                <a:schemeClr val="tx2"/>
-              </a:solidFill>
-              <a:ln>
-                <a:solidFill>
-                  <a:schemeClr val="bg2"/>
-                </a:solidFill>
-              </a:ln>
-            </p:spPr>
-            <p:style>
-              <a:lnRef idx="2">
-                <a:schemeClr val="accent1">
-                  <a:shade val="50000"/>
-                </a:schemeClr>
-              </a:lnRef>
-              <a:fillRef idx="1">
-                <a:schemeClr val="accent1"/>
-              </a:fillRef>
-              <a:effectRef idx="0">
-                <a:schemeClr val="accent1"/>
-              </a:effectRef>
-              <a:fontRef idx="minor">
-                <a:schemeClr val="lt1"/>
-              </a:fontRef>
-            </p:style>
-            <p:txBody>
-              <a:bodyPr rot="0" spcFirstLastPara="0" vertOverflow="overflow" horzOverflow="overflow" vert="horz" wrap="square" lIns="91440" tIns="45720" rIns="91440" bIns="45720" numCol="1" spcCol="0" rtlCol="0" fromWordArt="0" anchor="ctr" anchorCtr="0" forceAA="0" compatLnSpc="1">
-                <a:prstTxWarp prst="textNoShape">
-                  <a:avLst/>
-                </a:prstTxWarp>
-                <a:noAutofit/>
-              </a:bodyPr>
-              <a:lstStyle/>
-              <a:p>
-                <a:pPr algn="ctr"/>
-                <a:r>
-                  <a:rPr lang="en-US" sz="1000" dirty="0" smtClean="0">
-                    <a:solidFill>
-                      <a:schemeClr val="bg2"/>
-                    </a:solidFill>
-                  </a:rPr>
-                  <a:t>For incoming data, place in </a:t>
-                </a:r>
-                <a:r>
-                  <a:rPr lang="en-US" sz="1000" dirty="0" smtClean="0">
-                    <a:solidFill>
-                      <a:srgbClr val="C00000"/>
-                    </a:solidFill>
-                  </a:rPr>
-                  <a:t>unlogged </a:t>
-                </a:r>
-                <a:r>
-                  <a:rPr lang="en-US" sz="1000" dirty="0">
-                    <a:solidFill>
-                      <a:srgbClr val="C00000"/>
-                    </a:solidFill>
-                  </a:rPr>
-                  <a:t>data </a:t>
-                </a:r>
-                <a:r>
-                  <a:rPr lang="en-US" sz="1000" dirty="0" smtClean="0">
-                    <a:solidFill>
-                      <a:srgbClr val="C00000"/>
-                    </a:solidFill>
-                  </a:rPr>
-                  <a:t>queue</a:t>
-                </a:r>
-                <a:endParaRPr lang="en-US" sz="1000" dirty="0">
-                  <a:solidFill>
-                    <a:srgbClr val="C00000"/>
-                  </a:solidFill>
-                </a:endParaRPr>
-              </a:p>
-            </p:txBody>
-          </p:sp>
-          <p:cxnSp>
-            <p:nvCxnSpPr>
-              <p:cNvPr id="230" name="Straight Arrow Connector 229"/>
-              <p:cNvCxnSpPr/>
-              <p:nvPr/>
-            </p:nvCxnSpPr>
-            <p:spPr>
-              <a:xfrm rot="5400000">
-                <a:off x="6241942" y="6916090"/>
-                <a:ext cx="182880" cy="1"/>
-              </a:xfrm>
-              <a:prstGeom prst="straightConnector1">
-                <a:avLst/>
-              </a:prstGeom>
-              <a:ln w="19050">
-                <a:solidFill>
-                  <a:schemeClr val="bg2"/>
-                </a:solidFill>
-                <a:headEnd type="none" w="med" len="med"/>
-                <a:tailEnd type="triangle" w="med" len="med"/>
-              </a:ln>
-            </p:spPr>
-            <p:style>
-              <a:lnRef idx="1">
-                <a:schemeClr val="accent1"/>
-              </a:lnRef>
-              <a:fillRef idx="0">
-                <a:schemeClr val="accent1"/>
-              </a:fillRef>
-              <a:effectRef idx="0">
-                <a:schemeClr val="accent1"/>
-              </a:effectRef>
-              <a:fontRef idx="minor">
-                <a:schemeClr val="tx1"/>
-              </a:fontRef>
-            </p:style>
-          </p:cxnSp>
-        </p:grpSp>
-        <p:grpSp>
-          <p:nvGrpSpPr>
-            <p:cNvPr id="182" name="Group 181"/>
-            <p:cNvGrpSpPr/>
-            <p:nvPr/>
-          </p:nvGrpSpPr>
-          <p:grpSpPr>
-            <a:xfrm>
-              <a:off x="8365671" y="1957972"/>
-              <a:ext cx="4244011" cy="3450932"/>
-              <a:chOff x="8099922" y="5453024"/>
-              <a:chExt cx="4244011" cy="3450932"/>
-            </a:xfrm>
-          </p:grpSpPr>
-          <p:sp>
-            <p:nvSpPr>
-              <p:cNvPr id="185" name="Rectangle 184"/>
-              <p:cNvSpPr/>
-              <p:nvPr/>
-            </p:nvSpPr>
-            <p:spPr>
-              <a:xfrm>
-                <a:off x="8099922" y="5512862"/>
-                <a:ext cx="3529228" cy="328036"/>
-              </a:xfrm>
-              <a:prstGeom prst="rect">
-                <a:avLst/>
-              </a:prstGeom>
-              <a:solidFill>
-                <a:schemeClr val="bg1"/>
-              </a:solidFill>
-              <a:ln>
-                <a:solidFill>
-                  <a:schemeClr val="bg2"/>
-                </a:solidFill>
-              </a:ln>
-            </p:spPr>
-            <p:style>
-              <a:lnRef idx="2">
-                <a:schemeClr val="accent1">
-                  <a:shade val="50000"/>
-                </a:schemeClr>
-              </a:lnRef>
-              <a:fillRef idx="1">
-                <a:schemeClr val="accent1"/>
-              </a:fillRef>
-              <a:effectRef idx="0">
-                <a:schemeClr val="accent1"/>
-              </a:effectRef>
-              <a:fontRef idx="minor">
-                <a:schemeClr val="lt1"/>
-              </a:fontRef>
-            </p:style>
-            <p:txBody>
-              <a:bodyPr rot="0" spcFirstLastPara="0" vertOverflow="overflow" horzOverflow="overflow" vert="horz" wrap="square" lIns="91440" tIns="45720" rIns="91440" bIns="45720" numCol="1" spcCol="0" rtlCol="0" fromWordArt="0" anchor="ctr" anchorCtr="0" forceAA="0" compatLnSpc="1">
-                <a:prstTxWarp prst="textNoShape">
-                  <a:avLst/>
-                </a:prstTxWarp>
-                <a:noAutofit/>
-              </a:bodyPr>
-              <a:lstStyle/>
-              <a:p>
-                <a:pPr algn="ctr"/>
-                <a:r>
-                  <a:rPr lang="en-US" sz="1000" smtClean="0">
-                    <a:solidFill>
-                      <a:schemeClr val="bg2"/>
-                    </a:solidFill>
-                  </a:rPr>
-                  <a:t>Initialize </a:t>
-                </a:r>
-                <a:r>
-                  <a:rPr lang="en-US" sz="1000" b="1" smtClean="0">
-                    <a:solidFill>
-                      <a:schemeClr val="bg2"/>
-                    </a:solidFill>
-                  </a:rPr>
-                  <a:t>Book </a:t>
-                </a:r>
-                <a:r>
-                  <a:rPr lang="en-US" sz="1000" b="1" dirty="0" smtClean="0">
-                    <a:solidFill>
-                      <a:schemeClr val="bg2"/>
-                    </a:solidFill>
-                  </a:rPr>
-                  <a:t>Minion</a:t>
-                </a:r>
-                <a:endParaRPr lang="en-US" sz="1000" b="1" dirty="0">
-                  <a:solidFill>
-                    <a:schemeClr val="bg2"/>
-                  </a:solidFill>
-                </a:endParaRPr>
-              </a:p>
-            </p:txBody>
-          </p:sp>
-          <p:cxnSp>
-            <p:nvCxnSpPr>
-              <p:cNvPr id="187" name="Straight Arrow Connector 186"/>
-              <p:cNvCxnSpPr/>
-              <p:nvPr/>
-            </p:nvCxnSpPr>
-            <p:spPr>
-              <a:xfrm flipH="1" flipV="1">
-                <a:off x="11703853" y="5676255"/>
-                <a:ext cx="640080" cy="1251"/>
-              </a:xfrm>
-              <a:prstGeom prst="straightConnector1">
-                <a:avLst/>
-              </a:prstGeom>
-              <a:ln w="19050">
-                <a:solidFill>
-                  <a:schemeClr val="bg2"/>
-                </a:solidFill>
-                <a:headEnd type="none" w="med" len="med"/>
-                <a:tailEnd type="triangle" w="med" len="med"/>
-              </a:ln>
-            </p:spPr>
-            <p:style>
-              <a:lnRef idx="1">
-                <a:schemeClr val="accent1"/>
-              </a:lnRef>
-              <a:fillRef idx="0">
-                <a:schemeClr val="accent1"/>
-              </a:fillRef>
-              <a:effectRef idx="0">
-                <a:schemeClr val="accent1"/>
-              </a:effectRef>
-              <a:fontRef idx="minor">
-                <a:schemeClr val="tx1"/>
-              </a:fontRef>
-            </p:style>
-          </p:cxnSp>
-          <p:sp>
-            <p:nvSpPr>
-              <p:cNvPr id="188" name="TextBox 187"/>
-              <p:cNvSpPr txBox="1"/>
-              <p:nvPr/>
-            </p:nvSpPr>
-            <p:spPr>
-              <a:xfrm flipH="1">
-                <a:off x="11766175" y="5453024"/>
-                <a:ext cx="565377" cy="246221"/>
-              </a:xfrm>
-              <a:prstGeom prst="rect">
-                <a:avLst/>
-              </a:prstGeom>
-              <a:noFill/>
-            </p:spPr>
-            <p:txBody>
-              <a:bodyPr wrap="square" rtlCol="0">
-                <a:spAutoFit/>
-              </a:bodyPr>
-              <a:lstStyle/>
-              <a:p>
-                <a:pPr algn="ctr"/>
-                <a:r>
-                  <a:rPr lang="en-US" sz="1000" dirty="0" smtClean="0">
-                    <a:solidFill>
-                      <a:schemeClr val="bg2"/>
-                    </a:solidFill>
-                  </a:rPr>
-                  <a:t>Thread</a:t>
-                </a:r>
-                <a:endParaRPr lang="en-US" sz="1000" dirty="0">
-                  <a:solidFill>
-                    <a:schemeClr val="bg2"/>
-                  </a:solidFill>
-                </a:endParaRPr>
-              </a:p>
-            </p:txBody>
-          </p:sp>
-          <p:sp>
-            <p:nvSpPr>
-              <p:cNvPr id="189" name="TextBox 188"/>
-              <p:cNvSpPr txBox="1"/>
-              <p:nvPr/>
-            </p:nvSpPr>
-            <p:spPr>
-              <a:xfrm>
-                <a:off x="10770432" y="6454083"/>
-                <a:ext cx="565377" cy="246221"/>
-              </a:xfrm>
-              <a:prstGeom prst="rect">
-                <a:avLst/>
-              </a:prstGeom>
-              <a:noFill/>
-            </p:spPr>
-            <p:txBody>
-              <a:bodyPr wrap="square" rtlCol="0">
-                <a:spAutoFit/>
-              </a:bodyPr>
-              <a:lstStyle/>
-              <a:p>
-                <a:pPr algn="ctr"/>
-                <a:r>
-                  <a:rPr lang="en-US" sz="1000" dirty="0" smtClean="0">
-                    <a:solidFill>
-                      <a:schemeClr val="bg2"/>
-                    </a:solidFill>
-                  </a:rPr>
-                  <a:t>Thread</a:t>
-                </a:r>
-                <a:endParaRPr lang="en-US" sz="1000" dirty="0">
-                  <a:solidFill>
-                    <a:schemeClr val="bg2"/>
-                  </a:solidFill>
-                </a:endParaRPr>
-              </a:p>
-            </p:txBody>
-          </p:sp>
-          <p:sp>
-            <p:nvSpPr>
-              <p:cNvPr id="190" name="TextBox 189"/>
-              <p:cNvSpPr txBox="1"/>
-              <p:nvPr/>
-            </p:nvSpPr>
-            <p:spPr>
-              <a:xfrm>
-                <a:off x="10750688" y="7929376"/>
-                <a:ext cx="565377" cy="246221"/>
-              </a:xfrm>
-              <a:prstGeom prst="rect">
-                <a:avLst/>
-              </a:prstGeom>
-              <a:noFill/>
-            </p:spPr>
-            <p:txBody>
-              <a:bodyPr wrap="square" rtlCol="0">
-                <a:spAutoFit/>
-              </a:bodyPr>
-              <a:lstStyle/>
-              <a:p>
-                <a:pPr algn="ctr"/>
-                <a:r>
-                  <a:rPr lang="en-US" sz="1000" dirty="0" smtClean="0">
-                    <a:solidFill>
-                      <a:schemeClr val="bg2"/>
-                    </a:solidFill>
-                  </a:rPr>
-                  <a:t>Thread</a:t>
-                </a:r>
-                <a:endParaRPr lang="en-US" sz="1000" dirty="0">
-                  <a:solidFill>
-                    <a:schemeClr val="bg2"/>
-                  </a:solidFill>
-                </a:endParaRPr>
-              </a:p>
-            </p:txBody>
-          </p:sp>
-          <p:sp>
-            <p:nvSpPr>
-              <p:cNvPr id="193" name="Rectangle 192"/>
-              <p:cNvSpPr/>
-              <p:nvPr/>
-            </p:nvSpPr>
-            <p:spPr>
-              <a:xfrm>
-                <a:off x="8118020" y="7912365"/>
-                <a:ext cx="2484595" cy="457200"/>
-              </a:xfrm>
-              <a:prstGeom prst="rect">
-                <a:avLst/>
-              </a:prstGeom>
-              <a:solidFill>
-                <a:schemeClr val="bg1"/>
-              </a:solidFill>
-              <a:ln>
-                <a:solidFill>
-                  <a:schemeClr val="bg2"/>
-                </a:solidFill>
-              </a:ln>
-            </p:spPr>
-            <p:style>
-              <a:lnRef idx="2">
-                <a:schemeClr val="accent1">
-                  <a:shade val="50000"/>
-                </a:schemeClr>
-              </a:lnRef>
-              <a:fillRef idx="1">
-                <a:schemeClr val="accent1"/>
-              </a:fillRef>
-              <a:effectRef idx="0">
-                <a:schemeClr val="accent1"/>
-              </a:effectRef>
-              <a:fontRef idx="minor">
-                <a:schemeClr val="lt1"/>
-              </a:fontRef>
-            </p:style>
-            <p:txBody>
-              <a:bodyPr rot="0" spcFirstLastPara="0" vertOverflow="overflow" horzOverflow="overflow" vert="horz" wrap="square" lIns="91440" tIns="45720" rIns="91440" bIns="45720" numCol="1" spcCol="0" rtlCol="0" fromWordArt="0" anchor="ctr" anchorCtr="0" forceAA="0" compatLnSpc="1">
-                <a:prstTxWarp prst="textNoShape">
-                  <a:avLst/>
-                </a:prstTxWarp>
-                <a:noAutofit/>
-              </a:bodyPr>
-              <a:lstStyle/>
-              <a:p>
-                <a:pPr algn="ctr"/>
-                <a:r>
-                  <a:rPr lang="en-US" sz="1000" dirty="0">
-                    <a:solidFill>
-                      <a:schemeClr val="bg2"/>
-                    </a:solidFill>
-                  </a:rPr>
-                  <a:t>Parse items in </a:t>
-                </a:r>
-                <a:r>
-                  <a:rPr lang="en-US" sz="1000" dirty="0">
-                    <a:solidFill>
-                      <a:srgbClr val="FF9900"/>
-                    </a:solidFill>
-                  </a:rPr>
-                  <a:t>soup queue </a:t>
-                </a:r>
-                <a:r>
-                  <a:rPr lang="en-US" sz="1000" dirty="0">
-                    <a:solidFill>
-                      <a:schemeClr val="bg2"/>
-                    </a:solidFill>
-                  </a:rPr>
-                  <a:t>and place </a:t>
-                </a:r>
-                <a:r>
-                  <a:rPr lang="en-US" sz="1000" dirty="0" smtClean="0">
-                    <a:solidFill>
-                      <a:schemeClr val="bg2"/>
-                    </a:solidFill>
-                  </a:rPr>
-                  <a:t>output </a:t>
-                </a:r>
-                <a:r>
-                  <a:rPr lang="en-US" sz="1000" dirty="0">
-                    <a:solidFill>
-                      <a:schemeClr val="bg2"/>
-                    </a:solidFill>
-                  </a:rPr>
-                  <a:t>in </a:t>
-                </a:r>
-                <a:r>
-                  <a:rPr lang="en-US" sz="1000" dirty="0">
-                    <a:solidFill>
-                      <a:srgbClr val="C00000"/>
-                    </a:solidFill>
-                  </a:rPr>
-                  <a:t>data queue </a:t>
-                </a:r>
-              </a:p>
-            </p:txBody>
-          </p:sp>
-          <p:sp>
-            <p:nvSpPr>
-              <p:cNvPr id="194" name="Rectangle 193"/>
-              <p:cNvSpPr/>
-              <p:nvPr/>
-            </p:nvSpPr>
-            <p:spPr>
-              <a:xfrm>
-                <a:off x="8114190" y="8446756"/>
-                <a:ext cx="2490199" cy="457200"/>
-              </a:xfrm>
-              <a:prstGeom prst="rect">
-                <a:avLst/>
-              </a:prstGeom>
-              <a:solidFill>
-                <a:schemeClr val="tx2"/>
-              </a:solidFill>
-              <a:ln>
-                <a:solidFill>
-                  <a:schemeClr val="bg2"/>
-                </a:solidFill>
-              </a:ln>
-            </p:spPr>
-            <p:style>
-              <a:lnRef idx="2">
-                <a:schemeClr val="accent1">
-                  <a:shade val="50000"/>
-                </a:schemeClr>
-              </a:lnRef>
-              <a:fillRef idx="1">
-                <a:schemeClr val="accent1"/>
-              </a:fillRef>
-              <a:effectRef idx="0">
-                <a:schemeClr val="accent1"/>
-              </a:effectRef>
-              <a:fontRef idx="minor">
-                <a:schemeClr val="lt1"/>
-              </a:fontRef>
-            </p:style>
-            <p:txBody>
-              <a:bodyPr rot="0" spcFirstLastPara="0" vertOverflow="overflow" horzOverflow="overflow" vert="horz" wrap="square" lIns="91440" tIns="45720" rIns="91440" bIns="45720" numCol="1" spcCol="0" rtlCol="0" fromWordArt="0" anchor="ctr" anchorCtr="0" forceAA="0" compatLnSpc="1">
-                <a:prstTxWarp prst="textNoShape">
-                  <a:avLst/>
-                </a:prstTxWarp>
-                <a:noAutofit/>
-              </a:bodyPr>
-              <a:lstStyle/>
-              <a:p>
-                <a:pPr algn="ctr"/>
-                <a:r>
-                  <a:rPr lang="en-US" sz="1000" dirty="0">
-                    <a:solidFill>
-                      <a:schemeClr val="bg2"/>
-                    </a:solidFill>
-                  </a:rPr>
-                  <a:t>Transmit </a:t>
-                </a:r>
-                <a:r>
-                  <a:rPr lang="en-US" sz="1000" dirty="0" smtClean="0">
-                    <a:solidFill>
-                      <a:schemeClr val="bg2"/>
-                    </a:solidFill>
-                  </a:rPr>
-                  <a:t>items in </a:t>
-                </a:r>
-                <a:r>
-                  <a:rPr lang="en-US" sz="1000" dirty="0" smtClean="0">
-                    <a:solidFill>
-                      <a:srgbClr val="C00000"/>
-                    </a:solidFill>
-                  </a:rPr>
-                  <a:t>data </a:t>
-                </a:r>
-                <a:r>
-                  <a:rPr lang="en-US" sz="1000" dirty="0">
-                    <a:solidFill>
-                      <a:srgbClr val="C00000"/>
-                    </a:solidFill>
-                  </a:rPr>
-                  <a:t>queue </a:t>
-                </a:r>
-              </a:p>
-              <a:p>
-                <a:pPr algn="ctr"/>
-                <a:r>
-                  <a:rPr lang="en-US" sz="1000" i="1" dirty="0" smtClean="0">
-                    <a:solidFill>
-                      <a:schemeClr val="bg2"/>
-                    </a:solidFill>
-                  </a:rPr>
-                  <a:t>(post request)</a:t>
-                </a:r>
-                <a:endParaRPr lang="en-US" sz="1000" i="1" dirty="0">
-                  <a:solidFill>
-                    <a:schemeClr val="bg2"/>
-                  </a:solidFill>
-                </a:endParaRPr>
-              </a:p>
-            </p:txBody>
-          </p:sp>
-          <p:cxnSp>
-            <p:nvCxnSpPr>
-              <p:cNvPr id="195" name="Straight Arrow Connector 194"/>
-              <p:cNvCxnSpPr/>
-              <p:nvPr/>
-            </p:nvCxnSpPr>
-            <p:spPr>
-              <a:xfrm>
-                <a:off x="11438710" y="6025722"/>
-                <a:ext cx="30120" cy="2677023"/>
-              </a:xfrm>
-              <a:prstGeom prst="straightConnector1">
-                <a:avLst/>
-              </a:prstGeom>
-              <a:ln w="19050">
-                <a:solidFill>
-                  <a:schemeClr val="bg2"/>
-                </a:solidFill>
-                <a:headEnd type="none" w="med" len="med"/>
-                <a:tailEnd type="triangle" w="med" len="med"/>
-              </a:ln>
-            </p:spPr>
-            <p:style>
-              <a:lnRef idx="1">
-                <a:schemeClr val="accent1"/>
-              </a:lnRef>
-              <a:fillRef idx="0">
-                <a:schemeClr val="accent1"/>
-              </a:fillRef>
-              <a:effectRef idx="0">
-                <a:schemeClr val="accent1"/>
-              </a:effectRef>
-              <a:fontRef idx="minor">
-                <a:schemeClr val="tx1"/>
-              </a:fontRef>
-            </p:style>
-          </p:cxnSp>
-          <p:cxnSp>
-            <p:nvCxnSpPr>
-              <p:cNvPr id="200" name="Straight Arrow Connector 199"/>
-              <p:cNvCxnSpPr/>
-              <p:nvPr/>
-            </p:nvCxnSpPr>
-            <p:spPr>
-              <a:xfrm flipH="1" flipV="1">
-                <a:off x="10674029" y="6671595"/>
-                <a:ext cx="640080" cy="1251"/>
-              </a:xfrm>
-              <a:prstGeom prst="straightConnector1">
-                <a:avLst/>
-              </a:prstGeom>
-              <a:ln w="19050">
-                <a:solidFill>
-                  <a:schemeClr val="bg2"/>
-                </a:solidFill>
-                <a:headEnd type="none" w="med" len="med"/>
-                <a:tailEnd type="triangle" w="med" len="med"/>
-              </a:ln>
-            </p:spPr>
-            <p:style>
-              <a:lnRef idx="1">
-                <a:schemeClr val="accent1"/>
-              </a:lnRef>
-              <a:fillRef idx="0">
-                <a:schemeClr val="accent1"/>
-              </a:fillRef>
-              <a:effectRef idx="0">
-                <a:schemeClr val="accent1"/>
-              </a:effectRef>
-              <a:fontRef idx="minor">
-                <a:schemeClr val="tx1"/>
-              </a:fontRef>
-            </p:style>
-          </p:cxnSp>
-          <p:cxnSp>
-            <p:nvCxnSpPr>
-              <p:cNvPr id="202" name="Straight Arrow Connector 201"/>
-              <p:cNvCxnSpPr/>
-              <p:nvPr/>
-            </p:nvCxnSpPr>
-            <p:spPr>
-              <a:xfrm flipH="1" flipV="1">
-                <a:off x="10713336" y="8152765"/>
-                <a:ext cx="640080" cy="1251"/>
-              </a:xfrm>
-              <a:prstGeom prst="straightConnector1">
-                <a:avLst/>
-              </a:prstGeom>
-              <a:ln w="19050">
-                <a:solidFill>
-                  <a:schemeClr val="bg2"/>
-                </a:solidFill>
-                <a:headEnd type="none" w="med" len="med"/>
-                <a:tailEnd type="triangle" w="med" len="med"/>
-              </a:ln>
-            </p:spPr>
-            <p:style>
-              <a:lnRef idx="1">
-                <a:schemeClr val="accent1"/>
-              </a:lnRef>
-              <a:fillRef idx="0">
-                <a:schemeClr val="accent1"/>
-              </a:fillRef>
-              <a:effectRef idx="0">
-                <a:schemeClr val="accent1"/>
-              </a:effectRef>
-              <a:fontRef idx="minor">
-                <a:schemeClr val="tx1"/>
-              </a:fontRef>
-            </p:style>
-          </p:cxnSp>
-          <p:cxnSp>
-            <p:nvCxnSpPr>
-              <p:cNvPr id="203" name="Straight Arrow Connector 202"/>
-              <p:cNvCxnSpPr/>
-              <p:nvPr/>
-            </p:nvCxnSpPr>
-            <p:spPr>
-              <a:xfrm flipH="1" flipV="1">
-                <a:off x="10713336" y="8683183"/>
-                <a:ext cx="640080" cy="1251"/>
-              </a:xfrm>
-              <a:prstGeom prst="straightConnector1">
-                <a:avLst/>
-              </a:prstGeom>
-              <a:ln w="19050">
-                <a:solidFill>
-                  <a:schemeClr val="bg2"/>
-                </a:solidFill>
-                <a:headEnd type="none" w="med" len="med"/>
-                <a:tailEnd type="triangle" w="med" len="med"/>
-              </a:ln>
-            </p:spPr>
-            <p:style>
-              <a:lnRef idx="1">
-                <a:schemeClr val="accent1"/>
-              </a:lnRef>
-              <a:fillRef idx="0">
-                <a:schemeClr val="accent1"/>
-              </a:fillRef>
-              <a:effectRef idx="0">
-                <a:schemeClr val="accent1"/>
-              </a:effectRef>
-              <a:fontRef idx="minor">
-                <a:schemeClr val="tx1"/>
-              </a:fontRef>
-            </p:style>
-          </p:cxnSp>
-          <p:sp>
-            <p:nvSpPr>
-              <p:cNvPr id="204" name="TextBox 203"/>
-              <p:cNvSpPr txBox="1"/>
-              <p:nvPr/>
-            </p:nvSpPr>
-            <p:spPr>
-              <a:xfrm>
-                <a:off x="10750688" y="8462414"/>
-                <a:ext cx="565377" cy="246221"/>
-              </a:xfrm>
-              <a:prstGeom prst="rect">
-                <a:avLst/>
-              </a:prstGeom>
-              <a:noFill/>
-            </p:spPr>
-            <p:txBody>
-              <a:bodyPr wrap="square" rtlCol="0">
-                <a:spAutoFit/>
-              </a:bodyPr>
-              <a:lstStyle/>
-              <a:p>
-                <a:pPr algn="ctr"/>
-                <a:r>
-                  <a:rPr lang="en-US" sz="1000" dirty="0" smtClean="0">
-                    <a:solidFill>
-                      <a:schemeClr val="bg2"/>
-                    </a:solidFill>
-                  </a:rPr>
-                  <a:t>Thread</a:t>
-                </a:r>
-                <a:endParaRPr lang="en-US" sz="1000" dirty="0">
-                  <a:solidFill>
-                    <a:schemeClr val="bg2"/>
-                  </a:solidFill>
-                </a:endParaRPr>
-              </a:p>
-            </p:txBody>
-          </p:sp>
-          <p:cxnSp>
-            <p:nvCxnSpPr>
-              <p:cNvPr id="205" name="Straight Arrow Connector 204"/>
-              <p:cNvCxnSpPr/>
-              <p:nvPr/>
-            </p:nvCxnSpPr>
-            <p:spPr>
-              <a:xfrm rot="5400000">
-                <a:off x="8699392" y="6902148"/>
-                <a:ext cx="182880" cy="1"/>
-              </a:xfrm>
-              <a:prstGeom prst="straightConnector1">
-                <a:avLst/>
-              </a:prstGeom>
-              <a:ln w="19050">
-                <a:solidFill>
-                  <a:schemeClr val="bg2"/>
-                </a:solidFill>
-                <a:headEnd type="none" w="med" len="med"/>
-                <a:tailEnd type="triangle" w="med" len="med"/>
-              </a:ln>
-            </p:spPr>
-            <p:style>
-              <a:lnRef idx="1">
-                <a:schemeClr val="accent1"/>
-              </a:lnRef>
-              <a:fillRef idx="0">
-                <a:schemeClr val="accent1"/>
-              </a:fillRef>
-              <a:effectRef idx="0">
-                <a:schemeClr val="accent1"/>
-              </a:effectRef>
-              <a:fontRef idx="minor">
-                <a:schemeClr val="tx1"/>
-              </a:fontRef>
-            </p:style>
-          </p:cxnSp>
-          <p:sp>
-            <p:nvSpPr>
-              <p:cNvPr id="206" name="Rectangle 205"/>
-              <p:cNvSpPr/>
-              <p:nvPr/>
-            </p:nvSpPr>
-            <p:spPr>
-              <a:xfrm>
-                <a:off x="8118020" y="6499474"/>
-                <a:ext cx="2506910" cy="283987"/>
-              </a:xfrm>
-              <a:prstGeom prst="rect">
-                <a:avLst/>
-              </a:prstGeom>
-              <a:solidFill>
-                <a:schemeClr val="tx2"/>
-              </a:solidFill>
-              <a:ln>
-                <a:solidFill>
-                  <a:schemeClr val="bg2"/>
-                </a:solidFill>
-              </a:ln>
-            </p:spPr>
-            <p:style>
-              <a:lnRef idx="2">
-                <a:schemeClr val="accent1">
-                  <a:shade val="50000"/>
-                </a:schemeClr>
-              </a:lnRef>
-              <a:fillRef idx="1">
-                <a:schemeClr val="accent1"/>
-              </a:fillRef>
-              <a:effectRef idx="0">
-                <a:schemeClr val="accent1"/>
-              </a:effectRef>
-              <a:fontRef idx="minor">
-                <a:schemeClr val="lt1"/>
-              </a:fontRef>
-            </p:style>
-            <p:txBody>
-              <a:bodyPr rot="0" spcFirstLastPara="0" vertOverflow="overflow" horzOverflow="overflow" vert="horz" wrap="square" lIns="91440" tIns="45720" rIns="91440" bIns="45720" numCol="1" spcCol="0" rtlCol="0" fromWordArt="0" anchor="ctr" anchorCtr="0" forceAA="0" compatLnSpc="1">
-                <a:prstTxWarp prst="textNoShape">
-                  <a:avLst/>
-                </a:prstTxWarp>
-                <a:noAutofit/>
-              </a:bodyPr>
-              <a:lstStyle/>
-              <a:p>
-                <a:pPr algn="ctr"/>
-                <a:r>
-                  <a:rPr lang="en-US" sz="1000" dirty="0" smtClean="0">
-                    <a:solidFill>
-                      <a:schemeClr val="bg2"/>
-                    </a:solidFill>
-                  </a:rPr>
-                  <a:t>Check </a:t>
-                </a:r>
-                <a:r>
-                  <a:rPr lang="en-US" sz="1000" dirty="0" smtClean="0">
-                    <a:solidFill>
-                      <a:srgbClr val="0070C0"/>
-                    </a:solidFill>
-                  </a:rPr>
-                  <a:t>assignments queue</a:t>
-                </a:r>
-                <a:endParaRPr lang="en-US" sz="1000" dirty="0">
-                  <a:solidFill>
-                    <a:srgbClr val="0070C0"/>
-                  </a:solidFill>
-                </a:endParaRPr>
-              </a:p>
-            </p:txBody>
-          </p:sp>
-          <p:sp>
-            <p:nvSpPr>
-              <p:cNvPr id="207" name="Rectangle 206"/>
-              <p:cNvSpPr/>
-              <p:nvPr/>
-            </p:nvSpPr>
-            <p:spPr>
-              <a:xfrm>
-                <a:off x="8145021" y="7011891"/>
-                <a:ext cx="1188720" cy="822960"/>
-              </a:xfrm>
-              <a:prstGeom prst="rect">
-                <a:avLst/>
-              </a:prstGeom>
-              <a:solidFill>
-                <a:schemeClr val="tx2"/>
-              </a:solidFill>
-              <a:ln>
-                <a:solidFill>
-                  <a:schemeClr val="bg2"/>
-                </a:solidFill>
-              </a:ln>
-            </p:spPr>
-            <p:style>
-              <a:lnRef idx="2">
-                <a:schemeClr val="accent1">
-                  <a:shade val="50000"/>
-                </a:schemeClr>
-              </a:lnRef>
-              <a:fillRef idx="1">
-                <a:schemeClr val="accent1"/>
-              </a:fillRef>
-              <a:effectRef idx="0">
-                <a:schemeClr val="accent1"/>
-              </a:effectRef>
-              <a:fontRef idx="minor">
-                <a:schemeClr val="lt1"/>
-              </a:fontRef>
-            </p:style>
-            <p:txBody>
-              <a:bodyPr rot="0" spcFirstLastPara="0" vertOverflow="overflow" horzOverflow="overflow" vert="horz" wrap="square" lIns="91440" tIns="45720" rIns="91440" bIns="45720" numCol="1" spcCol="0" rtlCol="0" fromWordArt="0" anchor="ctr" anchorCtr="0" forceAA="0" compatLnSpc="1">
-                <a:prstTxWarp prst="textNoShape">
-                  <a:avLst/>
-                </a:prstTxWarp>
-                <a:noAutofit/>
-              </a:bodyPr>
-              <a:lstStyle/>
-              <a:p>
-                <a:pPr algn="ctr"/>
-                <a:r>
-                  <a:rPr lang="en-US" sz="1000" b="1" dirty="0" smtClean="0">
-                    <a:solidFill>
-                      <a:schemeClr val="bg2"/>
-                    </a:solidFill>
-                  </a:rPr>
-                  <a:t>If empty:</a:t>
-                </a:r>
-              </a:p>
-              <a:p>
-                <a:pPr algn="ctr"/>
-                <a:r>
-                  <a:rPr lang="en-US" sz="1000" dirty="0" smtClean="0">
-                    <a:solidFill>
-                      <a:schemeClr val="bg2"/>
-                    </a:solidFill>
-                  </a:rPr>
-                  <a:t>request new assignments </a:t>
-                </a:r>
-              </a:p>
-              <a:p>
-                <a:pPr algn="ctr"/>
-                <a:r>
-                  <a:rPr lang="en-US" sz="1000" i="1" dirty="0" smtClean="0">
-                    <a:solidFill>
-                      <a:schemeClr val="bg2"/>
-                    </a:solidFill>
-                  </a:rPr>
-                  <a:t>(get request)</a:t>
-                </a:r>
-                <a:endParaRPr lang="en-US" sz="1000" i="1" dirty="0">
-                  <a:solidFill>
-                    <a:schemeClr val="accent5"/>
-                  </a:solidFill>
-                </a:endParaRPr>
-              </a:p>
-            </p:txBody>
-          </p:sp>
-          <p:sp>
-            <p:nvSpPr>
-              <p:cNvPr id="208" name="Rectangle 207"/>
-              <p:cNvSpPr/>
-              <p:nvPr/>
-            </p:nvSpPr>
-            <p:spPr>
-              <a:xfrm>
-                <a:off x="9436210" y="7022835"/>
-                <a:ext cx="1188720" cy="822960"/>
-              </a:xfrm>
-              <a:prstGeom prst="rect">
-                <a:avLst/>
-              </a:prstGeom>
-              <a:solidFill>
-                <a:schemeClr val="tx2"/>
-              </a:solidFill>
-              <a:ln>
-                <a:solidFill>
-                  <a:schemeClr val="bg2"/>
-                </a:solidFill>
-              </a:ln>
-            </p:spPr>
-            <p:style>
-              <a:lnRef idx="2">
-                <a:schemeClr val="accent1">
-                  <a:shade val="50000"/>
-                </a:schemeClr>
-              </a:lnRef>
-              <a:fillRef idx="1">
-                <a:schemeClr val="accent1"/>
-              </a:fillRef>
-              <a:effectRef idx="0">
-                <a:schemeClr val="accent1"/>
-              </a:effectRef>
-              <a:fontRef idx="minor">
-                <a:schemeClr val="lt1"/>
-              </a:fontRef>
-            </p:style>
-            <p:txBody>
-              <a:bodyPr rot="0" spcFirstLastPara="0" vertOverflow="overflow" horzOverflow="overflow" vert="horz" wrap="square" lIns="91440" tIns="45720" rIns="91440" bIns="45720" numCol="1" spcCol="0" rtlCol="0" fromWordArt="0" anchor="ctr" anchorCtr="0" forceAA="0" compatLnSpc="1">
-                <a:prstTxWarp prst="textNoShape">
-                  <a:avLst/>
-                </a:prstTxWarp>
-                <a:noAutofit/>
-              </a:bodyPr>
-              <a:lstStyle/>
-              <a:p>
-                <a:pPr algn="ctr"/>
-                <a:r>
-                  <a:rPr lang="en-US" sz="1000" dirty="0" smtClean="0">
-                    <a:solidFill>
-                      <a:schemeClr val="bg2"/>
-                    </a:solidFill>
-                  </a:rPr>
-                  <a:t>For incoming data, place in </a:t>
-                </a:r>
-                <a:r>
-                  <a:rPr lang="en-US" sz="1000" dirty="0" smtClean="0">
-                    <a:solidFill>
-                      <a:schemeClr val="accent3"/>
-                    </a:solidFill>
-                  </a:rPr>
-                  <a:t>unlogged </a:t>
-                </a:r>
-                <a:r>
-                  <a:rPr lang="en-US" sz="1000" dirty="0">
-                    <a:solidFill>
-                      <a:schemeClr val="accent3"/>
-                    </a:solidFill>
-                  </a:rPr>
-                  <a:t>data </a:t>
-                </a:r>
-                <a:r>
-                  <a:rPr lang="en-US" sz="1000" dirty="0" smtClean="0">
-                    <a:solidFill>
-                      <a:schemeClr val="accent3"/>
-                    </a:solidFill>
-                  </a:rPr>
-                  <a:t>queue</a:t>
-                </a:r>
-                <a:endParaRPr lang="en-US" sz="1000" dirty="0">
-                  <a:solidFill>
-                    <a:schemeClr val="accent3"/>
-                  </a:solidFill>
-                </a:endParaRPr>
-              </a:p>
-            </p:txBody>
-          </p:sp>
-          <p:cxnSp>
-            <p:nvCxnSpPr>
-              <p:cNvPr id="209" name="Straight Arrow Connector 208"/>
-              <p:cNvCxnSpPr/>
-              <p:nvPr/>
-            </p:nvCxnSpPr>
-            <p:spPr>
-              <a:xfrm rot="5400000">
-                <a:off x="9918592" y="6914848"/>
-                <a:ext cx="182880" cy="1"/>
-              </a:xfrm>
-              <a:prstGeom prst="straightConnector1">
-                <a:avLst/>
-              </a:prstGeom>
-              <a:ln w="19050">
-                <a:solidFill>
-                  <a:schemeClr val="bg2"/>
-                </a:solidFill>
-                <a:headEnd type="none" w="med" len="med"/>
-                <a:tailEnd type="triangle" w="med" len="med"/>
-              </a:ln>
-            </p:spPr>
-            <p:style>
-              <a:lnRef idx="1">
-                <a:schemeClr val="accent1"/>
-              </a:lnRef>
-              <a:fillRef idx="0">
-                <a:schemeClr val="accent1"/>
-              </a:fillRef>
-              <a:effectRef idx="0">
-                <a:schemeClr val="accent1"/>
-              </a:effectRef>
-              <a:fontRef idx="minor">
-                <a:schemeClr val="tx1"/>
-              </a:fontRef>
-            </p:style>
-          </p:cxnSp>
-          <p:sp>
-            <p:nvSpPr>
-              <p:cNvPr id="210" name="Rectangle 209"/>
-              <p:cNvSpPr/>
-              <p:nvPr/>
-            </p:nvSpPr>
-            <p:spPr>
-              <a:xfrm>
-                <a:off x="9436210" y="7022836"/>
-                <a:ext cx="1188720" cy="822960"/>
-              </a:xfrm>
-              <a:prstGeom prst="rect">
-                <a:avLst/>
-              </a:prstGeom>
-              <a:solidFill>
-                <a:schemeClr val="tx2"/>
-              </a:solidFill>
-              <a:ln>
-                <a:solidFill>
-                  <a:schemeClr val="bg2"/>
-                </a:solidFill>
-              </a:ln>
-            </p:spPr>
-            <p:style>
-              <a:lnRef idx="2">
-                <a:schemeClr val="accent1">
-                  <a:shade val="50000"/>
-                </a:schemeClr>
-              </a:lnRef>
-              <a:fillRef idx="1">
-                <a:schemeClr val="accent1"/>
-              </a:fillRef>
-              <a:effectRef idx="0">
-                <a:schemeClr val="accent1"/>
-              </a:effectRef>
-              <a:fontRef idx="minor">
-                <a:schemeClr val="lt1"/>
-              </a:fontRef>
-            </p:style>
-            <p:txBody>
-              <a:bodyPr rot="0" spcFirstLastPara="0" vertOverflow="overflow" horzOverflow="overflow" vert="horz" wrap="square" lIns="91440" tIns="45720" rIns="91440" bIns="45720" numCol="1" spcCol="0" rtlCol="0" fromWordArt="0" anchor="ctr" anchorCtr="0" forceAA="0" compatLnSpc="1">
-                <a:prstTxWarp prst="textNoShape">
-                  <a:avLst/>
-                </a:prstTxWarp>
-                <a:noAutofit/>
-              </a:bodyPr>
-              <a:lstStyle/>
-              <a:p>
-                <a:pPr algn="ctr"/>
-                <a:r>
-                  <a:rPr lang="en-US" sz="1000" b="1" dirty="0" smtClean="0">
-                    <a:solidFill>
-                      <a:schemeClr val="bg2"/>
-                    </a:solidFill>
-                  </a:rPr>
-                  <a:t>If not empty:</a:t>
-                </a:r>
-              </a:p>
-              <a:p>
-                <a:pPr algn="ctr"/>
-                <a:r>
-                  <a:rPr lang="en-US" sz="1000" dirty="0" smtClean="0">
-                    <a:solidFill>
-                      <a:schemeClr val="bg2"/>
-                    </a:solidFill>
-                  </a:rPr>
-                  <a:t>scrape associated URLs,  convert </a:t>
-                </a:r>
-                <a:r>
-                  <a:rPr lang="en-US" sz="1000" dirty="0">
-                    <a:solidFill>
-                      <a:schemeClr val="bg2"/>
-                    </a:solidFill>
-                  </a:rPr>
-                  <a:t>to soup, and place in </a:t>
-                </a:r>
-                <a:r>
-                  <a:rPr lang="en-US" sz="1000" dirty="0">
-                    <a:solidFill>
-                      <a:srgbClr val="FF9900"/>
-                    </a:solidFill>
-                  </a:rPr>
-                  <a:t>soup queue </a:t>
-                </a:r>
-              </a:p>
-            </p:txBody>
-          </p:sp>
-          <p:cxnSp>
-            <p:nvCxnSpPr>
-              <p:cNvPr id="211" name="Straight Arrow Connector 210"/>
-              <p:cNvCxnSpPr/>
-              <p:nvPr/>
-            </p:nvCxnSpPr>
-            <p:spPr>
-              <a:xfrm rot="5400000">
-                <a:off x="9918592" y="6914849"/>
-                <a:ext cx="182880" cy="1"/>
-              </a:xfrm>
-              <a:prstGeom prst="straightConnector1">
-                <a:avLst/>
-              </a:prstGeom>
-              <a:ln w="19050">
-                <a:solidFill>
-                  <a:schemeClr val="bg2"/>
-                </a:solidFill>
-                <a:headEnd type="none" w="med" len="med"/>
-                <a:tailEnd type="triangle" w="med" len="med"/>
-              </a:ln>
-            </p:spPr>
-            <p:style>
-              <a:lnRef idx="1">
-                <a:schemeClr val="accent1"/>
-              </a:lnRef>
-              <a:fillRef idx="0">
-                <a:schemeClr val="accent1"/>
-              </a:fillRef>
-              <a:effectRef idx="0">
-                <a:schemeClr val="accent1"/>
-              </a:effectRef>
-              <a:fontRef idx="minor">
-                <a:schemeClr val="tx1"/>
-              </a:fontRef>
-            </p:style>
-          </p:cxnSp>
-        </p:grpSp>
-        <p:cxnSp>
-          <p:nvCxnSpPr>
-            <p:cNvPr id="183" name="Elbow Connector 182"/>
-            <p:cNvCxnSpPr/>
-            <p:nvPr/>
-          </p:nvCxnSpPr>
-          <p:spPr>
-            <a:xfrm rot="10800000">
-              <a:off x="7338673" y="3198113"/>
-              <a:ext cx="914400" cy="1874520"/>
-            </a:xfrm>
-            <a:prstGeom prst="bentConnector3">
-              <a:avLst>
-                <a:gd name="adj1" fmla="val 21178"/>
-              </a:avLst>
-            </a:prstGeom>
-            <a:ln w="19050">
-              <a:solidFill>
-                <a:srgbClr val="19252F"/>
-              </a:solidFill>
-              <a:prstDash val="solid"/>
-              <a:tailEnd type="triangle"/>
-            </a:ln>
-          </p:spPr>
-          <p:style>
-            <a:lnRef idx="1">
-              <a:schemeClr val="accent1"/>
-            </a:lnRef>
-            <a:fillRef idx="0">
-              <a:schemeClr val="accent1"/>
-            </a:fillRef>
-            <a:effectRef idx="0">
-              <a:schemeClr val="accent1"/>
-            </a:effectRef>
-            <a:fontRef idx="minor">
-              <a:schemeClr val="tx1"/>
-            </a:fontRef>
-          </p:style>
-        </p:cxnSp>
-        <p:cxnSp>
-          <p:nvCxnSpPr>
-            <p:cNvPr id="184" name="Elbow Connector 183"/>
-            <p:cNvCxnSpPr/>
-            <p:nvPr/>
-          </p:nvCxnSpPr>
-          <p:spPr>
-            <a:xfrm rot="10800000">
-              <a:off x="7338673" y="3095616"/>
-              <a:ext cx="976107" cy="844379"/>
-            </a:xfrm>
-            <a:prstGeom prst="bentConnector3">
-              <a:avLst>
-                <a:gd name="adj1" fmla="val 14871"/>
-              </a:avLst>
-            </a:prstGeom>
-            <a:ln w="19050">
-              <a:solidFill>
-                <a:srgbClr val="19252F"/>
-              </a:solidFill>
-              <a:prstDash val="solid"/>
-              <a:tailEnd type="triangle"/>
-            </a:ln>
-          </p:spPr>
-          <p:style>
-            <a:lnRef idx="1">
-              <a:schemeClr val="accent1"/>
-            </a:lnRef>
-            <a:fillRef idx="0">
-              <a:schemeClr val="accent1"/>
-            </a:fillRef>
-            <a:effectRef idx="0">
-              <a:schemeClr val="accent1"/>
-            </a:effectRef>
-            <a:fontRef idx="minor">
-              <a:schemeClr val="tx1"/>
-            </a:fontRef>
-          </p:style>
-        </p:cxnSp>
-      </p:grpSp>
-    </p:spTree>
-    <p:extLst>
-      <p:ext uri="{BB962C8B-B14F-4D97-AF65-F5344CB8AC3E}">
-        <p14:creationId xmlns:p14="http://schemas.microsoft.com/office/powerpoint/2010/main" val="3481815973"/>
-      </p:ext>
-    </p:extLst>
-  </p:cSld>
-  <p:clrMapOvr>
-    <a:masterClrMapping/>
-  </p:clrMapOvr>
-  <p:timing>
-    <p:tnLst>
-      <p:par>
-        <p:cTn id="1" dur="indefinite" restart="never" nodeType="tmRoot"/>
-      </p:par>
-    </p:tnLst>
-  </p:timing>
-</p:sld>
-</file>
-
-<file path=ppt/slides/slide2.xml><?xml version="1.0" encoding="utf-8"?>
-<p:sld xmlns:a="http://schemas.openxmlformats.org/drawingml/2006/main" xmlns:r="http://schemas.openxmlformats.org/officeDocument/2006/relationships" xmlns:p="http://schemas.openxmlformats.org/presentationml/2006/main" showMasterSp="0">
-  <p:cSld>
-    <p:spTree>
-      <p:nvGrpSpPr>
-        <p:cNvPr id="1" name=""/>
-        <p:cNvGrpSpPr/>
-        <p:nvPr/>
-      </p:nvGrpSpPr>
-      <p:grpSpPr>
-        <a:xfrm>
-          <a:off x="0" y="0"/>
-          <a:ext cx="0" cy="0"/>
-          <a:chOff x="0" y="0"/>
-          <a:chExt cx="0" cy="0"/>
-        </a:xfrm>
-      </p:grpSpPr>
-      <p:sp>
-        <p:nvSpPr>
-          <p:cNvPr id="3" name="Rectangle 2"/>
-          <p:cNvSpPr/>
-          <p:nvPr/>
-        </p:nvSpPr>
-        <p:spPr>
-          <a:xfrm>
-            <a:off x="13262399" y="0"/>
-            <a:ext cx="2739601" cy="9994900"/>
-          </a:xfrm>
-          <a:prstGeom prst="rect">
-            <a:avLst/>
-          </a:prstGeom>
-          <a:solidFill>
-            <a:schemeClr val="bg1">
-              <a:lumMod val="95000"/>
-            </a:schemeClr>
-          </a:solidFill>
-          <a:ln>
-            <a:noFill/>
-          </a:ln>
-        </p:spPr>
-        <p:style>
-          <a:lnRef idx="2">
-            <a:schemeClr val="accent1">
-              <a:shade val="50000"/>
-            </a:schemeClr>
-          </a:lnRef>
-          <a:fillRef idx="1">
-            <a:schemeClr val="accent1"/>
-          </a:fillRef>
-          <a:effectRef idx="0">
-            <a:schemeClr val="accent1"/>
-          </a:effectRef>
-          <a:fontRef idx="minor">
-            <a:schemeClr val="lt1"/>
-          </a:fontRef>
-        </p:style>
-        <p:txBody>
-          <a:bodyPr rtlCol="0" anchor="ctr"/>
-          <a:lstStyle/>
-          <a:p>
-            <a:pPr algn="ctr"/>
-            <a:endParaRPr lang="en-US"/>
-          </a:p>
-        </p:txBody>
-      </p:sp>
-      <p:cxnSp>
-        <p:nvCxnSpPr>
-          <p:cNvPr id="14" name="Straight Arrow Connector 13"/>
-          <p:cNvCxnSpPr/>
-          <p:nvPr/>
-        </p:nvCxnSpPr>
-        <p:spPr>
-          <a:xfrm>
-            <a:off x="2810951" y="1962744"/>
-            <a:ext cx="0" cy="4114800"/>
-          </a:xfrm>
-          <a:prstGeom prst="straightConnector1">
-            <a:avLst/>
-          </a:prstGeom>
-          <a:ln w="19050">
-            <a:solidFill>
-              <a:schemeClr val="bg2"/>
-            </a:solidFill>
-            <a:headEnd type="none" w="med" len="med"/>
-            <a:tailEnd type="triangle" w="med" len="med"/>
-          </a:ln>
-        </p:spPr>
-        <p:style>
-          <a:lnRef idx="1">
-            <a:schemeClr val="accent1"/>
-          </a:lnRef>
-          <a:fillRef idx="0">
-            <a:schemeClr val="accent1"/>
-          </a:fillRef>
-          <a:effectRef idx="0">
-            <a:schemeClr val="accent1"/>
-          </a:effectRef>
-          <a:fontRef idx="minor">
-            <a:schemeClr val="tx1"/>
-          </a:fontRef>
-        </p:style>
-      </p:cxnSp>
-      <p:sp>
-        <p:nvSpPr>
-          <p:cNvPr id="46" name="Rectangle 45"/>
-          <p:cNvSpPr/>
-          <p:nvPr/>
-        </p:nvSpPr>
-        <p:spPr>
-          <a:xfrm>
-            <a:off x="2607751" y="965299"/>
-            <a:ext cx="1828800" cy="768928"/>
-          </a:xfrm>
-          <a:prstGeom prst="rect">
-            <a:avLst/>
-          </a:prstGeom>
-          <a:solidFill>
-            <a:schemeClr val="tx2"/>
-          </a:solidFill>
-          <a:ln>
-            <a:solidFill>
-              <a:schemeClr val="bg2"/>
-            </a:solidFill>
-          </a:ln>
-        </p:spPr>
-        <p:style>
-          <a:lnRef idx="2">
-            <a:schemeClr val="accent1">
-              <a:shade val="50000"/>
-            </a:schemeClr>
-          </a:lnRef>
-          <a:fillRef idx="1">
-            <a:schemeClr val="accent1"/>
-          </a:fillRef>
-          <a:effectRef idx="0">
-            <a:schemeClr val="accent1"/>
-          </a:effectRef>
-          <a:fontRef idx="minor">
-            <a:schemeClr val="lt1"/>
-          </a:fontRef>
-        </p:style>
-        <p:txBody>
-          <a:bodyPr rot="0" spcFirstLastPara="0" vertOverflow="overflow" horzOverflow="overflow" vert="horz" wrap="square" lIns="91440" tIns="45720" rIns="91440" bIns="45720" numCol="1" spcCol="0" rtlCol="0" fromWordArt="0" anchor="ctr" anchorCtr="0" forceAA="0" compatLnSpc="1">
-            <a:prstTxWarp prst="textNoShape">
-              <a:avLst/>
-            </a:prstTxWarp>
-            <a:noAutofit/>
-          </a:bodyPr>
-          <a:lstStyle/>
-          <a:p>
-            <a:pPr algn="ctr"/>
-            <a:r>
-              <a:rPr lang="en-US" sz="1000" b="1" dirty="0" smtClean="0">
-                <a:solidFill>
-                  <a:schemeClr val="bg2"/>
-                </a:solidFill>
-              </a:rPr>
-              <a:t>Dual Boss</a:t>
-            </a:r>
-            <a:endParaRPr lang="en-US" sz="1000" b="1" dirty="0">
-              <a:solidFill>
-                <a:schemeClr val="bg2"/>
-              </a:solidFill>
-            </a:endParaRPr>
-          </a:p>
-        </p:txBody>
-      </p:sp>
-      <p:sp>
-        <p:nvSpPr>
-          <p:cNvPr id="109" name="Rectangle 108"/>
-          <p:cNvSpPr/>
-          <p:nvPr/>
-        </p:nvSpPr>
-        <p:spPr>
-          <a:xfrm>
-            <a:off x="11080851" y="965299"/>
-            <a:ext cx="1828800" cy="768928"/>
-          </a:xfrm>
-          <a:prstGeom prst="rect">
-            <a:avLst/>
-          </a:prstGeom>
-          <a:solidFill>
-            <a:schemeClr val="bg1"/>
-          </a:solidFill>
-          <a:ln>
-            <a:solidFill>
-              <a:schemeClr val="bg2"/>
-            </a:solidFill>
-          </a:ln>
-        </p:spPr>
-        <p:style>
-          <a:lnRef idx="2">
-            <a:schemeClr val="accent1">
-              <a:shade val="50000"/>
-            </a:schemeClr>
-          </a:lnRef>
-          <a:fillRef idx="1">
-            <a:schemeClr val="accent1"/>
-          </a:fillRef>
-          <a:effectRef idx="0">
-            <a:schemeClr val="accent1"/>
-          </a:effectRef>
-          <a:fontRef idx="minor">
-            <a:schemeClr val="lt1"/>
-          </a:fontRef>
-        </p:style>
-        <p:txBody>
-          <a:bodyPr rot="0" spcFirstLastPara="0" vertOverflow="overflow" horzOverflow="overflow" vert="horz" wrap="square" lIns="91440" tIns="45720" rIns="91440" bIns="45720" numCol="1" spcCol="0" rtlCol="0" fromWordArt="0" anchor="ctr" anchorCtr="0" forceAA="0" compatLnSpc="1">
-            <a:prstTxWarp prst="textNoShape">
-              <a:avLst/>
-            </a:prstTxWarp>
-            <a:noAutofit/>
-          </a:bodyPr>
-          <a:lstStyle/>
-          <a:p>
-            <a:pPr algn="ctr"/>
-            <a:r>
-              <a:rPr lang="en-US" sz="1000" b="1" dirty="0" smtClean="0">
-                <a:solidFill>
-                  <a:schemeClr val="bg2"/>
-                </a:solidFill>
-              </a:rPr>
-              <a:t>Dual Minion</a:t>
-            </a:r>
-            <a:endParaRPr lang="en-US" sz="1000" b="1" dirty="0">
-              <a:solidFill>
-                <a:schemeClr val="bg2"/>
-              </a:solidFill>
-            </a:endParaRPr>
-          </a:p>
-        </p:txBody>
-      </p:sp>
-      <p:sp>
-        <p:nvSpPr>
-          <p:cNvPr id="191" name="Rectangle 190"/>
-          <p:cNvSpPr/>
-          <p:nvPr/>
-        </p:nvSpPr>
-        <p:spPr>
-          <a:xfrm>
-            <a:off x="249172" y="927854"/>
-            <a:ext cx="1828800" cy="3539130"/>
-          </a:xfrm>
-          <a:prstGeom prst="rect">
-            <a:avLst/>
-          </a:prstGeom>
-          <a:solidFill>
-            <a:schemeClr val="tx2"/>
-          </a:solidFill>
-          <a:ln>
-            <a:solidFill>
-              <a:schemeClr val="bg2"/>
-            </a:solidFill>
-          </a:ln>
-        </p:spPr>
-        <p:style>
-          <a:lnRef idx="2">
-            <a:schemeClr val="accent1">
-              <a:shade val="50000"/>
-            </a:schemeClr>
-          </a:lnRef>
-          <a:fillRef idx="1">
-            <a:schemeClr val="accent1"/>
-          </a:fillRef>
-          <a:effectRef idx="0">
-            <a:schemeClr val="accent1"/>
-          </a:effectRef>
-          <a:fontRef idx="minor">
-            <a:schemeClr val="lt1"/>
-          </a:fontRef>
-        </p:style>
-        <p:txBody>
-          <a:bodyPr rot="0" spcFirstLastPara="0" vertOverflow="overflow" horzOverflow="overflow" vert="horz" wrap="square" lIns="91440" tIns="45720" rIns="91440" bIns="45720" numCol="1" spcCol="0" rtlCol="0" fromWordArt="0" anchor="ctr" anchorCtr="0" forceAA="0" compatLnSpc="1">
-            <a:prstTxWarp prst="textNoShape">
-              <a:avLst/>
-            </a:prstTxWarp>
-            <a:noAutofit/>
-          </a:bodyPr>
-          <a:lstStyle/>
-          <a:p>
-            <a:pPr algn="ctr"/>
-            <a:r>
-              <a:rPr lang="en-US" sz="1000" b="1" dirty="0" smtClean="0">
-                <a:solidFill>
-                  <a:schemeClr val="bg2"/>
-                </a:solidFill>
-              </a:rPr>
-              <a:t>Review Database (CSV): </a:t>
-            </a:r>
-          </a:p>
-          <a:p>
-            <a:pPr algn="ctr"/>
-            <a:r>
-              <a:rPr lang="en-US" sz="1000" dirty="0" smtClean="0">
-                <a:solidFill>
-                  <a:schemeClr val="bg2"/>
-                </a:solidFill>
-              </a:rPr>
-              <a:t>Contains data on user reviews such as book reviewed, review publication date, number of stars given, etc.</a:t>
-            </a:r>
-          </a:p>
-        </p:txBody>
-      </p:sp>
-      <p:sp>
-        <p:nvSpPr>
-          <p:cNvPr id="192" name="Rectangle 191"/>
-          <p:cNvSpPr/>
-          <p:nvPr/>
-        </p:nvSpPr>
-        <p:spPr>
-          <a:xfrm>
-            <a:off x="233569" y="5786026"/>
-            <a:ext cx="1828800" cy="3539130"/>
-          </a:xfrm>
-          <a:prstGeom prst="rect">
-            <a:avLst/>
-          </a:prstGeom>
-          <a:solidFill>
-            <a:schemeClr val="tx2"/>
-          </a:solidFill>
-          <a:ln>
-            <a:solidFill>
-              <a:schemeClr val="bg2"/>
-            </a:solidFill>
-          </a:ln>
-        </p:spPr>
-        <p:style>
-          <a:lnRef idx="2">
-            <a:schemeClr val="accent1">
-              <a:shade val="50000"/>
-            </a:schemeClr>
-          </a:lnRef>
-          <a:fillRef idx="1">
-            <a:schemeClr val="accent1"/>
-          </a:fillRef>
-          <a:effectRef idx="0">
-            <a:schemeClr val="accent1"/>
-          </a:effectRef>
-          <a:fontRef idx="minor">
-            <a:schemeClr val="lt1"/>
-          </a:fontRef>
-        </p:style>
-        <p:txBody>
-          <a:bodyPr rot="0" spcFirstLastPara="0" vertOverflow="overflow" horzOverflow="overflow" vert="horz" wrap="square" lIns="91440" tIns="45720" rIns="91440" bIns="45720" numCol="1" spcCol="0" rtlCol="0" fromWordArt="0" anchor="ctr" anchorCtr="0" forceAA="0" compatLnSpc="1">
-            <a:prstTxWarp prst="textNoShape">
-              <a:avLst/>
-            </a:prstTxWarp>
-            <a:noAutofit/>
-          </a:bodyPr>
-          <a:lstStyle/>
-          <a:p>
-            <a:pPr algn="ctr"/>
-            <a:r>
-              <a:rPr lang="en-US" sz="1000" b="1" dirty="0" smtClean="0">
-                <a:solidFill>
-                  <a:schemeClr val="bg2"/>
-                </a:solidFill>
-              </a:rPr>
-              <a:t>Book Database (CSV): </a:t>
-            </a:r>
-          </a:p>
-          <a:p>
-            <a:pPr algn="ctr"/>
-            <a:r>
-              <a:rPr lang="en-US" sz="1000" dirty="0" smtClean="0">
-                <a:solidFill>
-                  <a:schemeClr val="bg2"/>
-                </a:solidFill>
-              </a:rPr>
-              <a:t>Contains meta data on books such as title, series title, publication date, ISBN etc.</a:t>
-            </a:r>
-          </a:p>
-        </p:txBody>
-      </p:sp>
-      <p:sp>
-        <p:nvSpPr>
-          <p:cNvPr id="196" name="Rectangle 195"/>
-          <p:cNvSpPr/>
-          <p:nvPr/>
-        </p:nvSpPr>
-        <p:spPr>
-          <a:xfrm>
             <a:off x="13475958" y="893819"/>
             <a:ext cx="2286000" cy="1009154"/>
           </a:xfrm>
@@ -26851,15 +21172,7 @@
                   <a:schemeClr val="bg2"/>
                 </a:solidFill>
               </a:rPr>
-              <a:t>Book Parser (Parser</a:t>
-            </a:r>
-            <a:r>
-              <a:rPr lang="en-US" sz="1000" dirty="0" smtClean="0">
-                <a:solidFill>
-                  <a:schemeClr val="bg2"/>
-                </a:solidFill>
-              </a:rPr>
-              <a:t>)</a:t>
+              <a:t>Book Parser (Parser)</a:t>
             </a:r>
           </a:p>
           <a:p>
@@ -26880,11 +21193,6 @@
               </a:rPr>
               <a:t>Functionality: extracts and cleans data from web content, validates content</a:t>
             </a:r>
-            <a:endParaRPr lang="en-US" sz="1000" i="1" dirty="0" smtClean="0">
-              <a:solidFill>
-                <a:schemeClr val="bg2"/>
-              </a:solidFill>
-            </a:endParaRPr>
           </a:p>
         </p:txBody>
       </p:sp>
@@ -26984,21 +21292,8 @@
                   <a:schemeClr val="bg2"/>
                 </a:solidFill>
               </a:rPr>
-              <a:t>Dual Boss: </a:t>
+              <a:t>Dual Boss: runs review boss and book boss simultaneously</a:t>
             </a:r>
-            <a:r>
-              <a:rPr lang="en-US" sz="1000" i="1" dirty="0" smtClean="0">
-                <a:solidFill>
-                  <a:schemeClr val="bg2"/>
-                </a:solidFill>
-              </a:rPr>
-              <a:t>runs review boss and book boss simultaneously</a:t>
-            </a:r>
-            <a:endParaRPr lang="en-US" sz="1000" i="1" dirty="0" smtClean="0">
-              <a:solidFill>
-                <a:schemeClr val="bg2"/>
-              </a:solidFill>
-            </a:endParaRPr>
           </a:p>
         </p:txBody>
       </p:sp>
@@ -27100,11 +21395,6 @@
               </a:rPr>
               <a:t>Dual Minion: runs review minion &amp; book minion simultaneously</a:t>
             </a:r>
-            <a:endParaRPr lang="en-US" sz="1000" i="1" dirty="0" smtClean="0">
-              <a:solidFill>
-                <a:schemeClr val="bg2"/>
-              </a:solidFill>
-            </a:endParaRPr>
           </a:p>
         </p:txBody>
       </p:sp>
@@ -27528,15 +21818,7 @@
                   <a:schemeClr val="bg2"/>
                 </a:solidFill>
               </a:rPr>
-              <a:t>The </a:t>
-            </a:r>
-            <a:r>
-              <a:rPr lang="en-US" sz="1000" dirty="0" smtClean="0">
-                <a:solidFill>
-                  <a:schemeClr val="bg2"/>
-                </a:solidFill>
-              </a:rPr>
-              <a:t>system contains multiple minions. </a:t>
+              <a:t>The system contains multiple minions. </a:t>
             </a:r>
           </a:p>
           <a:p>
@@ -27555,23 +21837,7 @@
                   <a:schemeClr val="bg2"/>
                 </a:solidFill>
               </a:rPr>
-              <a:t>Some functionality is not shown here such as: handling of invalid web pages, shutdown mechanisms, </a:t>
-            </a:r>
-            <a:r>
-              <a:rPr lang="en-US" sz="1000" dirty="0" smtClean="0">
-                <a:solidFill>
-                  <a:schemeClr val="bg2"/>
-                </a:solidFill>
-              </a:rPr>
-              <a:t>and </a:t>
-            </a:r>
-            <a:r>
-              <a:rPr lang="en-US" sz="1000" dirty="0" smtClean="0">
-                <a:solidFill>
-                  <a:schemeClr val="bg2"/>
-                </a:solidFill>
-              </a:rPr>
-              <a:t>extended pauses when scraping has been blocked.</a:t>
+              <a:t>Some functionality is not shown here such as: handling of invalid web pages, shutdown mechanisms, and extended pauses when scraping has been blocked.</a:t>
             </a:r>
           </a:p>
         </p:txBody>
